--- a/Day1/intro2pytorch/intro2pytorch.pptx
+++ b/Day1/intro2pytorch/intro2pytorch.pptx
@@ -5,16 +5,17 @@
     <p:sldMasterId id="2147483648" r:id="rId1"/>
   </p:sldMasterIdLst>
   <p:sldIdLst>
-    <p:sldId id="256" r:id="rId2"/>
-    <p:sldId id="257" r:id="rId3"/>
-    <p:sldId id="265" r:id="rId4"/>
-    <p:sldId id="258" r:id="rId5"/>
-    <p:sldId id="259" r:id="rId6"/>
-    <p:sldId id="260" r:id="rId7"/>
-    <p:sldId id="261" r:id="rId8"/>
-    <p:sldId id="262" r:id="rId9"/>
-    <p:sldId id="263" r:id="rId10"/>
-    <p:sldId id="264" r:id="rId11"/>
+    <p:sldId id="256" r:id="rId3"/>
+    <p:sldId id="257" r:id="rId4"/>
+    <p:sldId id="273" r:id="rId5"/>
+    <p:sldId id="265" r:id="rId6"/>
+    <p:sldId id="258" r:id="rId7"/>
+    <p:sldId id="259" r:id="rId8"/>
+    <p:sldId id="260" r:id="rId9"/>
+    <p:sldId id="261" r:id="rId10"/>
+    <p:sldId id="262" r:id="rId11"/>
+    <p:sldId id="263" r:id="rId12"/>
+    <p:sldId id="264" r:id="rId13"/>
   </p:sldIdLst>
   <p:sldSz cx="12192000" cy="6858000"/>
   <p:notesSz cx="6858000" cy="9144000"/>
@@ -113,11 +114,6 @@
       </a:defRPr>
     </a:lvl9pPr>
   </p:defaultTextStyle>
-  <p:extLst>
-    <p:ext uri="{EFAFB233-063F-42B5-8137-9DF3F51BA10A}">
-      <p15:sldGuideLst xmlns:p15="http://schemas.microsoft.com/office/powerpoint/2012/main"/>
-    </p:ext>
-  </p:extLst>
 </p:presentation>
 </file>
 
@@ -166,6 +162,7 @@
               <a:rPr lang="zh-CN" altLang="en-US"/>
               <a:t>单击此处编辑母版标题样式</a:t>
             </a:r>
+            <a:endParaRPr lang="zh-CN" altLang="en-US"/>
           </a:p>
         </p:txBody>
       </p:sp>
@@ -230,6 +227,7 @@
               <a:rPr lang="zh-CN" altLang="en-US"/>
               <a:t>单击此处编辑母版副标题样式</a:t>
             </a:r>
+            <a:endParaRPr lang="zh-CN" altLang="en-US"/>
           </a:p>
         </p:txBody>
       </p:sp>
@@ -250,7 +248,6 @@
           <a:p>
             <a:fld id="{D997B5FA-0921-464F-AAE1-844C04324D75}" type="datetimeFigureOut">
               <a:rPr lang="zh-CN" altLang="en-US" smtClean="0"/>
-              <a:t>2025/1/5</a:t>
             </a:fld>
             <a:endParaRPr lang="zh-CN" altLang="en-US"/>
           </a:p>
@@ -292,7 +289,6 @@
           <a:p>
             <a:fld id="{565CE74E-AB26-4998-AD42-012C4C1AD076}" type="slidenum">
               <a:rPr lang="zh-CN" altLang="en-US" smtClean="0"/>
-              <a:t>‹#›</a:t>
             </a:fld>
             <a:endParaRPr lang="zh-CN" altLang="en-US"/>
           </a:p>
@@ -342,6 +338,7 @@
               <a:rPr lang="zh-CN" altLang="en-US"/>
               <a:t>单击此处编辑母版标题样式</a:t>
             </a:r>
+            <a:endParaRPr lang="zh-CN" altLang="en-US"/>
           </a:p>
         </p:txBody>
       </p:sp>
@@ -365,6 +362,7 @@
               <a:rPr lang="zh-CN" altLang="en-US"/>
               <a:t>单击此处编辑母版文本样式</a:t>
             </a:r>
+            <a:endParaRPr lang="zh-CN" altLang="en-US"/>
           </a:p>
           <a:p>
             <a:pPr lvl="1"/>
@@ -372,6 +370,7 @@
               <a:rPr lang="zh-CN" altLang="en-US"/>
               <a:t>第二级</a:t>
             </a:r>
+            <a:endParaRPr lang="zh-CN" altLang="en-US"/>
           </a:p>
           <a:p>
             <a:pPr lvl="2"/>
@@ -379,6 +378,7 @@
               <a:rPr lang="zh-CN" altLang="en-US"/>
               <a:t>第三级</a:t>
             </a:r>
+            <a:endParaRPr lang="zh-CN" altLang="en-US"/>
           </a:p>
           <a:p>
             <a:pPr lvl="3"/>
@@ -386,6 +386,7 @@
               <a:rPr lang="zh-CN" altLang="en-US"/>
               <a:t>第四级</a:t>
             </a:r>
+            <a:endParaRPr lang="zh-CN" altLang="en-US"/>
           </a:p>
           <a:p>
             <a:pPr lvl="4"/>
@@ -393,6 +394,7 @@
               <a:rPr lang="zh-CN" altLang="en-US"/>
               <a:t>第五级</a:t>
             </a:r>
+            <a:endParaRPr lang="zh-CN" altLang="en-US"/>
           </a:p>
         </p:txBody>
       </p:sp>
@@ -413,7 +415,6 @@
           <a:p>
             <a:fld id="{D997B5FA-0921-464F-AAE1-844C04324D75}" type="datetimeFigureOut">
               <a:rPr lang="zh-CN" altLang="en-US" smtClean="0"/>
-              <a:t>2025/1/5</a:t>
             </a:fld>
             <a:endParaRPr lang="zh-CN" altLang="en-US"/>
           </a:p>
@@ -455,7 +456,6 @@
           <a:p>
             <a:fld id="{565CE74E-AB26-4998-AD42-012C4C1AD076}" type="slidenum">
               <a:rPr lang="zh-CN" altLang="en-US" smtClean="0"/>
-              <a:t>‹#›</a:t>
             </a:fld>
             <a:endParaRPr lang="zh-CN" altLang="en-US"/>
           </a:p>
@@ -510,6 +510,7 @@
               <a:rPr lang="zh-CN" altLang="en-US"/>
               <a:t>单击此处编辑母版标题样式</a:t>
             </a:r>
+            <a:endParaRPr lang="zh-CN" altLang="en-US"/>
           </a:p>
         </p:txBody>
       </p:sp>
@@ -538,6 +539,7 @@
               <a:rPr lang="zh-CN" altLang="en-US"/>
               <a:t>单击此处编辑母版文本样式</a:t>
             </a:r>
+            <a:endParaRPr lang="zh-CN" altLang="en-US"/>
           </a:p>
           <a:p>
             <a:pPr lvl="1"/>
@@ -545,6 +547,7 @@
               <a:rPr lang="zh-CN" altLang="en-US"/>
               <a:t>第二级</a:t>
             </a:r>
+            <a:endParaRPr lang="zh-CN" altLang="en-US"/>
           </a:p>
           <a:p>
             <a:pPr lvl="2"/>
@@ -552,6 +555,7 @@
               <a:rPr lang="zh-CN" altLang="en-US"/>
               <a:t>第三级</a:t>
             </a:r>
+            <a:endParaRPr lang="zh-CN" altLang="en-US"/>
           </a:p>
           <a:p>
             <a:pPr lvl="3"/>
@@ -559,6 +563,7 @@
               <a:rPr lang="zh-CN" altLang="en-US"/>
               <a:t>第四级</a:t>
             </a:r>
+            <a:endParaRPr lang="zh-CN" altLang="en-US"/>
           </a:p>
           <a:p>
             <a:pPr lvl="4"/>
@@ -566,6 +571,7 @@
               <a:rPr lang="zh-CN" altLang="en-US"/>
               <a:t>第五级</a:t>
             </a:r>
+            <a:endParaRPr lang="zh-CN" altLang="en-US"/>
           </a:p>
         </p:txBody>
       </p:sp>
@@ -586,7 +592,6 @@
           <a:p>
             <a:fld id="{D997B5FA-0921-464F-AAE1-844C04324D75}" type="datetimeFigureOut">
               <a:rPr lang="zh-CN" altLang="en-US" smtClean="0"/>
-              <a:t>2025/1/5</a:t>
             </a:fld>
             <a:endParaRPr lang="zh-CN" altLang="en-US"/>
           </a:p>
@@ -628,7 +633,6 @@
           <a:p>
             <a:fld id="{565CE74E-AB26-4998-AD42-012C4C1AD076}" type="slidenum">
               <a:rPr lang="zh-CN" altLang="en-US" smtClean="0"/>
-              <a:t>‹#›</a:t>
             </a:fld>
             <a:endParaRPr lang="zh-CN" altLang="en-US"/>
           </a:p>
@@ -678,6 +682,7 @@
               <a:rPr lang="zh-CN" altLang="en-US"/>
               <a:t>单击此处编辑母版标题样式</a:t>
             </a:r>
+            <a:endParaRPr lang="zh-CN" altLang="en-US"/>
           </a:p>
         </p:txBody>
       </p:sp>
@@ -701,6 +706,7 @@
               <a:rPr lang="zh-CN" altLang="en-US"/>
               <a:t>单击此处编辑母版文本样式</a:t>
             </a:r>
+            <a:endParaRPr lang="zh-CN" altLang="en-US"/>
           </a:p>
           <a:p>
             <a:pPr lvl="1"/>
@@ -708,6 +714,7 @@
               <a:rPr lang="zh-CN" altLang="en-US"/>
               <a:t>第二级</a:t>
             </a:r>
+            <a:endParaRPr lang="zh-CN" altLang="en-US"/>
           </a:p>
           <a:p>
             <a:pPr lvl="2"/>
@@ -715,6 +722,7 @@
               <a:rPr lang="zh-CN" altLang="en-US"/>
               <a:t>第三级</a:t>
             </a:r>
+            <a:endParaRPr lang="zh-CN" altLang="en-US"/>
           </a:p>
           <a:p>
             <a:pPr lvl="3"/>
@@ -722,6 +730,7 @@
               <a:rPr lang="zh-CN" altLang="en-US"/>
               <a:t>第四级</a:t>
             </a:r>
+            <a:endParaRPr lang="zh-CN" altLang="en-US"/>
           </a:p>
           <a:p>
             <a:pPr lvl="4"/>
@@ -729,6 +738,7 @@
               <a:rPr lang="zh-CN" altLang="en-US"/>
               <a:t>第五级</a:t>
             </a:r>
+            <a:endParaRPr lang="zh-CN" altLang="en-US"/>
           </a:p>
         </p:txBody>
       </p:sp>
@@ -749,7 +759,6 @@
           <a:p>
             <a:fld id="{D997B5FA-0921-464F-AAE1-844C04324D75}" type="datetimeFigureOut">
               <a:rPr lang="zh-CN" altLang="en-US" smtClean="0"/>
-              <a:t>2025/1/5</a:t>
             </a:fld>
             <a:endParaRPr lang="zh-CN" altLang="en-US"/>
           </a:p>
@@ -791,7 +800,6 @@
           <a:p>
             <a:fld id="{565CE74E-AB26-4998-AD42-012C4C1AD076}" type="slidenum">
               <a:rPr lang="zh-CN" altLang="en-US" smtClean="0"/>
-              <a:t>‹#›</a:t>
             </a:fld>
             <a:endParaRPr lang="zh-CN" altLang="en-US"/>
           </a:p>
@@ -850,6 +858,7 @@
               <a:rPr lang="zh-CN" altLang="en-US"/>
               <a:t>单击此处编辑母版标题样式</a:t>
             </a:r>
+            <a:endParaRPr lang="zh-CN" altLang="en-US"/>
           </a:p>
         </p:txBody>
       </p:sp>
@@ -969,6 +978,7 @@
               <a:rPr lang="zh-CN" altLang="en-US"/>
               <a:t>单击此处编辑母版文本样式</a:t>
             </a:r>
+            <a:endParaRPr lang="zh-CN" altLang="en-US"/>
           </a:p>
         </p:txBody>
       </p:sp>
@@ -989,7 +999,6 @@
           <a:p>
             <a:fld id="{D997B5FA-0921-464F-AAE1-844C04324D75}" type="datetimeFigureOut">
               <a:rPr lang="zh-CN" altLang="en-US" smtClean="0"/>
-              <a:t>2025/1/5</a:t>
             </a:fld>
             <a:endParaRPr lang="zh-CN" altLang="en-US"/>
           </a:p>
@@ -1031,7 +1040,6 @@
           <a:p>
             <a:fld id="{565CE74E-AB26-4998-AD42-012C4C1AD076}" type="slidenum">
               <a:rPr lang="zh-CN" altLang="en-US" smtClean="0"/>
-              <a:t>‹#›</a:t>
             </a:fld>
             <a:endParaRPr lang="zh-CN" altLang="en-US"/>
           </a:p>
@@ -1081,6 +1089,7 @@
               <a:rPr lang="zh-CN" altLang="en-US"/>
               <a:t>单击此处编辑母版标题样式</a:t>
             </a:r>
+            <a:endParaRPr lang="zh-CN" altLang="en-US"/>
           </a:p>
         </p:txBody>
       </p:sp>
@@ -1109,6 +1118,7 @@
               <a:rPr lang="zh-CN" altLang="en-US"/>
               <a:t>单击此处编辑母版文本样式</a:t>
             </a:r>
+            <a:endParaRPr lang="zh-CN" altLang="en-US"/>
           </a:p>
           <a:p>
             <a:pPr lvl="1"/>
@@ -1116,6 +1126,7 @@
               <a:rPr lang="zh-CN" altLang="en-US"/>
               <a:t>第二级</a:t>
             </a:r>
+            <a:endParaRPr lang="zh-CN" altLang="en-US"/>
           </a:p>
           <a:p>
             <a:pPr lvl="2"/>
@@ -1123,6 +1134,7 @@
               <a:rPr lang="zh-CN" altLang="en-US"/>
               <a:t>第三级</a:t>
             </a:r>
+            <a:endParaRPr lang="zh-CN" altLang="en-US"/>
           </a:p>
           <a:p>
             <a:pPr lvl="3"/>
@@ -1130,6 +1142,7 @@
               <a:rPr lang="zh-CN" altLang="en-US"/>
               <a:t>第四级</a:t>
             </a:r>
+            <a:endParaRPr lang="zh-CN" altLang="en-US"/>
           </a:p>
           <a:p>
             <a:pPr lvl="4"/>
@@ -1137,6 +1150,7 @@
               <a:rPr lang="zh-CN" altLang="en-US"/>
               <a:t>第五级</a:t>
             </a:r>
+            <a:endParaRPr lang="zh-CN" altLang="en-US"/>
           </a:p>
         </p:txBody>
       </p:sp>
@@ -1165,6 +1179,7 @@
               <a:rPr lang="zh-CN" altLang="en-US"/>
               <a:t>单击此处编辑母版文本样式</a:t>
             </a:r>
+            <a:endParaRPr lang="zh-CN" altLang="en-US"/>
           </a:p>
           <a:p>
             <a:pPr lvl="1"/>
@@ -1172,6 +1187,7 @@
               <a:rPr lang="zh-CN" altLang="en-US"/>
               <a:t>第二级</a:t>
             </a:r>
+            <a:endParaRPr lang="zh-CN" altLang="en-US"/>
           </a:p>
           <a:p>
             <a:pPr lvl="2"/>
@@ -1179,6 +1195,7 @@
               <a:rPr lang="zh-CN" altLang="en-US"/>
               <a:t>第三级</a:t>
             </a:r>
+            <a:endParaRPr lang="zh-CN" altLang="en-US"/>
           </a:p>
           <a:p>
             <a:pPr lvl="3"/>
@@ -1186,6 +1203,7 @@
               <a:rPr lang="zh-CN" altLang="en-US"/>
               <a:t>第四级</a:t>
             </a:r>
+            <a:endParaRPr lang="zh-CN" altLang="en-US"/>
           </a:p>
           <a:p>
             <a:pPr lvl="4"/>
@@ -1193,6 +1211,7 @@
               <a:rPr lang="zh-CN" altLang="en-US"/>
               <a:t>第五级</a:t>
             </a:r>
+            <a:endParaRPr lang="zh-CN" altLang="en-US"/>
           </a:p>
         </p:txBody>
       </p:sp>
@@ -1213,7 +1232,6 @@
           <a:p>
             <a:fld id="{D997B5FA-0921-464F-AAE1-844C04324D75}" type="datetimeFigureOut">
               <a:rPr lang="zh-CN" altLang="en-US" smtClean="0"/>
-              <a:t>2025/1/5</a:t>
             </a:fld>
             <a:endParaRPr lang="zh-CN" altLang="en-US"/>
           </a:p>
@@ -1255,7 +1273,6 @@
           <a:p>
             <a:fld id="{565CE74E-AB26-4998-AD42-012C4C1AD076}" type="slidenum">
               <a:rPr lang="zh-CN" altLang="en-US" smtClean="0"/>
-              <a:t>‹#›</a:t>
             </a:fld>
             <a:endParaRPr lang="zh-CN" altLang="en-US"/>
           </a:p>
@@ -1310,6 +1327,7 @@
               <a:rPr lang="zh-CN" altLang="en-US"/>
               <a:t>单击此处编辑母版标题样式</a:t>
             </a:r>
+            <a:endParaRPr lang="zh-CN" altLang="en-US"/>
           </a:p>
         </p:txBody>
       </p:sp>
@@ -1375,6 +1393,7 @@
               <a:rPr lang="zh-CN" altLang="en-US"/>
               <a:t>单击此处编辑母版文本样式</a:t>
             </a:r>
+            <a:endParaRPr lang="zh-CN" altLang="en-US"/>
           </a:p>
         </p:txBody>
       </p:sp>
@@ -1403,6 +1422,7 @@
               <a:rPr lang="zh-CN" altLang="en-US"/>
               <a:t>单击此处编辑母版文本样式</a:t>
             </a:r>
+            <a:endParaRPr lang="zh-CN" altLang="en-US"/>
           </a:p>
           <a:p>
             <a:pPr lvl="1"/>
@@ -1410,6 +1430,7 @@
               <a:rPr lang="zh-CN" altLang="en-US"/>
               <a:t>第二级</a:t>
             </a:r>
+            <a:endParaRPr lang="zh-CN" altLang="en-US"/>
           </a:p>
           <a:p>
             <a:pPr lvl="2"/>
@@ -1417,6 +1438,7 @@
               <a:rPr lang="zh-CN" altLang="en-US"/>
               <a:t>第三级</a:t>
             </a:r>
+            <a:endParaRPr lang="zh-CN" altLang="en-US"/>
           </a:p>
           <a:p>
             <a:pPr lvl="3"/>
@@ -1424,6 +1446,7 @@
               <a:rPr lang="zh-CN" altLang="en-US"/>
               <a:t>第四级</a:t>
             </a:r>
+            <a:endParaRPr lang="zh-CN" altLang="en-US"/>
           </a:p>
           <a:p>
             <a:pPr lvl="4"/>
@@ -1431,6 +1454,7 @@
               <a:rPr lang="zh-CN" altLang="en-US"/>
               <a:t>第五级</a:t>
             </a:r>
+            <a:endParaRPr lang="zh-CN" altLang="en-US"/>
           </a:p>
         </p:txBody>
       </p:sp>
@@ -1496,6 +1520,7 @@
               <a:rPr lang="zh-CN" altLang="en-US"/>
               <a:t>单击此处编辑母版文本样式</a:t>
             </a:r>
+            <a:endParaRPr lang="zh-CN" altLang="en-US"/>
           </a:p>
         </p:txBody>
       </p:sp>
@@ -1524,6 +1549,7 @@
               <a:rPr lang="zh-CN" altLang="en-US"/>
               <a:t>单击此处编辑母版文本样式</a:t>
             </a:r>
+            <a:endParaRPr lang="zh-CN" altLang="en-US"/>
           </a:p>
           <a:p>
             <a:pPr lvl="1"/>
@@ -1531,6 +1557,7 @@
               <a:rPr lang="zh-CN" altLang="en-US"/>
               <a:t>第二级</a:t>
             </a:r>
+            <a:endParaRPr lang="zh-CN" altLang="en-US"/>
           </a:p>
           <a:p>
             <a:pPr lvl="2"/>
@@ -1538,6 +1565,7 @@
               <a:rPr lang="zh-CN" altLang="en-US"/>
               <a:t>第三级</a:t>
             </a:r>
+            <a:endParaRPr lang="zh-CN" altLang="en-US"/>
           </a:p>
           <a:p>
             <a:pPr lvl="3"/>
@@ -1545,6 +1573,7 @@
               <a:rPr lang="zh-CN" altLang="en-US"/>
               <a:t>第四级</a:t>
             </a:r>
+            <a:endParaRPr lang="zh-CN" altLang="en-US"/>
           </a:p>
           <a:p>
             <a:pPr lvl="4"/>
@@ -1552,6 +1581,7 @@
               <a:rPr lang="zh-CN" altLang="en-US"/>
               <a:t>第五级</a:t>
             </a:r>
+            <a:endParaRPr lang="zh-CN" altLang="en-US"/>
           </a:p>
         </p:txBody>
       </p:sp>
@@ -1572,7 +1602,6 @@
           <a:p>
             <a:fld id="{D997B5FA-0921-464F-AAE1-844C04324D75}" type="datetimeFigureOut">
               <a:rPr lang="zh-CN" altLang="en-US" smtClean="0"/>
-              <a:t>2025/1/5</a:t>
             </a:fld>
             <a:endParaRPr lang="zh-CN" altLang="en-US"/>
           </a:p>
@@ -1614,7 +1643,6 @@
           <a:p>
             <a:fld id="{565CE74E-AB26-4998-AD42-012C4C1AD076}" type="slidenum">
               <a:rPr lang="zh-CN" altLang="en-US" smtClean="0"/>
-              <a:t>‹#›</a:t>
             </a:fld>
             <a:endParaRPr lang="zh-CN" altLang="en-US"/>
           </a:p>
@@ -1664,6 +1692,7 @@
               <a:rPr lang="zh-CN" altLang="en-US"/>
               <a:t>单击此处编辑母版标题样式</a:t>
             </a:r>
+            <a:endParaRPr lang="zh-CN" altLang="en-US"/>
           </a:p>
         </p:txBody>
       </p:sp>
@@ -1684,7 +1713,6 @@
           <a:p>
             <a:fld id="{D997B5FA-0921-464F-AAE1-844C04324D75}" type="datetimeFigureOut">
               <a:rPr lang="zh-CN" altLang="en-US" smtClean="0"/>
-              <a:t>2025/1/5</a:t>
             </a:fld>
             <a:endParaRPr lang="zh-CN" altLang="en-US"/>
           </a:p>
@@ -1726,7 +1754,6 @@
           <a:p>
             <a:fld id="{565CE74E-AB26-4998-AD42-012C4C1AD076}" type="slidenum">
               <a:rPr lang="zh-CN" altLang="en-US" smtClean="0"/>
-              <a:t>‹#›</a:t>
             </a:fld>
             <a:endParaRPr lang="zh-CN" altLang="en-US"/>
           </a:p>
@@ -1774,7 +1801,6 @@
           <a:p>
             <a:fld id="{D997B5FA-0921-464F-AAE1-844C04324D75}" type="datetimeFigureOut">
               <a:rPr lang="zh-CN" altLang="en-US" smtClean="0"/>
-              <a:t>2025/1/5</a:t>
             </a:fld>
             <a:endParaRPr lang="zh-CN" altLang="en-US"/>
           </a:p>
@@ -1816,7 +1842,6 @@
           <a:p>
             <a:fld id="{565CE74E-AB26-4998-AD42-012C4C1AD076}" type="slidenum">
               <a:rPr lang="zh-CN" altLang="en-US" smtClean="0"/>
-              <a:t>‹#›</a:t>
             </a:fld>
             <a:endParaRPr lang="zh-CN" altLang="en-US"/>
           </a:p>
@@ -1875,6 +1900,7 @@
               <a:rPr lang="zh-CN" altLang="en-US"/>
               <a:t>单击此处编辑母版标题样式</a:t>
             </a:r>
+            <a:endParaRPr lang="zh-CN" altLang="en-US"/>
           </a:p>
         </p:txBody>
       </p:sp>
@@ -1931,6 +1957,7 @@
               <a:rPr lang="zh-CN" altLang="en-US"/>
               <a:t>单击此处编辑母版文本样式</a:t>
             </a:r>
+            <a:endParaRPr lang="zh-CN" altLang="en-US"/>
           </a:p>
           <a:p>
             <a:pPr lvl="1"/>
@@ -1938,6 +1965,7 @@
               <a:rPr lang="zh-CN" altLang="en-US"/>
               <a:t>第二级</a:t>
             </a:r>
+            <a:endParaRPr lang="zh-CN" altLang="en-US"/>
           </a:p>
           <a:p>
             <a:pPr lvl="2"/>
@@ -1945,6 +1973,7 @@
               <a:rPr lang="zh-CN" altLang="en-US"/>
               <a:t>第三级</a:t>
             </a:r>
+            <a:endParaRPr lang="zh-CN" altLang="en-US"/>
           </a:p>
           <a:p>
             <a:pPr lvl="3"/>
@@ -1952,6 +1981,7 @@
               <a:rPr lang="zh-CN" altLang="en-US"/>
               <a:t>第四级</a:t>
             </a:r>
+            <a:endParaRPr lang="zh-CN" altLang="en-US"/>
           </a:p>
           <a:p>
             <a:pPr lvl="4"/>
@@ -1959,6 +1989,7 @@
               <a:rPr lang="zh-CN" altLang="en-US"/>
               <a:t>第五级</a:t>
             </a:r>
+            <a:endParaRPr lang="zh-CN" altLang="en-US"/>
           </a:p>
         </p:txBody>
       </p:sp>
@@ -2024,6 +2055,7 @@
               <a:rPr lang="zh-CN" altLang="en-US"/>
               <a:t>单击此处编辑母版文本样式</a:t>
             </a:r>
+            <a:endParaRPr lang="zh-CN" altLang="en-US"/>
           </a:p>
         </p:txBody>
       </p:sp>
@@ -2044,7 +2076,6 @@
           <a:p>
             <a:fld id="{D997B5FA-0921-464F-AAE1-844C04324D75}" type="datetimeFigureOut">
               <a:rPr lang="zh-CN" altLang="en-US" smtClean="0"/>
-              <a:t>2025/1/5</a:t>
             </a:fld>
             <a:endParaRPr lang="zh-CN" altLang="en-US"/>
           </a:p>
@@ -2086,7 +2117,6 @@
           <a:p>
             <a:fld id="{565CE74E-AB26-4998-AD42-012C4C1AD076}" type="slidenum">
               <a:rPr lang="zh-CN" altLang="en-US" smtClean="0"/>
-              <a:t>‹#›</a:t>
             </a:fld>
             <a:endParaRPr lang="zh-CN" altLang="en-US"/>
           </a:p>
@@ -2145,6 +2175,7 @@
               <a:rPr lang="zh-CN" altLang="en-US"/>
               <a:t>单击此处编辑母版标题样式</a:t>
             </a:r>
+            <a:endParaRPr lang="zh-CN" altLang="en-US"/>
           </a:p>
         </p:txBody>
       </p:sp>
@@ -2271,6 +2302,7 @@
               <a:rPr lang="zh-CN" altLang="en-US"/>
               <a:t>单击此处编辑母版文本样式</a:t>
             </a:r>
+            <a:endParaRPr lang="zh-CN" altLang="en-US"/>
           </a:p>
         </p:txBody>
       </p:sp>
@@ -2291,7 +2323,6 @@
           <a:p>
             <a:fld id="{D997B5FA-0921-464F-AAE1-844C04324D75}" type="datetimeFigureOut">
               <a:rPr lang="zh-CN" altLang="en-US" smtClean="0"/>
-              <a:t>2025/1/5</a:t>
             </a:fld>
             <a:endParaRPr lang="zh-CN" altLang="en-US"/>
           </a:p>
@@ -2333,7 +2364,6 @@
           <a:p>
             <a:fld id="{565CE74E-AB26-4998-AD42-012C4C1AD076}" type="slidenum">
               <a:rPr lang="zh-CN" altLang="en-US" smtClean="0"/>
-              <a:t>‹#›</a:t>
             </a:fld>
             <a:endParaRPr lang="zh-CN" altLang="en-US"/>
           </a:p>
@@ -2398,6 +2428,7 @@
               <a:rPr lang="zh-CN" altLang="en-US"/>
               <a:t>单击此处编辑母版标题样式</a:t>
             </a:r>
+            <a:endParaRPr lang="zh-CN" altLang="en-US"/>
           </a:p>
         </p:txBody>
       </p:sp>
@@ -2431,6 +2462,7 @@
               <a:rPr lang="zh-CN" altLang="en-US"/>
               <a:t>单击此处编辑母版文本样式</a:t>
             </a:r>
+            <a:endParaRPr lang="zh-CN" altLang="en-US"/>
           </a:p>
           <a:p>
             <a:pPr lvl="1"/>
@@ -2438,6 +2470,7 @@
               <a:rPr lang="zh-CN" altLang="en-US"/>
               <a:t>第二级</a:t>
             </a:r>
+            <a:endParaRPr lang="zh-CN" altLang="en-US"/>
           </a:p>
           <a:p>
             <a:pPr lvl="2"/>
@@ -2445,6 +2478,7 @@
               <a:rPr lang="zh-CN" altLang="en-US"/>
               <a:t>第三级</a:t>
             </a:r>
+            <a:endParaRPr lang="zh-CN" altLang="en-US"/>
           </a:p>
           <a:p>
             <a:pPr lvl="3"/>
@@ -2452,6 +2486,7 @@
               <a:rPr lang="zh-CN" altLang="en-US"/>
               <a:t>第四级</a:t>
             </a:r>
+            <a:endParaRPr lang="zh-CN" altLang="en-US"/>
           </a:p>
           <a:p>
             <a:pPr lvl="4"/>
@@ -2459,6 +2494,7 @@
               <a:rPr lang="zh-CN" altLang="en-US"/>
               <a:t>第五级</a:t>
             </a:r>
+            <a:endParaRPr lang="zh-CN" altLang="en-US"/>
           </a:p>
         </p:txBody>
       </p:sp>
@@ -2497,7 +2533,6 @@
           <a:p>
             <a:fld id="{D997B5FA-0921-464F-AAE1-844C04324D75}" type="datetimeFigureOut">
               <a:rPr lang="zh-CN" altLang="en-US" smtClean="0"/>
-              <a:t>2025/1/5</a:t>
             </a:fld>
             <a:endParaRPr lang="zh-CN" altLang="en-US"/>
           </a:p>
@@ -2575,7 +2610,6 @@
           <a:p>
             <a:fld id="{565CE74E-AB26-4998-AD42-012C4C1AD076}" type="slidenum">
               <a:rPr lang="zh-CN" altLang="en-US" smtClean="0"/>
-              <a:t>‹#›</a:t>
             </a:fld>
             <a:endParaRPr lang="zh-CN" altLang="en-US"/>
           </a:p>
@@ -2906,7 +2940,7 @@
           <p:nvPr/>
         </p:nvPicPr>
         <p:blipFill>
-          <a:blip r:embed="rId2"/>
+          <a:blip r:embed="rId1"/>
           <a:stretch>
             <a:fillRect/>
           </a:stretch>
@@ -2955,25 +2989,28 @@
               </a:rPr>
               <a:t>Basics</a:t>
             </a:r>
-          </a:p>
-        </p:txBody>
-      </p:sp>
-      <p:sp>
-        <p:nvSpPr>
-          <p:cNvPr id="3" name="TextBox 2">
-            <a:extLst>
-              <a:ext uri="{FF2B5EF4-FFF2-40B4-BE49-F238E27FC236}">
-                <a16:creationId xmlns:a16="http://schemas.microsoft.com/office/drawing/2014/main" id="{D44BB01B-EFA3-E6D3-C357-969B1F680C62}"/>
-              </a:ext>
-            </a:extLst>
-          </p:cNvPr>
+            <a:endParaRPr lang="en-US" sz="8000">
+              <a:solidFill>
+                <a:schemeClr val="tx1"/>
+              </a:solidFill>
+              <a:highlight>
+                <a:srgbClr val="FFFF00"/>
+              </a:highlight>
+              <a:sym typeface="+mn-ea"/>
+            </a:endParaRPr>
+          </a:p>
+        </p:txBody>
+      </p:sp>
+      <p:sp>
+        <p:nvSpPr>
+          <p:cNvPr id="3" name="TextBox 2"/>
           <p:cNvSpPr txBox="1"/>
           <p:nvPr/>
         </p:nvSpPr>
         <p:spPr>
           <a:xfrm>
-            <a:off x="1562581" y="4792448"/>
-            <a:ext cx="8310623" cy="1077218"/>
+            <a:off x="467995" y="4792345"/>
+            <a:ext cx="11537315" cy="1076325"/>
           </a:xfrm>
           <a:prstGeom prst="rect">
             <a:avLst/>
@@ -3048,14 +3085,7 @@
   <p:clrMapOvr>
     <a:masterClrMapping/>
   </p:clrMapOvr>
-  <mc:AlternateContent xmlns:mc="http://schemas.openxmlformats.org/markup-compatibility/2006" xmlns:p14="http://schemas.microsoft.com/office/powerpoint/2010/main">
-    <mc:Choice Requires="p14">
-      <p:transition spd="slow"/>
-    </mc:Choice>
-    <mc:Fallback xmlns="">
-      <p:transition spd="slow"/>
-    </mc:Fallback>
-  </mc:AlternateContent>
+  <p:transition spd="slow"/>
   <p:timing>
     <p:tnLst>
       <p:par>
@@ -3224,7 +3254,7 @@
                 <a:cs typeface="Tlwg Mono" panose="02000509000000000000" charset="0"/>
                 <a:sym typeface="+mn-ea"/>
               </a:rPr>
-              <a:t>      X = </a:t>
+              <a:t>      </a:t>
             </a:r>
             <a:r>
               <a:rPr lang="en-US" sz="2000" b="1" dirty="0" err="1">
@@ -3232,7 +3262,7 @@
                 <a:cs typeface="Tlwg Mono" panose="02000509000000000000" charset="0"/>
                 <a:sym typeface="+mn-ea"/>
               </a:rPr>
-              <a:t>torch.tensor</a:t>
+              <a:t>batch_size</a:t>
             </a:r>
             <a:r>
               <a:rPr lang="en-US" sz="2000" b="1" dirty="0">
@@ -3240,8 +3270,13 @@
                 <a:cs typeface="Tlwg Mono" panose="02000509000000000000" charset="0"/>
                 <a:sym typeface="+mn-ea"/>
               </a:rPr>
-              <a:t>([1,2,3,4])</a:t>
-            </a:r>
+              <a:t> = 2, features = 5</a:t>
+            </a:r>
+            <a:endParaRPr lang="en-US" sz="2000" b="1" dirty="0">
+              <a:latin typeface="Tlwg Mono" panose="02000509000000000000" charset="0"/>
+              <a:cs typeface="Tlwg Mono" panose="02000509000000000000" charset="0"/>
+              <a:sym typeface="+mn-ea"/>
+            </a:endParaRPr>
           </a:p>
           <a:p>
             <a:pPr algn="l">
@@ -3255,24 +3290,68 @@
                 <a:cs typeface="Tlwg Mono" panose="02000509000000000000" charset="0"/>
                 <a:sym typeface="+mn-ea"/>
               </a:rPr>
-              <a:t>      Z = </a:t>
+              <a:t>      </a:t>
+            </a:r>
+            <a:r>
+              <a:rPr lang="en-US" sz="2000" b="1" dirty="0">
+                <a:solidFill>
+                  <a:schemeClr val="tx1"/>
+                </a:solidFill>
+                <a:latin typeface="Tlwg Mono" panose="02000509000000000000" charset="0"/>
+                <a:cs typeface="Tlwg Mono" panose="02000509000000000000" charset="0"/>
+                <a:sym typeface="+mn-ea"/>
+              </a:rPr>
+              <a:t>x = </a:t>
             </a:r>
             <a:r>
               <a:rPr lang="en-US" sz="2000" b="1" dirty="0" err="1">
-                <a:latin typeface="Tlwg Mono" panose="02000509000000000000" charset="0"/>
-                <a:cs typeface="Tlwg Mono" panose="02000509000000000000" charset="0"/>
-                <a:sym typeface="+mn-ea"/>
-              </a:rPr>
-              <a:t>X.view</a:t>
+                <a:solidFill>
+                  <a:schemeClr val="tx1"/>
+                </a:solidFill>
+                <a:latin typeface="Tlwg Mono" panose="02000509000000000000" charset="0"/>
+                <a:cs typeface="Tlwg Mono" panose="02000509000000000000" charset="0"/>
+                <a:sym typeface="+mn-ea"/>
+              </a:rPr>
+              <a:t>torch.rand</a:t>
             </a:r>
             <a:r>
               <a:rPr lang="en-US" sz="2000" b="1" dirty="0">
-                <a:latin typeface="Tlwg Mono" panose="02000509000000000000" charset="0"/>
-                <a:cs typeface="Tlwg Mono" panose="02000509000000000000" charset="0"/>
-                <a:sym typeface="+mn-ea"/>
-              </a:rPr>
-              <a:t>(2,2)    # When X is contiguous</a:t>
-            </a:r>
+                <a:solidFill>
+                  <a:schemeClr val="tx1"/>
+                </a:solidFill>
+                <a:latin typeface="Tlwg Mono" panose="02000509000000000000" charset="0"/>
+                <a:cs typeface="Tlwg Mono" panose="02000509000000000000" charset="0"/>
+                <a:sym typeface="+mn-ea"/>
+              </a:rPr>
+              <a:t>((</a:t>
+            </a:r>
+            <a:r>
+              <a:rPr lang="en-US" sz="2000" b="1" dirty="0" err="1">
+                <a:solidFill>
+                  <a:schemeClr val="tx1"/>
+                </a:solidFill>
+                <a:latin typeface="Tlwg Mono" panose="02000509000000000000" charset="0"/>
+                <a:cs typeface="Tlwg Mono" panose="02000509000000000000" charset="0"/>
+                <a:sym typeface="+mn-ea"/>
+              </a:rPr>
+              <a:t>batch_size</a:t>
+            </a:r>
+            <a:r>
+              <a:rPr lang="en-US" sz="2000" b="1" dirty="0">
+                <a:solidFill>
+                  <a:schemeClr val="tx1"/>
+                </a:solidFill>
+                <a:latin typeface="Tlwg Mono" panose="02000509000000000000" charset="0"/>
+                <a:cs typeface="Tlwg Mono" panose="02000509000000000000" charset="0"/>
+                <a:sym typeface="+mn-ea"/>
+              </a:rPr>
+              <a:t>), features)</a:t>
+            </a:r>
+            <a:endParaRPr lang="en-US" sz="2000" b="1" dirty="0">
+              <a:latin typeface="Tlwg Mono" panose="02000509000000000000" charset="0"/>
+              <a:cs typeface="Tlwg Mono" panose="02000509000000000000" charset="0"/>
+              <a:sym typeface="+mn-ea"/>
+            </a:endParaRPr>
           </a:p>
           <a:p>
             <a:pPr algn="l">
@@ -3286,24 +3365,27 @@
                 <a:cs typeface="Tlwg Mono" panose="02000509000000000000" charset="0"/>
                 <a:sym typeface="+mn-ea"/>
               </a:rPr>
-              <a:t>      Z = </a:t>
-            </a:r>
-            <a:r>
-              <a:rPr lang="en-US" sz="2000" b="1" dirty="0" err="1">
-                <a:latin typeface="Tlwg Mono" panose="02000509000000000000" charset="0"/>
-                <a:cs typeface="Tlwg Mono" panose="02000509000000000000" charset="0"/>
-                <a:sym typeface="+mn-ea"/>
-              </a:rPr>
-              <a:t>X.reshape</a:t>
+              <a:t>     </a:t>
             </a:r>
             <a:r>
               <a:rPr lang="en-US" sz="2000" b="1" dirty="0">
-                <a:latin typeface="Tlwg Mono" panose="02000509000000000000" charset="0"/>
-                <a:cs typeface="Tlwg Mono" panose="02000509000000000000" charset="0"/>
-                <a:sym typeface="+mn-ea"/>
-              </a:rPr>
-              <a:t>(2,2) # Independent of contiguity of X</a:t>
-            </a:r>
+                <a:solidFill>
+                  <a:schemeClr val="tx1"/>
+                </a:solidFill>
+                <a:latin typeface="Tlwg Mono" panose="02000509000000000000" charset="0"/>
+                <a:cs typeface="Tlwg Mono" panose="02000509000000000000" charset="0"/>
+                <a:sym typeface="+mn-ea"/>
+              </a:rPr>
+              <a:t> z = x[0].shape     # Get the shape of first tensor</a:t>
+            </a:r>
+            <a:endParaRPr lang="en-US" sz="2000" b="1" dirty="0">
+              <a:solidFill>
+                <a:schemeClr val="tx1"/>
+              </a:solidFill>
+              <a:latin typeface="Tlwg Mono" panose="02000509000000000000" charset="0"/>
+              <a:cs typeface="Tlwg Mono" panose="02000509000000000000" charset="0"/>
+              <a:sym typeface="+mn-ea"/>
+            </a:endParaRPr>
           </a:p>
           <a:p>
             <a:pPr algn="l">
@@ -3313,63 +3395,23 @@
             </a:pPr>
             <a:r>
               <a:rPr lang="en-US" sz="2000" b="1" dirty="0">
-                <a:latin typeface="Tlwg Mono" panose="02000509000000000000" charset="0"/>
-                <a:cs typeface="Tlwg Mono" panose="02000509000000000000" charset="0"/>
-                <a:sym typeface="+mn-ea"/>
-              </a:rPr>
-              <a:t>      </a:t>
-            </a:r>
-            <a:r>
-              <a:rPr lang="en-US" sz="2000" b="1" dirty="0">
                 <a:solidFill>
-                  <a:srgbClr val="FF0000"/>
+                  <a:schemeClr val="tx1"/>
                 </a:solidFill>
                 <a:latin typeface="Tlwg Mono" panose="02000509000000000000" charset="0"/>
                 <a:cs typeface="Tlwg Mono" panose="02000509000000000000" charset="0"/>
                 <a:sym typeface="+mn-ea"/>
               </a:rPr>
-              <a:t>Concatenation:</a:t>
-            </a:r>
-            <a:r>
-              <a:rPr lang="en-US" sz="2000" b="1" dirty="0">
-                <a:latin typeface="Tlwg Mono" panose="02000509000000000000" charset="0"/>
-                <a:cs typeface="Tlwg Mono" panose="02000509000000000000" charset="0"/>
-                <a:sym typeface="+mn-ea"/>
-              </a:rPr>
-              <a:t> X1 = </a:t>
-            </a:r>
-            <a:r>
-              <a:rPr lang="en-US" sz="2000" b="1" dirty="0" err="1">
-                <a:latin typeface="Tlwg Mono" panose="02000509000000000000" charset="0"/>
-                <a:cs typeface="Tlwg Mono" panose="02000509000000000000" charset="0"/>
-                <a:sym typeface="+mn-ea"/>
-              </a:rPr>
-              <a:t>torch.rand</a:t>
-            </a:r>
-            <a:r>
-              <a:rPr lang="en-US" sz="2000" b="1" dirty="0">
-                <a:latin typeface="Tlwg Mono" panose="02000509000000000000" charset="0"/>
-                <a:cs typeface="Tlwg Mono" panose="02000509000000000000" charset="0"/>
-                <a:sym typeface="+mn-ea"/>
-              </a:rPr>
-              <a:t>([2,4]), X2 = </a:t>
-            </a:r>
-            <a:r>
-              <a:rPr lang="en-US" sz="2000" b="1" dirty="0" err="1">
-                <a:latin typeface="Tlwg Mono" panose="02000509000000000000" charset="0"/>
-                <a:cs typeface="Tlwg Mono" panose="02000509000000000000" charset="0"/>
-                <a:sym typeface="+mn-ea"/>
-              </a:rPr>
-              <a:t>torch.rand</a:t>
-            </a:r>
-            <a:r>
-              <a:rPr lang="en-US" sz="2000" b="1" dirty="0">
-                <a:latin typeface="Tlwg Mono" panose="02000509000000000000" charset="0"/>
-                <a:cs typeface="Tlwg Mono" panose="02000509000000000000" charset="0"/>
-                <a:sym typeface="+mn-ea"/>
-              </a:rPr>
-              <a:t>([2,3])</a:t>
-            </a:r>
+              <a:t>      z = x[:,0].shape   # Get the shape of all tensors at the first dimension</a:t>
+            </a:r>
+            <a:endParaRPr lang="en-US" sz="2000" b="1" dirty="0">
+              <a:solidFill>
+                <a:schemeClr val="tx1"/>
+              </a:solidFill>
+              <a:latin typeface="Tlwg Mono" panose="02000509000000000000" charset="0"/>
+              <a:cs typeface="Tlwg Mono" panose="02000509000000000000" charset="0"/>
+              <a:sym typeface="+mn-ea"/>
+            </a:endParaRPr>
           </a:p>
           <a:p>
             <a:pPr algn="l">
@@ -3383,7 +3425,26 @@
                 <a:cs typeface="Tlwg Mono" panose="02000509000000000000" charset="0"/>
                 <a:sym typeface="+mn-ea"/>
               </a:rPr>
-              <a:t>      Z1 = </a:t>
+              <a:t>      </a:t>
+            </a:r>
+            <a:r>
+              <a:rPr lang="en-US" sz="2000" b="1" dirty="0">
+                <a:solidFill>
+                  <a:srgbClr val="FF0000"/>
+                </a:solidFill>
+                <a:latin typeface="Tlwg Mono" panose="02000509000000000000" charset="0"/>
+                <a:cs typeface="Tlwg Mono" panose="02000509000000000000" charset="0"/>
+                <a:sym typeface="+mn-ea"/>
+              </a:rPr>
+              <a:t>Conditional Formatting:</a:t>
+            </a:r>
+            <a:r>
+              <a:rPr lang="en-US" sz="2000" b="1" dirty="0">
+                <a:latin typeface="Tlwg Mono" panose="02000509000000000000" charset="0"/>
+                <a:cs typeface="Tlwg Mono" panose="02000509000000000000" charset="0"/>
+                <a:sym typeface="+mn-ea"/>
+              </a:rPr>
+              <a:t> Z = </a:t>
             </a:r>
             <a:r>
               <a:rPr lang="en-US" sz="2000" b="1" dirty="0" err="1">
@@ -3391,7 +3452,7 @@
                 <a:cs typeface="Tlwg Mono" panose="02000509000000000000" charset="0"/>
                 <a:sym typeface="+mn-ea"/>
               </a:rPr>
-              <a:t>torch.cat</a:t>
+              <a:t>torch.arange</a:t>
             </a:r>
             <a:r>
               <a:rPr lang="en-US" sz="2000" b="1" dirty="0">
@@ -3399,24 +3460,13 @@
                 <a:cs typeface="Tlwg Mono" panose="02000509000000000000" charset="0"/>
                 <a:sym typeface="+mn-ea"/>
               </a:rPr>
-              <a:t>((X1, X2), dim=0), Z2 = </a:t>
-            </a:r>
-            <a:r>
-              <a:rPr lang="en-US" sz="2000" b="1" dirty="0" err="1">
-                <a:latin typeface="Tlwg Mono" panose="02000509000000000000" charset="0"/>
-                <a:cs typeface="Tlwg Mono" panose="02000509000000000000" charset="0"/>
-                <a:sym typeface="+mn-ea"/>
-              </a:rPr>
-              <a:t>torch.cat</a:t>
-            </a:r>
-            <a:r>
-              <a:rPr lang="en-US" sz="2000" b="1" dirty="0">
-                <a:latin typeface="Tlwg Mono" panose="02000509000000000000" charset="0"/>
-                <a:cs typeface="Tlwg Mono" panose="02000509000000000000" charset="0"/>
-                <a:sym typeface="+mn-ea"/>
-              </a:rPr>
-              <a:t>(X1, X2, dim=1)</a:t>
-            </a:r>
+              <a:t>(10)</a:t>
+            </a:r>
+            <a:endParaRPr lang="en-US" sz="2000" b="1" dirty="0">
+              <a:latin typeface="Tlwg Mono" panose="02000509000000000000" charset="0"/>
+              <a:cs typeface="Tlwg Mono" panose="02000509000000000000" charset="0"/>
+              <a:sym typeface="+mn-ea"/>
+            </a:endParaRPr>
           </a:p>
           <a:p>
             <a:pPr algn="l">
@@ -3430,24 +3480,13 @@
                 <a:cs typeface="Tlwg Mono" panose="02000509000000000000" charset="0"/>
                 <a:sym typeface="+mn-ea"/>
               </a:rPr>
-              <a:t>      T = </a:t>
-            </a:r>
-            <a:r>
-              <a:rPr lang="en-US" sz="2000" b="1" dirty="0" err="1">
-                <a:latin typeface="Tlwg Mono" panose="02000509000000000000" charset="0"/>
-                <a:cs typeface="Tlwg Mono" panose="02000509000000000000" charset="0"/>
-                <a:sym typeface="+mn-ea"/>
-              </a:rPr>
-              <a:t>torch.tensor</a:t>
-            </a:r>
-            <a:r>
-              <a:rPr lang="en-US" sz="2000" b="1" dirty="0">
-                <a:latin typeface="Tlwg Mono" panose="02000509000000000000" charset="0"/>
-                <a:cs typeface="Tlwg Mono" panose="02000509000000000000" charset="0"/>
-                <a:sym typeface="+mn-ea"/>
-              </a:rPr>
-              <a:t>([1,2,3])</a:t>
-            </a:r>
+              <a:t>      Z[(Z&gt;2) | (Z&lt;8)]     # Get the elements greater than 2 and less than 8</a:t>
+            </a:r>
+            <a:endParaRPr lang="en-US" sz="2000" b="1" dirty="0">
+              <a:latin typeface="Tlwg Mono" panose="02000509000000000000" charset="0"/>
+              <a:cs typeface="Tlwg Mono" panose="02000509000000000000" charset="0"/>
+              <a:sym typeface="+mn-ea"/>
+            </a:endParaRPr>
           </a:p>
           <a:p>
             <a:pPr algn="l">
@@ -3461,7 +3500,7 @@
                 <a:cs typeface="Tlwg Mono" panose="02000509000000000000" charset="0"/>
                 <a:sym typeface="+mn-ea"/>
               </a:rPr>
-              <a:t>      T = </a:t>
+              <a:t>      Z[</a:t>
             </a:r>
             <a:r>
               <a:rPr lang="en-US" sz="2000" b="1" dirty="0" err="1">
@@ -3469,7 +3508,7 @@
                 <a:cs typeface="Tlwg Mono" panose="02000509000000000000" charset="0"/>
                 <a:sym typeface="+mn-ea"/>
               </a:rPr>
-              <a:t>T.permute</a:t>
+              <a:t>Z.remainder</a:t>
             </a:r>
             <a:r>
               <a:rPr lang="en-US" sz="2000" b="1" dirty="0">
@@ -3477,8 +3516,13 @@
                 <a:cs typeface="Tlwg Mono" panose="02000509000000000000" charset="0"/>
                 <a:sym typeface="+mn-ea"/>
               </a:rPr>
-              <a:t>(0,2,1) </a:t>
-            </a:r>
+              <a:t>(2)==0] # Get the even numbered elements</a:t>
+            </a:r>
+            <a:endParaRPr lang="en-US" sz="2000" b="1" dirty="0">
+              <a:latin typeface="Tlwg Mono" panose="02000509000000000000" charset="0"/>
+              <a:cs typeface="Tlwg Mono" panose="02000509000000000000" charset="0"/>
+              <a:sym typeface="+mn-ea"/>
+            </a:endParaRPr>
           </a:p>
           <a:p>
             <a:pPr algn="l">
@@ -3492,6 +3536,415 @@
                 <a:cs typeface="Tlwg Mono" panose="02000509000000000000" charset="0"/>
                 <a:sym typeface="+mn-ea"/>
               </a:rPr>
+              <a:t>      Z = </a:t>
+            </a:r>
+            <a:r>
+              <a:rPr lang="en-US" sz="2000" b="1" dirty="0" err="1">
+                <a:latin typeface="Tlwg Mono" panose="02000509000000000000" charset="0"/>
+                <a:cs typeface="Tlwg Mono" panose="02000509000000000000" charset="0"/>
+                <a:sym typeface="+mn-ea"/>
+              </a:rPr>
+              <a:t>torch.where</a:t>
+            </a:r>
+            <a:r>
+              <a:rPr lang="en-US" sz="2000" b="1" dirty="0">
+                <a:latin typeface="Tlwg Mono" panose="02000509000000000000" charset="0"/>
+                <a:cs typeface="Tlwg Mono" panose="02000509000000000000" charset="0"/>
+                <a:sym typeface="+mn-ea"/>
+              </a:rPr>
+              <a:t>(X&gt;5, X, X*2) </a:t>
+            </a:r>
+            <a:endParaRPr lang="en-US" sz="2000" b="1" dirty="0">
+              <a:latin typeface="Tlwg Mono" panose="02000509000000000000" charset="0"/>
+              <a:cs typeface="Tlwg Mono" panose="02000509000000000000" charset="0"/>
+              <a:sym typeface="+mn-ea"/>
+            </a:endParaRPr>
+          </a:p>
+        </p:txBody>
+      </p:sp>
+      <p:sp>
+        <p:nvSpPr>
+          <p:cNvPr id="10" name="Text Box 9"/>
+          <p:cNvSpPr txBox="1"/>
+          <p:nvPr/>
+        </p:nvSpPr>
+        <p:spPr>
+          <a:xfrm>
+            <a:off x="0" y="782955"/>
+            <a:ext cx="3348990" cy="460375"/>
+          </a:xfrm>
+          <a:prstGeom prst="rect">
+            <a:avLst/>
+          </a:prstGeom>
+          <a:solidFill>
+            <a:schemeClr val="accent6">
+              <a:lumMod val="40000"/>
+              <a:lumOff val="60000"/>
+            </a:schemeClr>
+          </a:solidFill>
+        </p:spPr>
+        <p:txBody>
+          <a:bodyPr wrap="none" rtlCol="0" anchor="t">
+            <a:spAutoFit/>
+          </a:bodyPr>
+          <a:lstStyle/>
+          <a:p>
+            <a:r>
+              <a:rPr lang="en-US" sz="2400" b="1">
+                <a:sym typeface="+mn-ea"/>
+              </a:rPr>
+              <a:t>3. Tensor Indexing</a:t>
+            </a:r>
+            <a:endParaRPr lang="en-US" sz="2400" b="1">
+              <a:sym typeface="+mn-ea"/>
+            </a:endParaRPr>
+          </a:p>
+        </p:txBody>
+      </p:sp>
+      <p:sp>
+        <p:nvSpPr>
+          <p:cNvPr id="4" name="Title 5"/>
+          <p:cNvSpPr>
+            <a:spLocks noGrp="1"/>
+          </p:cNvSpPr>
+          <p:nvPr>
+            <p:ph type="title"/>
+          </p:nvPr>
+        </p:nvSpPr>
+        <p:spPr>
+          <a:xfrm>
+            <a:off x="-1270" y="40640"/>
+            <a:ext cx="12190730" cy="551180"/>
+          </a:xfrm>
+          <a:solidFill>
+            <a:srgbClr val="7030A0"/>
+          </a:solidFill>
+        </p:spPr>
+        <p:txBody>
+          <a:bodyPr>
+            <a:normAutofit fontScale="90000"/>
+          </a:bodyPr>
+          <a:lstStyle/>
+          <a:p>
+            <a:pPr algn="ctr"/>
+            <a:r>
+              <a:rPr lang="en-US" dirty="0" err="1">
+                <a:solidFill>
+                  <a:schemeClr val="bg1"/>
+                </a:solidFill>
+              </a:rPr>
+              <a:t>Pytorch</a:t>
+            </a:r>
+            <a:r>
+              <a:rPr lang="en-US" dirty="0">
+                <a:solidFill>
+                  <a:schemeClr val="bg1"/>
+                </a:solidFill>
+              </a:rPr>
+              <a:t> Basics </a:t>
+            </a:r>
+            <a:endParaRPr lang="en-US" dirty="0">
+              <a:solidFill>
+                <a:schemeClr val="bg1"/>
+              </a:solidFill>
+            </a:endParaRPr>
+          </a:p>
+        </p:txBody>
+      </p:sp>
+    </p:spTree>
+  </p:cSld>
+  <p:clrMapOvr>
+    <a:masterClrMapping/>
+  </p:clrMapOvr>
+</p:sld>
+</file>
+
+<file path=ppt/slides/slide11.xml><?xml version="1.0" encoding="utf-8"?>
+<p:sld xmlns:a="http://schemas.openxmlformats.org/drawingml/2006/main" xmlns:r="http://schemas.openxmlformats.org/officeDocument/2006/relationships" xmlns:p="http://schemas.openxmlformats.org/presentationml/2006/main">
+  <p:cSld>
+    <p:spTree>
+      <p:nvGrpSpPr>
+        <p:cNvPr id="1" name=""/>
+        <p:cNvGrpSpPr/>
+        <p:nvPr/>
+      </p:nvGrpSpPr>
+      <p:grpSpPr>
+        <a:xfrm>
+          <a:off x="0" y="0"/>
+          <a:ext cx="0" cy="0"/>
+          <a:chOff x="0" y="0"/>
+          <a:chExt cx="0" cy="0"/>
+        </a:xfrm>
+      </p:grpSpPr>
+      <p:sp>
+        <p:nvSpPr>
+          <p:cNvPr id="8" name="Text Box 7"/>
+          <p:cNvSpPr txBox="1"/>
+          <p:nvPr/>
+        </p:nvSpPr>
+        <p:spPr>
+          <a:xfrm>
+            <a:off x="0" y="1653540"/>
+            <a:ext cx="12192000" cy="5015865"/>
+          </a:xfrm>
+          <a:prstGeom prst="rect">
+            <a:avLst/>
+          </a:prstGeom>
+          <a:solidFill>
+            <a:schemeClr val="accent2">
+              <a:lumMod val="20000"/>
+              <a:lumOff val="80000"/>
+            </a:schemeClr>
+          </a:solidFill>
+        </p:spPr>
+        <p:txBody>
+          <a:bodyPr wrap="square" rtlCol="0" anchor="t">
+            <a:spAutoFit/>
+          </a:bodyPr>
+          <a:lstStyle/>
+          <a:p>
+            <a:pPr algn="l">
+              <a:lnSpc>
+                <a:spcPct val="200000"/>
+              </a:lnSpc>
+            </a:pPr>
+            <a:r>
+              <a:rPr lang="en-US" sz="2000" b="1" dirty="0">
+                <a:latin typeface="Tlwg Mono" panose="02000509000000000000" charset="0"/>
+                <a:cs typeface="Tlwg Mono" panose="02000509000000000000" charset="0"/>
+                <a:sym typeface="+mn-ea"/>
+              </a:rPr>
+              <a:t>      X = </a:t>
+            </a:r>
+            <a:r>
+              <a:rPr lang="en-US" sz="2000" b="1" dirty="0" err="1">
+                <a:latin typeface="Tlwg Mono" panose="02000509000000000000" charset="0"/>
+                <a:cs typeface="Tlwg Mono" panose="02000509000000000000" charset="0"/>
+                <a:sym typeface="+mn-ea"/>
+              </a:rPr>
+              <a:t>torch.tensor</a:t>
+            </a:r>
+            <a:r>
+              <a:rPr lang="en-US" sz="2000" b="1" dirty="0">
+                <a:latin typeface="Tlwg Mono" panose="02000509000000000000" charset="0"/>
+                <a:cs typeface="Tlwg Mono" panose="02000509000000000000" charset="0"/>
+                <a:sym typeface="+mn-ea"/>
+              </a:rPr>
+              <a:t>([1,2,3,4])</a:t>
+            </a:r>
+            <a:endParaRPr lang="en-US" sz="2000" b="1" dirty="0">
+              <a:latin typeface="Tlwg Mono" panose="02000509000000000000" charset="0"/>
+              <a:cs typeface="Tlwg Mono" panose="02000509000000000000" charset="0"/>
+              <a:sym typeface="+mn-ea"/>
+            </a:endParaRPr>
+          </a:p>
+          <a:p>
+            <a:pPr algn="l">
+              <a:lnSpc>
+                <a:spcPct val="200000"/>
+              </a:lnSpc>
+            </a:pPr>
+            <a:r>
+              <a:rPr lang="en-US" sz="2000" b="1" dirty="0">
+                <a:latin typeface="Tlwg Mono" panose="02000509000000000000" charset="0"/>
+                <a:cs typeface="Tlwg Mono" panose="02000509000000000000" charset="0"/>
+                <a:sym typeface="+mn-ea"/>
+              </a:rPr>
+              <a:t>      Z = </a:t>
+            </a:r>
+            <a:r>
+              <a:rPr lang="en-US" sz="2000" b="1" dirty="0" err="1">
+                <a:latin typeface="Tlwg Mono" panose="02000509000000000000" charset="0"/>
+                <a:cs typeface="Tlwg Mono" panose="02000509000000000000" charset="0"/>
+                <a:sym typeface="+mn-ea"/>
+              </a:rPr>
+              <a:t>X.view</a:t>
+            </a:r>
+            <a:r>
+              <a:rPr lang="en-US" sz="2000" b="1" dirty="0">
+                <a:latin typeface="Tlwg Mono" panose="02000509000000000000" charset="0"/>
+                <a:cs typeface="Tlwg Mono" panose="02000509000000000000" charset="0"/>
+                <a:sym typeface="+mn-ea"/>
+              </a:rPr>
+              <a:t>(2,2)    # When X is contiguous</a:t>
+            </a:r>
+            <a:endParaRPr lang="en-US" sz="2000" b="1" dirty="0">
+              <a:latin typeface="Tlwg Mono" panose="02000509000000000000" charset="0"/>
+              <a:cs typeface="Tlwg Mono" panose="02000509000000000000" charset="0"/>
+              <a:sym typeface="+mn-ea"/>
+            </a:endParaRPr>
+          </a:p>
+          <a:p>
+            <a:pPr algn="l">
+              <a:lnSpc>
+                <a:spcPct val="200000"/>
+              </a:lnSpc>
+            </a:pPr>
+            <a:r>
+              <a:rPr lang="en-US" sz="2000" b="1" dirty="0">
+                <a:latin typeface="Tlwg Mono" panose="02000509000000000000" charset="0"/>
+                <a:cs typeface="Tlwg Mono" panose="02000509000000000000" charset="0"/>
+                <a:sym typeface="+mn-ea"/>
+              </a:rPr>
+              <a:t>      Z = </a:t>
+            </a:r>
+            <a:r>
+              <a:rPr lang="en-US" sz="2000" b="1" dirty="0" err="1">
+                <a:latin typeface="Tlwg Mono" panose="02000509000000000000" charset="0"/>
+                <a:cs typeface="Tlwg Mono" panose="02000509000000000000" charset="0"/>
+                <a:sym typeface="+mn-ea"/>
+              </a:rPr>
+              <a:t>X.reshape</a:t>
+            </a:r>
+            <a:r>
+              <a:rPr lang="en-US" sz="2000" b="1" dirty="0">
+                <a:latin typeface="Tlwg Mono" panose="02000509000000000000" charset="0"/>
+                <a:cs typeface="Tlwg Mono" panose="02000509000000000000" charset="0"/>
+                <a:sym typeface="+mn-ea"/>
+              </a:rPr>
+              <a:t>(2,2) # Independent of contiguity of X</a:t>
+            </a:r>
+            <a:endParaRPr lang="en-US" sz="2000" b="1" dirty="0">
+              <a:latin typeface="Tlwg Mono" panose="02000509000000000000" charset="0"/>
+              <a:cs typeface="Tlwg Mono" panose="02000509000000000000" charset="0"/>
+              <a:sym typeface="+mn-ea"/>
+            </a:endParaRPr>
+          </a:p>
+          <a:p>
+            <a:pPr algn="l">
+              <a:lnSpc>
+                <a:spcPct val="200000"/>
+              </a:lnSpc>
+            </a:pPr>
+            <a:r>
+              <a:rPr lang="en-US" sz="2000" b="1" dirty="0">
+                <a:latin typeface="Tlwg Mono" panose="02000509000000000000" charset="0"/>
+                <a:cs typeface="Tlwg Mono" panose="02000509000000000000" charset="0"/>
+                <a:sym typeface="+mn-ea"/>
+              </a:rPr>
+              <a:t>      </a:t>
+            </a:r>
+            <a:r>
+              <a:rPr lang="en-US" sz="2000" b="1" dirty="0">
+                <a:solidFill>
+                  <a:srgbClr val="FF0000"/>
+                </a:solidFill>
+                <a:latin typeface="Tlwg Mono" panose="02000509000000000000" charset="0"/>
+                <a:cs typeface="Tlwg Mono" panose="02000509000000000000" charset="0"/>
+                <a:sym typeface="+mn-ea"/>
+              </a:rPr>
+              <a:t>Concatenation:</a:t>
+            </a:r>
+            <a:r>
+              <a:rPr lang="en-US" sz="2000" b="1" dirty="0">
+                <a:latin typeface="Tlwg Mono" panose="02000509000000000000" charset="0"/>
+                <a:cs typeface="Tlwg Mono" panose="02000509000000000000" charset="0"/>
+                <a:sym typeface="+mn-ea"/>
+              </a:rPr>
+              <a:t> X1 = </a:t>
+            </a:r>
+            <a:r>
+              <a:rPr lang="en-US" sz="2000" b="1" dirty="0" err="1">
+                <a:latin typeface="Tlwg Mono" panose="02000509000000000000" charset="0"/>
+                <a:cs typeface="Tlwg Mono" panose="02000509000000000000" charset="0"/>
+                <a:sym typeface="+mn-ea"/>
+              </a:rPr>
+              <a:t>torch.rand</a:t>
+            </a:r>
+            <a:r>
+              <a:rPr lang="en-US" sz="2000" b="1" dirty="0">
+                <a:latin typeface="Tlwg Mono" panose="02000509000000000000" charset="0"/>
+                <a:cs typeface="Tlwg Mono" panose="02000509000000000000" charset="0"/>
+                <a:sym typeface="+mn-ea"/>
+              </a:rPr>
+              <a:t>([2,4]), X2 = </a:t>
+            </a:r>
+            <a:r>
+              <a:rPr lang="en-US" sz="2000" b="1" dirty="0" err="1">
+                <a:latin typeface="Tlwg Mono" panose="02000509000000000000" charset="0"/>
+                <a:cs typeface="Tlwg Mono" panose="02000509000000000000" charset="0"/>
+                <a:sym typeface="+mn-ea"/>
+              </a:rPr>
+              <a:t>torch.rand</a:t>
+            </a:r>
+            <a:r>
+              <a:rPr lang="en-US" sz="2000" b="1" dirty="0">
+                <a:latin typeface="Tlwg Mono" panose="02000509000000000000" charset="0"/>
+                <a:cs typeface="Tlwg Mono" panose="02000509000000000000" charset="0"/>
+                <a:sym typeface="+mn-ea"/>
+              </a:rPr>
+              <a:t>([2,3])</a:t>
+            </a:r>
+            <a:endParaRPr lang="en-US" sz="2000" b="1" dirty="0">
+              <a:latin typeface="Tlwg Mono" panose="02000509000000000000" charset="0"/>
+              <a:cs typeface="Tlwg Mono" panose="02000509000000000000" charset="0"/>
+              <a:sym typeface="+mn-ea"/>
+            </a:endParaRPr>
+          </a:p>
+          <a:p>
+            <a:pPr algn="l">
+              <a:lnSpc>
+                <a:spcPct val="200000"/>
+              </a:lnSpc>
+            </a:pPr>
+            <a:r>
+              <a:rPr lang="en-US" sz="2000" b="1" dirty="0">
+                <a:latin typeface="Tlwg Mono" panose="02000509000000000000" charset="0"/>
+                <a:cs typeface="Tlwg Mono" panose="02000509000000000000" charset="0"/>
+                <a:sym typeface="+mn-ea"/>
+              </a:rPr>
+              <a:t>      Z1 = </a:t>
+            </a:r>
+            <a:r>
+              <a:rPr lang="en-US" sz="2000" b="1" dirty="0" err="1">
+                <a:latin typeface="Tlwg Mono" panose="02000509000000000000" charset="0"/>
+                <a:cs typeface="Tlwg Mono" panose="02000509000000000000" charset="0"/>
+                <a:sym typeface="+mn-ea"/>
+              </a:rPr>
+              <a:t>torch.cat</a:t>
+            </a:r>
+            <a:r>
+              <a:rPr lang="en-US" sz="2000" b="1" dirty="0">
+                <a:latin typeface="Tlwg Mono" panose="02000509000000000000" charset="0"/>
+                <a:cs typeface="Tlwg Mono" panose="02000509000000000000" charset="0"/>
+                <a:sym typeface="+mn-ea"/>
+              </a:rPr>
+              <a:t>((X1, X2), dim=0), Z2 = </a:t>
+            </a:r>
+            <a:r>
+              <a:rPr lang="en-US" sz="2000" b="1" dirty="0" err="1">
+                <a:latin typeface="Tlwg Mono" panose="02000509000000000000" charset="0"/>
+                <a:cs typeface="Tlwg Mono" panose="02000509000000000000" charset="0"/>
+                <a:sym typeface="+mn-ea"/>
+              </a:rPr>
+              <a:t>torch.cat</a:t>
+            </a:r>
+            <a:r>
+              <a:rPr lang="en-US" sz="2000" b="1" dirty="0">
+                <a:latin typeface="Tlwg Mono" panose="02000509000000000000" charset="0"/>
+                <a:cs typeface="Tlwg Mono" panose="02000509000000000000" charset="0"/>
+                <a:sym typeface="+mn-ea"/>
+              </a:rPr>
+              <a:t>(X1, X2, dim=1)</a:t>
+            </a:r>
+            <a:endParaRPr lang="en-US" sz="2000" b="1" dirty="0">
+              <a:latin typeface="Tlwg Mono" panose="02000509000000000000" charset="0"/>
+              <a:cs typeface="Tlwg Mono" panose="02000509000000000000" charset="0"/>
+              <a:sym typeface="+mn-ea"/>
+            </a:endParaRPr>
+          </a:p>
+          <a:p>
+            <a:pPr algn="l">
+              <a:lnSpc>
+                <a:spcPct val="200000"/>
+              </a:lnSpc>
+            </a:pPr>
+            <a:r>
+              <a:rPr lang="en-US" sz="2000" b="1" dirty="0">
+                <a:latin typeface="Tlwg Mono" panose="02000509000000000000" charset="0"/>
+                <a:cs typeface="Tlwg Mono" panose="02000509000000000000" charset="0"/>
+                <a:sym typeface="+mn-ea"/>
+              </a:rPr>
               <a:t>      T = </a:t>
             </a:r>
             <a:r>
@@ -3500,6 +3953,78 @@
                 <a:cs typeface="Tlwg Mono" panose="02000509000000000000" charset="0"/>
                 <a:sym typeface="+mn-ea"/>
               </a:rPr>
+              <a:t>torch.tensor</a:t>
+            </a:r>
+            <a:r>
+              <a:rPr lang="en-US" sz="2000" b="1" dirty="0">
+                <a:latin typeface="Tlwg Mono" panose="02000509000000000000" charset="0"/>
+                <a:cs typeface="Tlwg Mono" panose="02000509000000000000" charset="0"/>
+                <a:sym typeface="+mn-ea"/>
+              </a:rPr>
+              <a:t>([1,2,3])</a:t>
+            </a:r>
+            <a:endParaRPr lang="en-US" sz="2000" b="1" dirty="0">
+              <a:latin typeface="Tlwg Mono" panose="02000509000000000000" charset="0"/>
+              <a:cs typeface="Tlwg Mono" panose="02000509000000000000" charset="0"/>
+              <a:sym typeface="+mn-ea"/>
+            </a:endParaRPr>
+          </a:p>
+          <a:p>
+            <a:pPr algn="l">
+              <a:lnSpc>
+                <a:spcPct val="200000"/>
+              </a:lnSpc>
+            </a:pPr>
+            <a:r>
+              <a:rPr lang="en-US" sz="2000" b="1" dirty="0">
+                <a:latin typeface="Tlwg Mono" panose="02000509000000000000" charset="0"/>
+                <a:cs typeface="Tlwg Mono" panose="02000509000000000000" charset="0"/>
+                <a:sym typeface="+mn-ea"/>
+              </a:rPr>
+              <a:t>      T = </a:t>
+            </a:r>
+            <a:r>
+              <a:rPr lang="en-US" sz="2000" b="1" dirty="0" err="1">
+                <a:latin typeface="Tlwg Mono" panose="02000509000000000000" charset="0"/>
+                <a:cs typeface="Tlwg Mono" panose="02000509000000000000" charset="0"/>
+                <a:sym typeface="+mn-ea"/>
+              </a:rPr>
+              <a:t>T.permute</a:t>
+            </a:r>
+            <a:r>
+              <a:rPr lang="en-US" sz="2000" b="1" dirty="0">
+                <a:latin typeface="Tlwg Mono" panose="02000509000000000000" charset="0"/>
+                <a:cs typeface="Tlwg Mono" panose="02000509000000000000" charset="0"/>
+                <a:sym typeface="+mn-ea"/>
+              </a:rPr>
+              <a:t>(0,2,1) </a:t>
+            </a:r>
+            <a:endParaRPr lang="en-US" sz="2000" b="1" dirty="0">
+              <a:latin typeface="Tlwg Mono" panose="02000509000000000000" charset="0"/>
+              <a:cs typeface="Tlwg Mono" panose="02000509000000000000" charset="0"/>
+              <a:sym typeface="+mn-ea"/>
+            </a:endParaRPr>
+          </a:p>
+          <a:p>
+            <a:pPr algn="l">
+              <a:lnSpc>
+                <a:spcPct val="200000"/>
+              </a:lnSpc>
+            </a:pPr>
+            <a:r>
+              <a:rPr lang="en-US" sz="2000" b="1" dirty="0">
+                <a:latin typeface="Tlwg Mono" panose="02000509000000000000" charset="0"/>
+                <a:cs typeface="Tlwg Mono" panose="02000509000000000000" charset="0"/>
+                <a:sym typeface="+mn-ea"/>
+              </a:rPr>
+              <a:t>      T = </a:t>
+            </a:r>
+            <a:r>
+              <a:rPr lang="en-US" sz="2000" b="1" dirty="0" err="1">
+                <a:latin typeface="Tlwg Mono" panose="02000509000000000000" charset="0"/>
+                <a:cs typeface="Tlwg Mono" panose="02000509000000000000" charset="0"/>
+                <a:sym typeface="+mn-ea"/>
+              </a:rPr>
               <a:t>T.unsqueeze</a:t>
             </a:r>
             <a:r>
@@ -3510,6 +4035,11 @@
               </a:rPr>
               <a:t>(0)</a:t>
             </a:r>
+            <a:endParaRPr lang="en-US" sz="2000" b="1" dirty="0">
+              <a:latin typeface="Tlwg Mono" panose="02000509000000000000" charset="0"/>
+              <a:cs typeface="Tlwg Mono" panose="02000509000000000000" charset="0"/>
+              <a:sym typeface="+mn-ea"/>
+            </a:endParaRPr>
           </a:p>
         </p:txBody>
       </p:sp>
@@ -3546,18 +4076,15 @@
               </a:rPr>
               <a:t>4. Tensor Reshaping</a:t>
             </a:r>
-          </a:p>
-        </p:txBody>
-      </p:sp>
-      <p:sp>
-        <p:nvSpPr>
-          <p:cNvPr id="4" name="Title 5">
-            <a:extLst>
-              <a:ext uri="{FF2B5EF4-FFF2-40B4-BE49-F238E27FC236}">
-                <a16:creationId xmlns:a16="http://schemas.microsoft.com/office/drawing/2014/main" id="{15F880F2-7927-2910-0580-46EED5F32AC6}"/>
-              </a:ext>
-            </a:extLst>
-          </p:cNvPr>
+            <a:endParaRPr lang="en-US" sz="2400" b="1">
+              <a:sym typeface="+mn-ea"/>
+            </a:endParaRPr>
+          </a:p>
+        </p:txBody>
+      </p:sp>
+      <p:sp>
+        <p:nvSpPr>
+          <p:cNvPr id="4" name="Title 5"/>
           <p:cNvSpPr>
             <a:spLocks noGrp="1"/>
           </p:cNvSpPr>
@@ -3597,6 +4124,11 @@
               </a:rPr>
               <a:t> Basics </a:t>
             </a:r>
+            <a:endParaRPr lang="en-US" dirty="0">
+              <a:solidFill>
+                <a:schemeClr val="bg1"/>
+              </a:solidFill>
+            </a:endParaRPr>
           </a:p>
         </p:txBody>
       </p:sp>
@@ -3627,90 +4159,6 @@
       </p:grpSpPr>
       <p:sp>
         <p:nvSpPr>
-          <p:cNvPr id="4" name="Text Box 3"/>
-          <p:cNvSpPr txBox="1"/>
-          <p:nvPr/>
-        </p:nvSpPr>
-        <p:spPr>
-          <a:xfrm>
-            <a:off x="1028065" y="1659890"/>
-            <a:ext cx="4272280" cy="3538220"/>
-          </a:xfrm>
-          <a:prstGeom prst="rect">
-            <a:avLst/>
-          </a:prstGeom>
-          <a:noFill/>
-        </p:spPr>
-        <p:txBody>
-          <a:bodyPr wrap="square" rtlCol="0">
-            <a:spAutoFit/>
-          </a:bodyPr>
-          <a:lstStyle/>
-          <a:p>
-            <a:pPr>
-              <a:lnSpc>
-                <a:spcPct val="200000"/>
-              </a:lnSpc>
-            </a:pPr>
-            <a:r>
-              <a:rPr lang="en-US" sz="2800" dirty="0"/>
-              <a:t>1. Tensor </a:t>
-            </a:r>
-            <a:r>
-              <a:rPr lang="en-US" sz="2800" dirty="0" err="1"/>
-              <a:t>Intitalization</a:t>
-            </a:r>
-            <a:endParaRPr lang="en-US" sz="2800" dirty="0"/>
-          </a:p>
-          <a:p>
-            <a:pPr>
-              <a:lnSpc>
-                <a:spcPct val="200000"/>
-              </a:lnSpc>
-            </a:pPr>
-            <a:r>
-              <a:rPr lang="en-US" sz="2800" dirty="0"/>
-              <a:t>2. Tensor </a:t>
-            </a:r>
-            <a:r>
-              <a:rPr lang="en-US" sz="2800" dirty="0" err="1"/>
-              <a:t>Maths</a:t>
-            </a:r>
-            <a:endParaRPr lang="en-US" sz="2800" dirty="0"/>
-          </a:p>
-          <a:p>
-            <a:pPr>
-              <a:lnSpc>
-                <a:spcPct val="200000"/>
-              </a:lnSpc>
-            </a:pPr>
-            <a:r>
-              <a:rPr lang="en-US" sz="2800" dirty="0"/>
-              <a:t>3. Tensor </a:t>
-            </a:r>
-            <a:r>
-              <a:rPr lang="en-US" sz="2800" dirty="0">
-                <a:sym typeface="+mn-ea"/>
-              </a:rPr>
-              <a:t>Indexing</a:t>
-            </a:r>
-            <a:endParaRPr lang="en-US" sz="2800" dirty="0"/>
-          </a:p>
-          <a:p>
-            <a:pPr>
-              <a:lnSpc>
-                <a:spcPct val="200000"/>
-              </a:lnSpc>
-            </a:pPr>
-            <a:r>
-              <a:rPr lang="en-US" sz="2800" dirty="0"/>
-              <a:t>4. Tensor Reshaping</a:t>
-            </a:r>
-          </a:p>
-        </p:txBody>
-      </p:sp>
-      <p:sp>
-        <p:nvSpPr>
           <p:cNvPr id="6" name="Title 5"/>
           <p:cNvSpPr>
             <a:spLocks noGrp="1"/>
@@ -3751,6 +4199,103 @@
               </a:rPr>
               <a:t> Basics</a:t>
             </a:r>
+            <a:endParaRPr lang="en-US" dirty="0">
+              <a:solidFill>
+                <a:schemeClr val="bg1"/>
+              </a:solidFill>
+            </a:endParaRPr>
+          </a:p>
+        </p:txBody>
+      </p:sp>
+      <p:sp>
+        <p:nvSpPr>
+          <p:cNvPr id="2" name="Text Box 1"/>
+          <p:cNvSpPr txBox="1"/>
+          <p:nvPr/>
+        </p:nvSpPr>
+        <p:spPr>
+          <a:xfrm>
+            <a:off x="1217930" y="1291590"/>
+            <a:ext cx="2966720" cy="521970"/>
+          </a:xfrm>
+          <a:prstGeom prst="rect">
+            <a:avLst/>
+          </a:prstGeom>
+          <a:noFill/>
+        </p:spPr>
+        <p:txBody>
+          <a:bodyPr wrap="none" rtlCol="0" anchor="t">
+            <a:spAutoFit/>
+          </a:bodyPr>
+          <a:p>
+            <a:r>
+              <a:rPr lang="en-US" sz="2800" dirty="0">
+                <a:solidFill>
+                  <a:srgbClr val="0070C0"/>
+                </a:solidFill>
+                <a:sym typeface="+mn-ea"/>
+              </a:rPr>
+              <a:t>What is Tensor?</a:t>
+            </a:r>
+            <a:endParaRPr lang="en-US" sz="2800" dirty="0">
+              <a:solidFill>
+                <a:srgbClr val="0070C0"/>
+              </a:solidFill>
+              <a:sym typeface="+mn-ea"/>
+            </a:endParaRPr>
+          </a:p>
+        </p:txBody>
+      </p:sp>
+      <p:pic>
+        <p:nvPicPr>
+          <p:cNvPr id="3" name="Picture 2"/>
+          <p:cNvPicPr>
+            <a:picLocks noChangeAspect="1"/>
+          </p:cNvPicPr>
+          <p:nvPr/>
+        </p:nvPicPr>
+        <p:blipFill>
+          <a:blip r:embed="rId1"/>
+          <a:stretch>
+            <a:fillRect/>
+          </a:stretch>
+        </p:blipFill>
+        <p:spPr>
+          <a:xfrm>
+            <a:off x="1937385" y="3543300"/>
+            <a:ext cx="8715375" cy="2889250"/>
+          </a:xfrm>
+          <a:prstGeom prst="rect">
+            <a:avLst/>
+          </a:prstGeom>
+        </p:spPr>
+      </p:pic>
+      <p:sp>
+        <p:nvSpPr>
+          <p:cNvPr id="5" name="Text Box 4"/>
+          <p:cNvSpPr txBox="1"/>
+          <p:nvPr/>
+        </p:nvSpPr>
+        <p:spPr>
+          <a:xfrm>
+            <a:off x="1217930" y="1813560"/>
+            <a:ext cx="10502900" cy="1568450"/>
+          </a:xfrm>
+          <a:prstGeom prst="rect">
+            <a:avLst/>
+          </a:prstGeom>
+          <a:noFill/>
+        </p:spPr>
+        <p:txBody>
+          <a:bodyPr wrap="square" rtlCol="0" anchor="t">
+            <a:spAutoFit/>
+          </a:bodyPr>
+          <a:p>
+            <a:r>
+              <a:rPr lang="en-US" sz="2400"/>
+              <a:t>A tensor is a mathematical object that generalizes the concepts of scalars, vectors, and matrices to higher dimensions. It can be thought of as a multi-dimensional array of numbers that can represent data or physical quantities. </a:t>
+            </a:r>
+            <a:endParaRPr lang="en-US" sz="2400"/>
           </a:p>
         </p:txBody>
       </p:sp>
@@ -3787,8 +4332,8 @@
         </p:nvSpPr>
         <p:spPr>
           <a:xfrm>
-            <a:off x="741668" y="1011708"/>
-            <a:ext cx="10708664" cy="4420890"/>
+            <a:off x="1028065" y="1659890"/>
+            <a:ext cx="4272280" cy="3538220"/>
           </a:xfrm>
           <a:prstGeom prst="rect">
             <a:avLst/>
@@ -3807,13 +4352,14 @@
               </a:lnSpc>
             </a:pPr>
             <a:r>
-              <a:rPr lang="en-IN" sz="2400" b="1" dirty="0"/>
-              <a:t>Dynamic Computation Graphs</a:t>
-            </a:r>
-            <a:r>
-              <a:rPr lang="en-IN" sz="2400" dirty="0"/>
-              <a:t> – Build networks on the fly.</a:t>
-            </a:r>
+              <a:rPr lang="en-US" sz="2800" dirty="0"/>
+              <a:t>1. Tensor </a:t>
+            </a:r>
+            <a:r>
+              <a:rPr lang="en-US" sz="2800" dirty="0" err="1"/>
+              <a:t>Intitalization</a:t>
+            </a:r>
+            <a:endParaRPr lang="en-US" sz="2800" dirty="0"/>
           </a:p>
           <a:p>
             <a:pPr>
@@ -3822,13 +4368,14 @@
               </a:lnSpc>
             </a:pPr>
             <a:r>
-              <a:rPr lang="en-IN" sz="2400" b="1" dirty="0"/>
-              <a:t>Pythonic</a:t>
-            </a:r>
-            <a:r>
-              <a:rPr lang="en-IN" sz="2400" dirty="0"/>
-              <a:t> – Easy to learn and implement.</a:t>
-            </a:r>
+              <a:rPr lang="en-US" sz="2800" dirty="0"/>
+              <a:t>2. Tensor </a:t>
+            </a:r>
+            <a:r>
+              <a:rPr lang="en-US" sz="2800" dirty="0" err="1"/>
+              <a:t>Maths</a:t>
+            </a:r>
+            <a:endParaRPr lang="en-US" sz="2800" dirty="0"/>
           </a:p>
           <a:p>
             <a:pPr>
@@ -3837,13 +4384,16 @@
               </a:lnSpc>
             </a:pPr>
             <a:r>
-              <a:rPr lang="en-IN" sz="2400" b="1" dirty="0"/>
-              <a:t>Extensive Community Support</a:t>
-            </a:r>
-            <a:r>
-              <a:rPr lang="en-IN" sz="2400" dirty="0"/>
-              <a:t> – Strong community contributions and resources.</a:t>
-            </a:r>
+              <a:rPr lang="en-US" sz="2800" dirty="0"/>
+              <a:t>3. Tensor </a:t>
+            </a:r>
+            <a:r>
+              <a:rPr lang="en-US" sz="2800" dirty="0">
+                <a:sym typeface="+mn-ea"/>
+              </a:rPr>
+              <a:t>Indexing</a:t>
+            </a:r>
+            <a:endParaRPr lang="en-US" sz="2800" dirty="0"/>
           </a:p>
           <a:p>
             <a:pPr>
@@ -3852,37 +4402,10 @@
               </a:lnSpc>
             </a:pPr>
             <a:r>
-              <a:rPr lang="en-IN" sz="2400" b="1" dirty="0"/>
-              <a:t>Research to Production</a:t>
-            </a:r>
-            <a:r>
-              <a:rPr lang="en-IN" sz="2400" dirty="0"/>
-              <a:t> – </a:t>
-            </a:r>
-            <a:r>
-              <a:rPr lang="en-IN" sz="2400" dirty="0" err="1"/>
-              <a:t>PyTorch</a:t>
-            </a:r>
-            <a:r>
-              <a:rPr lang="en-IN" sz="2400" dirty="0"/>
-              <a:t> serves both research purposes and production-level deployment.</a:t>
-            </a:r>
-          </a:p>
-          <a:p>
-            <a:pPr>
-              <a:lnSpc>
-                <a:spcPct val="200000"/>
-              </a:lnSpc>
-            </a:pPr>
-            <a:r>
-              <a:rPr lang="en-IN" sz="2400" b="1" dirty="0"/>
-              <a:t>Seamless GPU Support</a:t>
-            </a:r>
-            <a:r>
-              <a:rPr lang="en-IN" sz="2400" dirty="0"/>
-              <a:t> – Simplifies GPU-based computation.</a:t>
-            </a:r>
-            <a:endParaRPr lang="en-US" sz="2400" dirty="0"/>
+              <a:rPr lang="en-US" sz="2800" dirty="0"/>
+              <a:t>4. Tensor Reshaping</a:t>
+            </a:r>
+            <a:endParaRPr lang="en-US" sz="2800" dirty="0"/>
           </a:p>
         </p:txBody>
       </p:sp>
@@ -3913,38 +4436,30 @@
           <a:p>
             <a:pPr algn="ctr"/>
             <a:r>
+              <a:rPr lang="en-US" dirty="0" err="1">
+                <a:solidFill>
+                  <a:schemeClr val="bg1"/>
+                </a:solidFill>
+              </a:rPr>
+              <a:t>Pytorch</a:t>
+            </a:r>
+            <a:r>
               <a:rPr lang="en-US" dirty="0">
                 <a:solidFill>
                   <a:schemeClr val="bg1"/>
                 </a:solidFill>
               </a:rPr>
-              <a:t>Why </a:t>
-            </a:r>
-            <a:r>
-              <a:rPr lang="en-US" dirty="0" err="1">
-                <a:solidFill>
-                  <a:schemeClr val="bg1"/>
-                </a:solidFill>
-              </a:rPr>
-              <a:t>Pytorch</a:t>
-            </a:r>
-            <a:r>
-              <a:rPr lang="en-US" dirty="0">
-                <a:solidFill>
-                  <a:schemeClr val="bg1"/>
-                </a:solidFill>
-              </a:rPr>
-              <a:t> ?</a:t>
-            </a:r>
+              <a:t> Basics</a:t>
+            </a:r>
+            <a:endParaRPr lang="en-US" dirty="0">
+              <a:solidFill>
+                <a:schemeClr val="bg1"/>
+              </a:solidFill>
+            </a:endParaRPr>
           </a:p>
         </p:txBody>
       </p:sp>
     </p:spTree>
-    <p:extLst>
-      <p:ext uri="{BB962C8B-B14F-4D97-AF65-F5344CB8AC3E}">
-        <p14:creationId xmlns:p14="http://schemas.microsoft.com/office/powerpoint/2010/main" val="1383255663"/>
-      </p:ext>
-    </p:extLst>
   </p:cSld>
   <p:clrMapOvr>
     <a:masterClrMapping/>
@@ -3977,15 +4492,13 @@
         </p:nvSpPr>
         <p:spPr>
           <a:xfrm>
-            <a:off x="-1270" y="1716405"/>
-            <a:ext cx="12192635" cy="1014730"/>
+            <a:off x="741668" y="1011708"/>
+            <a:ext cx="10708664" cy="4420890"/>
           </a:xfrm>
           <a:prstGeom prst="rect">
             <a:avLst/>
           </a:prstGeom>
-          <a:solidFill>
-            <a:srgbClr val="FFFF00"/>
-          </a:solidFill>
+          <a:noFill/>
         </p:spPr>
         <p:txBody>
           <a:bodyPr wrap="square" rtlCol="0">
@@ -3995,76 +4508,107 @@
           <a:p>
             <a:pPr>
               <a:lnSpc>
-                <a:spcPct val="150000"/>
+                <a:spcPct val="200000"/>
               </a:lnSpc>
             </a:pPr>
             <a:r>
-              <a:rPr lang="en-US" sz="2000" b="1">
-                <a:latin typeface="Tlwg Mono" panose="02000509000000000000" charset="0"/>
-                <a:cs typeface="Tlwg Mono" panose="02000509000000000000" charset="0"/>
-              </a:rPr>
-              <a:t>torch_tensor = torch.tensor([[1,2,3],[4,5,6]], dtype = torch.float32, device = device, requires_grad = True)</a:t>
-            </a:r>
-          </a:p>
-        </p:txBody>
-      </p:sp>
-      <p:sp>
-        <p:nvSpPr>
-          <p:cNvPr id="3" name="Text Box 2"/>
-          <p:cNvSpPr txBox="1"/>
-          <p:nvPr/>
+              <a:rPr lang="en-IN" sz="2400" b="1" dirty="0"/>
+              <a:t>Dynamic Computation Graphs</a:t>
+            </a:r>
+            <a:r>
+              <a:rPr lang="en-IN" sz="2400" dirty="0"/>
+              <a:t> – Build networks on the fly.</a:t>
+            </a:r>
+            <a:endParaRPr lang="en-IN" sz="2400" dirty="0"/>
+          </a:p>
+          <a:p>
+            <a:pPr>
+              <a:lnSpc>
+                <a:spcPct val="200000"/>
+              </a:lnSpc>
+            </a:pPr>
+            <a:r>
+              <a:rPr lang="en-IN" sz="2400" b="1" dirty="0"/>
+              <a:t>Pythonic</a:t>
+            </a:r>
+            <a:r>
+              <a:rPr lang="en-IN" sz="2400" dirty="0"/>
+              <a:t> – Easy to learn and implement.</a:t>
+            </a:r>
+            <a:endParaRPr lang="en-IN" sz="2400" dirty="0"/>
+          </a:p>
+          <a:p>
+            <a:pPr>
+              <a:lnSpc>
+                <a:spcPct val="200000"/>
+              </a:lnSpc>
+            </a:pPr>
+            <a:r>
+              <a:rPr lang="en-IN" sz="2400" b="1" dirty="0"/>
+              <a:t>Extensive Community Support</a:t>
+            </a:r>
+            <a:r>
+              <a:rPr lang="en-IN" sz="2400" dirty="0"/>
+              <a:t> – Strong community contributions and resources.</a:t>
+            </a:r>
+            <a:endParaRPr lang="en-IN" sz="2400" dirty="0"/>
+          </a:p>
+          <a:p>
+            <a:pPr>
+              <a:lnSpc>
+                <a:spcPct val="200000"/>
+              </a:lnSpc>
+            </a:pPr>
+            <a:r>
+              <a:rPr lang="en-IN" sz="2400" b="1" dirty="0"/>
+              <a:t>Research to Production</a:t>
+            </a:r>
+            <a:r>
+              <a:rPr lang="en-IN" sz="2400" dirty="0"/>
+              <a:t> – </a:t>
+            </a:r>
+            <a:r>
+              <a:rPr lang="en-IN" sz="2400" dirty="0" err="1"/>
+              <a:t>PyTorch</a:t>
+            </a:r>
+            <a:r>
+              <a:rPr lang="en-IN" sz="2400" dirty="0"/>
+              <a:t> serves both research purposes and production-level deployment.</a:t>
+            </a:r>
+            <a:endParaRPr lang="en-IN" sz="2400" dirty="0"/>
+          </a:p>
+          <a:p>
+            <a:pPr>
+              <a:lnSpc>
+                <a:spcPct val="200000"/>
+              </a:lnSpc>
+            </a:pPr>
+            <a:r>
+              <a:rPr lang="en-IN" sz="2400" b="1" dirty="0"/>
+              <a:t>Seamless GPU Support</a:t>
+            </a:r>
+            <a:r>
+              <a:rPr lang="en-IN" sz="2400" dirty="0"/>
+              <a:t> – Simplifies GPU-based computation.</a:t>
+            </a:r>
+            <a:endParaRPr lang="en-US" sz="2400" dirty="0"/>
+          </a:p>
+        </p:txBody>
+      </p:sp>
+      <p:sp>
+        <p:nvSpPr>
+          <p:cNvPr id="6" name="Title 5"/>
+          <p:cNvSpPr>
+            <a:spLocks noGrp="1"/>
+          </p:cNvSpPr>
+          <p:nvPr>
+            <p:ph type="title"/>
+          </p:nvPr>
         </p:nvSpPr>
         <p:spPr>
           <a:xfrm>
-            <a:off x="0" y="1054100"/>
-            <a:ext cx="12192000" cy="553085"/>
-          </a:xfrm>
-          <a:prstGeom prst="rect">
-            <a:avLst/>
-          </a:prstGeom>
-          <a:solidFill>
-            <a:schemeClr val="accent4">
-              <a:lumMod val="40000"/>
-              <a:lumOff val="60000"/>
-            </a:schemeClr>
-          </a:solidFill>
-        </p:spPr>
-        <p:txBody>
-          <a:bodyPr wrap="square" rtlCol="0" anchor="t">
-            <a:spAutoFit/>
-          </a:bodyPr>
-          <a:lstStyle/>
-          <a:p>
-            <a:pPr>
-              <a:lnSpc>
-                <a:spcPct val="150000"/>
-              </a:lnSpc>
-            </a:pPr>
-            <a:r>
-              <a:rPr lang="en-US" sz="2000" b="1">
-                <a:latin typeface="Tlwg Mono" panose="02000509000000000000" charset="0"/>
-                <a:cs typeface="Tlwg Mono" panose="02000509000000000000" charset="0"/>
-                <a:sym typeface="+mn-ea"/>
-              </a:rPr>
-              <a:t>device = "cuda" if torch.cuda.is_available() else "cpu"</a:t>
-            </a:r>
-          </a:p>
-        </p:txBody>
-      </p:sp>
-      <p:sp>
-        <p:nvSpPr>
-          <p:cNvPr id="6" name="Title 5"/>
-          <p:cNvSpPr>
-            <a:spLocks noGrp="1"/>
-          </p:cNvSpPr>
-          <p:nvPr>
-            <p:ph type="title"/>
-          </p:nvPr>
-        </p:nvSpPr>
-        <p:spPr>
-          <a:xfrm>
-            <a:off x="-1270" y="40640"/>
-            <a:ext cx="12190730" cy="551180"/>
+            <a:off x="635" y="226695"/>
+            <a:ext cx="12192000" cy="551180"/>
           </a:xfrm>
           <a:solidFill>
             <a:srgbClr val="7030A0"/>
@@ -4078,6 +4622,14 @@
           <a:p>
             <a:pPr algn="ctr"/>
             <a:r>
+              <a:rPr lang="en-US" dirty="0">
+                <a:solidFill>
+                  <a:schemeClr val="bg1"/>
+                </a:solidFill>
+              </a:rPr>
+              <a:t>Why </a:t>
+            </a:r>
+            <a:r>
               <a:rPr lang="en-US" dirty="0" err="1">
                 <a:solidFill>
                   <a:schemeClr val="bg1"/>
@@ -4091,224 +4643,13 @@
                   <a:schemeClr val="bg1"/>
                 </a:solidFill>
               </a:rPr>
-              <a:t> Basics </a:t>
-            </a:r>
-          </a:p>
-        </p:txBody>
-      </p:sp>
-      <p:sp>
-        <p:nvSpPr>
-          <p:cNvPr id="7" name="Title 5"/>
-          <p:cNvSpPr>
-            <a:spLocks noGrp="1"/>
-          </p:cNvSpPr>
-          <p:nvPr/>
-        </p:nvSpPr>
-        <p:spPr>
-          <a:xfrm>
-            <a:off x="-635" y="2731135"/>
-            <a:ext cx="12192000" cy="551180"/>
-          </a:xfrm>
-          <a:prstGeom prst="rect">
-            <a:avLst/>
-          </a:prstGeom>
-        </p:spPr>
-        <p:txBody>
-          <a:bodyPr vert="horz" lIns="91440" tIns="45720" rIns="91440" bIns="45720" rtlCol="0" anchor="ctr"/>
-          <a:lstStyle>
-            <a:lvl1pPr algn="l" defTabSz="914400" rtl="0" eaLnBrk="1" latinLnBrk="0" hangingPunct="1">
-              <a:lnSpc>
-                <a:spcPct val="90000"/>
-              </a:lnSpc>
-              <a:spcBef>
-                <a:spcPct val="0"/>
-              </a:spcBef>
-              <a:buNone/>
-              <a:defRPr sz="4400" kern="1200">
-                <a:solidFill>
-                  <a:schemeClr val="tx1"/>
-                </a:solidFill>
-                <a:latin typeface="+mj-lt"/>
-                <a:ea typeface="+mj-ea"/>
-                <a:cs typeface="+mj-cs"/>
-              </a:defRPr>
-            </a:lvl1pPr>
-          </a:lstStyle>
-          <a:p>
-            <a:pPr indent="0" algn="ctr"/>
-            <a:r>
-              <a:rPr lang="en-US" sz="2400"/>
-              <a:t>Other methods for torch tensor declaration</a:t>
-            </a:r>
-          </a:p>
-        </p:txBody>
-      </p:sp>
-      <p:sp>
-        <p:nvSpPr>
-          <p:cNvPr id="8" name="Text Box 7"/>
-          <p:cNvSpPr txBox="1"/>
-          <p:nvPr/>
-        </p:nvSpPr>
-        <p:spPr>
-          <a:xfrm>
-            <a:off x="635" y="3250565"/>
-            <a:ext cx="12192000" cy="3322955"/>
-          </a:xfrm>
-          <a:prstGeom prst="rect">
-            <a:avLst/>
-          </a:prstGeom>
-          <a:solidFill>
-            <a:schemeClr val="accent2">
-              <a:lumMod val="20000"/>
-              <a:lumOff val="80000"/>
-            </a:schemeClr>
-          </a:solidFill>
-        </p:spPr>
-        <p:txBody>
-          <a:bodyPr wrap="square" rtlCol="0" anchor="t">
-            <a:spAutoFit/>
-          </a:bodyPr>
-          <a:lstStyle/>
-          <a:p>
-            <a:pPr algn="l">
-              <a:lnSpc>
-                <a:spcPct val="150000"/>
-              </a:lnSpc>
-            </a:pPr>
-            <a:r>
-              <a:rPr lang="en-US" sz="2000" b="1">
-                <a:latin typeface="Tlwg Mono" panose="02000509000000000000" charset="0"/>
-                <a:cs typeface="Tlwg Mono" panose="02000509000000000000" charset="0"/>
-                <a:sym typeface="+mn-ea"/>
-              </a:rPr>
-              <a:t>    X = torch.empty((2,2)), </a:t>
-            </a:r>
-          </a:p>
-          <a:p>
-            <a:pPr algn="l">
-              <a:lnSpc>
-                <a:spcPct val="150000"/>
-              </a:lnSpc>
-            </a:pPr>
-            <a:r>
-              <a:rPr lang="en-US" sz="2000" b="1">
-                <a:latin typeface="Tlwg Mono" panose="02000509000000000000" charset="0"/>
-                <a:cs typeface="Tlwg Mono" panose="02000509000000000000" charset="0"/>
-                <a:sym typeface="+mn-ea"/>
-              </a:rPr>
-              <a:t>    X = torch.rand((2,2))= torch.empty((2,2)).uniform_(0,1), </a:t>
-            </a:r>
-          </a:p>
-          <a:p>
-            <a:pPr algn="l">
-              <a:lnSpc>
-                <a:spcPct val="150000"/>
-              </a:lnSpc>
-            </a:pPr>
-            <a:r>
-              <a:rPr lang="en-US" sz="2000" b="1">
-                <a:latin typeface="Tlwg Mono" panose="02000509000000000000" charset="0"/>
-                <a:cs typeface="Tlwg Mono" panose="02000509000000000000" charset="0"/>
-                <a:sym typeface="+mn-ea"/>
-              </a:rPr>
-              <a:t>    X = torch.ones((2,2)),</a:t>
-            </a:r>
-          </a:p>
-          <a:p>
-            <a:pPr algn="l">
-              <a:lnSpc>
-                <a:spcPct val="150000"/>
-              </a:lnSpc>
-            </a:pPr>
-            <a:r>
-              <a:rPr lang="en-US" sz="2000" b="1">
-                <a:latin typeface="Tlwg Mono" panose="02000509000000000000" charset="0"/>
-                <a:cs typeface="Tlwg Mono" panose="02000509000000000000" charset="0"/>
-                <a:sym typeface="+mn-ea"/>
-              </a:rPr>
-              <a:t>    X = torch.zeros((2,2)), </a:t>
-            </a:r>
-          </a:p>
-          <a:p>
-            <a:pPr algn="l">
-              <a:lnSpc>
-                <a:spcPct val="150000"/>
-              </a:lnSpc>
-            </a:pPr>
-            <a:r>
-              <a:rPr lang="en-US" sz="2000" b="1">
-                <a:latin typeface="Tlwg Mono" panose="02000509000000000000" charset="0"/>
-                <a:cs typeface="Tlwg Mono" panose="02000509000000000000" charset="0"/>
-                <a:sym typeface="+mn-ea"/>
-              </a:rPr>
-              <a:t>    X = torch.eye((2,2)) = torch.diag(torch.ones((2,2))), </a:t>
-            </a:r>
-          </a:p>
-          <a:p>
-            <a:pPr algn="l">
-              <a:lnSpc>
-                <a:spcPct val="150000"/>
-              </a:lnSpc>
-            </a:pPr>
-            <a:r>
-              <a:rPr lang="en-US" sz="2000" b="1">
-                <a:latin typeface="Tlwg Mono" panose="02000509000000000000" charset="0"/>
-                <a:cs typeface="Tlwg Mono" panose="02000509000000000000" charset="0"/>
-                <a:sym typeface="+mn-ea"/>
-              </a:rPr>
-              <a:t>    X = torch.arange(start=0,end=5, step=1), </a:t>
-            </a:r>
-          </a:p>
-          <a:p>
-            <a:pPr algn="l">
-              <a:lnSpc>
-                <a:spcPct val="150000"/>
-              </a:lnSpc>
-            </a:pPr>
-            <a:r>
-              <a:rPr lang="en-US" sz="2000" b="1">
-                <a:latin typeface="Tlwg Mono" panose="02000509000000000000" charset="0"/>
-                <a:cs typeface="Tlwg Mono" panose="02000509000000000000" charset="0"/>
-                <a:sym typeface="+mn-ea"/>
-              </a:rPr>
-              <a:t>    X = torch.linspace(start=0.1, end=1, steps=10)</a:t>
-            </a:r>
-          </a:p>
-        </p:txBody>
-      </p:sp>
-      <p:sp>
-        <p:nvSpPr>
-          <p:cNvPr id="9" name="Text Box 8"/>
-          <p:cNvSpPr txBox="1"/>
-          <p:nvPr/>
-        </p:nvSpPr>
-        <p:spPr>
-          <a:xfrm>
-            <a:off x="635" y="593725"/>
-            <a:ext cx="3911600" cy="460375"/>
-          </a:xfrm>
-          <a:prstGeom prst="rect">
-            <a:avLst/>
-          </a:prstGeom>
-          <a:solidFill>
-            <a:schemeClr val="accent6">
-              <a:lumMod val="40000"/>
-              <a:lumOff val="60000"/>
-            </a:schemeClr>
-          </a:solidFill>
-        </p:spPr>
-        <p:txBody>
-          <a:bodyPr wrap="none" rtlCol="0" anchor="t">
-            <a:spAutoFit/>
-          </a:bodyPr>
-          <a:lstStyle/>
-          <a:p>
-            <a:r>
-              <a:rPr lang="en-US" sz="2400" b="1">
-                <a:sym typeface="+mn-ea"/>
-              </a:rPr>
-              <a:t>1. Tensor Intialization</a:t>
-            </a:r>
+              <a:t> ?</a:t>
+            </a:r>
+            <a:endParaRPr lang="en-US" dirty="0">
+              <a:solidFill>
+                <a:schemeClr val="bg1"/>
+              </a:solidFill>
+            </a:endParaRPr>
           </a:p>
         </p:txBody>
       </p:sp>
@@ -4339,15 +4680,156 @@
       </p:grpSpPr>
       <p:sp>
         <p:nvSpPr>
-          <p:cNvPr id="7" name="Title 5"/>
-          <p:cNvSpPr>
-            <a:spLocks noGrp="1"/>
-          </p:cNvSpPr>
+          <p:cNvPr id="4" name="Text Box 3"/>
+          <p:cNvSpPr txBox="1"/>
           <p:nvPr/>
         </p:nvSpPr>
         <p:spPr>
           <a:xfrm>
-            <a:off x="635" y="854075"/>
+            <a:off x="-1270" y="1716405"/>
+            <a:ext cx="12192635" cy="1014730"/>
+          </a:xfrm>
+          <a:prstGeom prst="rect">
+            <a:avLst/>
+          </a:prstGeom>
+          <a:solidFill>
+            <a:srgbClr val="FFFF00"/>
+          </a:solidFill>
+        </p:spPr>
+        <p:txBody>
+          <a:bodyPr wrap="square" rtlCol="0">
+            <a:spAutoFit/>
+          </a:bodyPr>
+          <a:lstStyle/>
+          <a:p>
+            <a:pPr>
+              <a:lnSpc>
+                <a:spcPct val="150000"/>
+              </a:lnSpc>
+            </a:pPr>
+            <a:r>
+              <a:rPr lang="en-US" sz="2000" b="1">
+                <a:latin typeface="Tlwg Mono" panose="02000509000000000000" charset="0"/>
+                <a:cs typeface="Tlwg Mono" panose="02000509000000000000" charset="0"/>
+              </a:rPr>
+              <a:t>torch_tensor = torch.tensor([[1,2,3],[4,5,6]], dtype = torch.float32, device = device, requires_grad = True)</a:t>
+            </a:r>
+            <a:endParaRPr lang="en-US" sz="2000" b="1">
+              <a:latin typeface="Tlwg Mono" panose="02000509000000000000" charset="0"/>
+              <a:cs typeface="Tlwg Mono" panose="02000509000000000000" charset="0"/>
+            </a:endParaRPr>
+          </a:p>
+        </p:txBody>
+      </p:sp>
+      <p:sp>
+        <p:nvSpPr>
+          <p:cNvPr id="3" name="Text Box 2"/>
+          <p:cNvSpPr txBox="1"/>
+          <p:nvPr/>
+        </p:nvSpPr>
+        <p:spPr>
+          <a:xfrm>
+            <a:off x="0" y="1054100"/>
+            <a:ext cx="12192000" cy="553085"/>
+          </a:xfrm>
+          <a:prstGeom prst="rect">
+            <a:avLst/>
+          </a:prstGeom>
+          <a:solidFill>
+            <a:schemeClr val="accent4">
+              <a:lumMod val="40000"/>
+              <a:lumOff val="60000"/>
+            </a:schemeClr>
+          </a:solidFill>
+        </p:spPr>
+        <p:txBody>
+          <a:bodyPr wrap="square" rtlCol="0" anchor="t">
+            <a:spAutoFit/>
+          </a:bodyPr>
+          <a:lstStyle/>
+          <a:p>
+            <a:pPr>
+              <a:lnSpc>
+                <a:spcPct val="150000"/>
+              </a:lnSpc>
+            </a:pPr>
+            <a:r>
+              <a:rPr lang="en-US" sz="2000" b="1">
+                <a:latin typeface="Tlwg Mono" panose="02000509000000000000" charset="0"/>
+                <a:cs typeface="Tlwg Mono" panose="02000509000000000000" charset="0"/>
+                <a:sym typeface="+mn-ea"/>
+              </a:rPr>
+              <a:t>device = "cuda" if torch.cuda.is_available() else "cpu"</a:t>
+            </a:r>
+            <a:endParaRPr lang="en-US" sz="2000" b="1">
+              <a:latin typeface="Tlwg Mono" panose="02000509000000000000" charset="0"/>
+              <a:cs typeface="Tlwg Mono" panose="02000509000000000000" charset="0"/>
+              <a:sym typeface="+mn-ea"/>
+            </a:endParaRPr>
+          </a:p>
+        </p:txBody>
+      </p:sp>
+      <p:sp>
+        <p:nvSpPr>
+          <p:cNvPr id="6" name="Title 5"/>
+          <p:cNvSpPr>
+            <a:spLocks noGrp="1"/>
+          </p:cNvSpPr>
+          <p:nvPr>
+            <p:ph type="title"/>
+          </p:nvPr>
+        </p:nvSpPr>
+        <p:spPr>
+          <a:xfrm>
+            <a:off x="-1270" y="40640"/>
+            <a:ext cx="12190730" cy="551180"/>
+          </a:xfrm>
+          <a:solidFill>
+            <a:srgbClr val="7030A0"/>
+          </a:solidFill>
+        </p:spPr>
+        <p:txBody>
+          <a:bodyPr>
+            <a:normAutofit fontScale="90000"/>
+          </a:bodyPr>
+          <a:lstStyle/>
+          <a:p>
+            <a:pPr algn="ctr"/>
+            <a:r>
+              <a:rPr lang="en-US" dirty="0" err="1">
+                <a:solidFill>
+                  <a:schemeClr val="bg1"/>
+                </a:solidFill>
+              </a:rPr>
+              <a:t>Pytorch</a:t>
+            </a:r>
+            <a:r>
+              <a:rPr lang="en-US" dirty="0">
+                <a:solidFill>
+                  <a:schemeClr val="bg1"/>
+                </a:solidFill>
+              </a:rPr>
+              <a:t> Basics </a:t>
+            </a:r>
+            <a:endParaRPr lang="en-US" dirty="0">
+              <a:solidFill>
+                <a:schemeClr val="bg1"/>
+              </a:solidFill>
+            </a:endParaRPr>
+          </a:p>
+        </p:txBody>
+      </p:sp>
+      <p:sp>
+        <p:nvSpPr>
+          <p:cNvPr id="7" name="Title 5"/>
+          <p:cNvSpPr>
+            <a:spLocks noGrp="1"/>
+          </p:cNvSpPr>
+          <p:nvPr/>
+        </p:nvSpPr>
+        <p:spPr>
+          <a:xfrm>
+            <a:off x="-635" y="2731135"/>
             <a:ext cx="12192000" cy="551180"/>
           </a:xfrm>
           <a:prstGeom prst="rect">
@@ -4379,8 +4861,9 @@
             <a:pPr indent="0" algn="ctr"/>
             <a:r>
               <a:rPr lang="en-US" sz="2400"/>
-              <a:t>Datatype conversion in torch</a:t>
-            </a:r>
+              <a:t>Other methods for torch tensor declaration</a:t>
+            </a:r>
+            <a:endParaRPr lang="en-US" sz="2400"/>
           </a:p>
         </p:txBody>
       </p:sp>
@@ -4392,7 +4875,7 @@
         </p:nvSpPr>
         <p:spPr>
           <a:xfrm>
-            <a:off x="0" y="1329055"/>
+            <a:off x="635" y="3250565"/>
             <a:ext cx="12192000" cy="3322955"/>
           </a:xfrm>
           <a:prstGeom prst="rect">
@@ -4417,45 +4900,18 @@
               </a:lnSpc>
             </a:pPr>
             <a:r>
-              <a:rPr lang="en-US" sz="2000" b="1" dirty="0">
-                <a:latin typeface="Tlwg Mono" panose="02000509000000000000" charset="0"/>
-                <a:cs typeface="Tlwg Mono" panose="02000509000000000000" charset="0"/>
-                <a:sym typeface="+mn-ea"/>
-              </a:rPr>
-              <a:t>      X = </a:t>
-            </a:r>
-            <a:r>
-              <a:rPr lang="en-US" sz="2000" b="1" dirty="0" err="1">
-                <a:latin typeface="Tlwg Mono" panose="02000509000000000000" charset="0"/>
-                <a:cs typeface="Tlwg Mono" panose="02000509000000000000" charset="0"/>
-                <a:sym typeface="+mn-ea"/>
-              </a:rPr>
-              <a:t>torch.empty</a:t>
-            </a:r>
-            <a:r>
-              <a:rPr lang="en-US" sz="2000" b="1" dirty="0">
-                <a:latin typeface="Tlwg Mono" panose="02000509000000000000" charset="0"/>
-                <a:cs typeface="Tlwg Mono" panose="02000509000000000000" charset="0"/>
-                <a:sym typeface="+mn-ea"/>
-              </a:rPr>
-              <a:t>((5,5)), # </a:t>
-            </a:r>
-            <a:r>
-              <a:rPr lang="en-US" sz="2000" b="1" dirty="0" err="1">
-                <a:latin typeface="Tlwg Mono" panose="02000509000000000000" charset="0"/>
-                <a:cs typeface="Tlwg Mono" panose="02000509000000000000" charset="0"/>
-                <a:sym typeface="+mn-ea"/>
-              </a:rPr>
-              <a:t>dtype</a:t>
-            </a:r>
-            <a:r>
-              <a:rPr lang="en-US" sz="2000" b="1" dirty="0">
-                <a:latin typeface="Tlwg Mono" panose="02000509000000000000" charset="0"/>
-                <a:cs typeface="Tlwg Mono" panose="02000509000000000000" charset="0"/>
-                <a:sym typeface="+mn-ea"/>
-              </a:rPr>
-              <a:t> = int-32</a:t>
-            </a:r>
+              <a:rPr lang="en-US" sz="2000" b="1">
+                <a:latin typeface="Tlwg Mono" panose="02000509000000000000" charset="0"/>
+                <a:cs typeface="Tlwg Mono" panose="02000509000000000000" charset="0"/>
+                <a:sym typeface="+mn-ea"/>
+              </a:rPr>
+              <a:t>    X = torch.empty((2,2)), </a:t>
+            </a:r>
+            <a:endParaRPr lang="en-US" sz="2000" b="1">
+              <a:latin typeface="Tlwg Mono" panose="02000509000000000000" charset="0"/>
+              <a:cs typeface="Tlwg Mono" panose="02000509000000000000" charset="0"/>
+              <a:sym typeface="+mn-ea"/>
+            </a:endParaRPr>
           </a:p>
           <a:p>
             <a:pPr algn="l">
@@ -4464,29 +4920,18 @@
               </a:lnSpc>
             </a:pPr>
             <a:r>
-              <a:rPr lang="en-US" sz="2000" b="1" dirty="0">
-                <a:latin typeface="Tlwg Mono" panose="02000509000000000000" charset="0"/>
-                <a:cs typeface="Tlwg Mono" panose="02000509000000000000" charset="0"/>
-                <a:sym typeface="+mn-ea"/>
-              </a:rPr>
-              <a:t>      X = </a:t>
-            </a:r>
-            <a:r>
-              <a:rPr lang="en-US" sz="2000" b="1" dirty="0" err="1">
-                <a:latin typeface="Tlwg Mono" panose="02000509000000000000" charset="0"/>
-                <a:cs typeface="Tlwg Mono" panose="02000509000000000000" charset="0"/>
-                <a:sym typeface="+mn-ea"/>
-              </a:rPr>
-              <a:t>X.bool</a:t>
-            </a:r>
-            <a:r>
-              <a:rPr lang="en-US" sz="2000" b="1" dirty="0">
-                <a:latin typeface="Tlwg Mono" panose="02000509000000000000" charset="0"/>
-                <a:cs typeface="Tlwg Mono" panose="02000509000000000000" charset="0"/>
-                <a:sym typeface="+mn-ea"/>
-              </a:rPr>
-              <a:t>()            # Convert into binary form</a:t>
-            </a:r>
+              <a:rPr lang="en-US" sz="2000" b="1">
+                <a:latin typeface="Tlwg Mono" panose="02000509000000000000" charset="0"/>
+                <a:cs typeface="Tlwg Mono" panose="02000509000000000000" charset="0"/>
+                <a:sym typeface="+mn-ea"/>
+              </a:rPr>
+              <a:t>    X = torch.rand((2,2))= torch.empty((2,2)).uniform_(0,1), </a:t>
+            </a:r>
+            <a:endParaRPr lang="en-US" sz="2000" b="1">
+              <a:latin typeface="Tlwg Mono" panose="02000509000000000000" charset="0"/>
+              <a:cs typeface="Tlwg Mono" panose="02000509000000000000" charset="0"/>
+              <a:sym typeface="+mn-ea"/>
+            </a:endParaRPr>
           </a:p>
           <a:p>
             <a:pPr algn="l">
@@ -4495,45 +4940,18 @@
               </a:lnSpc>
             </a:pPr>
             <a:r>
-              <a:rPr lang="en-US" sz="2000" b="1" dirty="0">
-                <a:latin typeface="Tlwg Mono" panose="02000509000000000000" charset="0"/>
-                <a:cs typeface="Tlwg Mono" panose="02000509000000000000" charset="0"/>
-                <a:sym typeface="+mn-ea"/>
-              </a:rPr>
-              <a:t>      X = </a:t>
-            </a:r>
-            <a:r>
-              <a:rPr lang="en-US" sz="2000" b="1" dirty="0" err="1">
-                <a:latin typeface="Tlwg Mono" panose="02000509000000000000" charset="0"/>
-                <a:cs typeface="Tlwg Mono" panose="02000509000000000000" charset="0"/>
-                <a:sym typeface="+mn-ea"/>
-              </a:rPr>
-              <a:t>X.short</a:t>
-            </a:r>
-            <a:r>
-              <a:rPr lang="en-US" sz="2000" b="1" dirty="0">
-                <a:latin typeface="Tlwg Mono" panose="02000509000000000000" charset="0"/>
-                <a:cs typeface="Tlwg Mono" panose="02000509000000000000" charset="0"/>
-                <a:sym typeface="+mn-ea"/>
-              </a:rPr>
-              <a:t>()           # Convert into </a:t>
-            </a:r>
-            <a:r>
-              <a:rPr lang="en-US" sz="2000" b="1" dirty="0" err="1">
-                <a:latin typeface="Tlwg Mono" panose="02000509000000000000" charset="0"/>
-                <a:cs typeface="Tlwg Mono" panose="02000509000000000000" charset="0"/>
-                <a:sym typeface="+mn-ea"/>
-              </a:rPr>
-              <a:t>dtype</a:t>
-            </a:r>
-            <a:r>
-              <a:rPr lang="en-US" sz="2000" b="1" dirty="0">
-                <a:latin typeface="Tlwg Mono" panose="02000509000000000000" charset="0"/>
-                <a:cs typeface="Tlwg Mono" panose="02000509000000000000" charset="0"/>
-                <a:sym typeface="+mn-ea"/>
-              </a:rPr>
-              <a:t> int-16</a:t>
-            </a:r>
+              <a:rPr lang="en-US" sz="2000" b="1">
+                <a:latin typeface="Tlwg Mono" panose="02000509000000000000" charset="0"/>
+                <a:cs typeface="Tlwg Mono" panose="02000509000000000000" charset="0"/>
+                <a:sym typeface="+mn-ea"/>
+              </a:rPr>
+              <a:t>    X = torch.ones((2,2)),</a:t>
+            </a:r>
+            <a:endParaRPr lang="en-US" sz="2000" b="1">
+              <a:latin typeface="Tlwg Mono" panose="02000509000000000000" charset="0"/>
+              <a:cs typeface="Tlwg Mono" panose="02000509000000000000" charset="0"/>
+              <a:sym typeface="+mn-ea"/>
+            </a:endParaRPr>
           </a:p>
           <a:p>
             <a:pPr algn="l">
@@ -4542,45 +4960,18 @@
               </a:lnSpc>
             </a:pPr>
             <a:r>
-              <a:rPr lang="en-US" sz="2000" b="1" dirty="0">
-                <a:latin typeface="Tlwg Mono" panose="02000509000000000000" charset="0"/>
-                <a:cs typeface="Tlwg Mono" panose="02000509000000000000" charset="0"/>
-                <a:sym typeface="+mn-ea"/>
-              </a:rPr>
-              <a:t>      X = </a:t>
-            </a:r>
-            <a:r>
-              <a:rPr lang="en-US" sz="2000" b="1" dirty="0" err="1">
-                <a:latin typeface="Tlwg Mono" panose="02000509000000000000" charset="0"/>
-                <a:cs typeface="Tlwg Mono" panose="02000509000000000000" charset="0"/>
-                <a:sym typeface="+mn-ea"/>
-              </a:rPr>
-              <a:t>X.long</a:t>
-            </a:r>
-            <a:r>
-              <a:rPr lang="en-US" sz="2000" b="1" dirty="0">
-                <a:latin typeface="Tlwg Mono" panose="02000509000000000000" charset="0"/>
-                <a:cs typeface="Tlwg Mono" panose="02000509000000000000" charset="0"/>
-                <a:sym typeface="+mn-ea"/>
-              </a:rPr>
-              <a:t>()            # Convert into </a:t>
-            </a:r>
-            <a:r>
-              <a:rPr lang="en-US" sz="2000" b="1" dirty="0" err="1">
-                <a:latin typeface="Tlwg Mono" panose="02000509000000000000" charset="0"/>
-                <a:cs typeface="Tlwg Mono" panose="02000509000000000000" charset="0"/>
-                <a:sym typeface="+mn-ea"/>
-              </a:rPr>
-              <a:t>dtype</a:t>
-            </a:r>
-            <a:r>
-              <a:rPr lang="en-US" sz="2000" b="1" dirty="0">
-                <a:latin typeface="Tlwg Mono" panose="02000509000000000000" charset="0"/>
-                <a:cs typeface="Tlwg Mono" panose="02000509000000000000" charset="0"/>
-                <a:sym typeface="+mn-ea"/>
-              </a:rPr>
-              <a:t> int-64</a:t>
-            </a:r>
+              <a:rPr lang="en-US" sz="2000" b="1">
+                <a:latin typeface="Tlwg Mono" panose="02000509000000000000" charset="0"/>
+                <a:cs typeface="Tlwg Mono" panose="02000509000000000000" charset="0"/>
+                <a:sym typeface="+mn-ea"/>
+              </a:rPr>
+              <a:t>    X = torch.zeros((2,2)), </a:t>
+            </a:r>
+            <a:endParaRPr lang="en-US" sz="2000" b="1">
+              <a:latin typeface="Tlwg Mono" panose="02000509000000000000" charset="0"/>
+              <a:cs typeface="Tlwg Mono" panose="02000509000000000000" charset="0"/>
+              <a:sym typeface="+mn-ea"/>
+            </a:endParaRPr>
           </a:p>
           <a:p>
             <a:pPr algn="l">
@@ -4589,45 +4980,18 @@
               </a:lnSpc>
             </a:pPr>
             <a:r>
-              <a:rPr lang="en-US" sz="2000" b="1" dirty="0">
-                <a:latin typeface="Tlwg Mono" panose="02000509000000000000" charset="0"/>
-                <a:cs typeface="Tlwg Mono" panose="02000509000000000000" charset="0"/>
-                <a:sym typeface="+mn-ea"/>
-              </a:rPr>
-              <a:t>      X = </a:t>
-            </a:r>
-            <a:r>
-              <a:rPr lang="en-US" sz="2000" b="1" dirty="0" err="1">
-                <a:latin typeface="Tlwg Mono" panose="02000509000000000000" charset="0"/>
-                <a:cs typeface="Tlwg Mono" panose="02000509000000000000" charset="0"/>
-                <a:sym typeface="+mn-ea"/>
-              </a:rPr>
-              <a:t>X.half</a:t>
-            </a:r>
-            <a:r>
-              <a:rPr lang="en-US" sz="2000" b="1" dirty="0">
-                <a:latin typeface="Tlwg Mono" panose="02000509000000000000" charset="0"/>
-                <a:cs typeface="Tlwg Mono" panose="02000509000000000000" charset="0"/>
-                <a:sym typeface="+mn-ea"/>
-              </a:rPr>
-              <a:t>()            # Convert into </a:t>
-            </a:r>
-            <a:r>
-              <a:rPr lang="en-US" sz="2000" b="1" dirty="0" err="1">
-                <a:latin typeface="Tlwg Mono" panose="02000509000000000000" charset="0"/>
-                <a:cs typeface="Tlwg Mono" panose="02000509000000000000" charset="0"/>
-                <a:sym typeface="+mn-ea"/>
-              </a:rPr>
-              <a:t>dtype</a:t>
-            </a:r>
-            <a:r>
-              <a:rPr lang="en-US" sz="2000" b="1" dirty="0">
-                <a:latin typeface="Tlwg Mono" panose="02000509000000000000" charset="0"/>
-                <a:cs typeface="Tlwg Mono" panose="02000509000000000000" charset="0"/>
-                <a:sym typeface="+mn-ea"/>
-              </a:rPr>
-              <a:t> float-16</a:t>
-            </a:r>
+              <a:rPr lang="en-US" sz="2000" b="1">
+                <a:latin typeface="Tlwg Mono" panose="02000509000000000000" charset="0"/>
+                <a:cs typeface="Tlwg Mono" panose="02000509000000000000" charset="0"/>
+                <a:sym typeface="+mn-ea"/>
+              </a:rPr>
+              <a:t>    X = torch.eye((2,2)) = torch.diag(torch.ones((2,2))), </a:t>
+            </a:r>
+            <a:endParaRPr lang="en-US" sz="2000" b="1">
+              <a:latin typeface="Tlwg Mono" panose="02000509000000000000" charset="0"/>
+              <a:cs typeface="Tlwg Mono" panose="02000509000000000000" charset="0"/>
+              <a:sym typeface="+mn-ea"/>
+            </a:endParaRPr>
           </a:p>
           <a:p>
             <a:pPr algn="l">
@@ -4636,45 +5000,18 @@
               </a:lnSpc>
             </a:pPr>
             <a:r>
-              <a:rPr lang="en-US" sz="2000" b="1" dirty="0">
-                <a:latin typeface="Tlwg Mono" panose="02000509000000000000" charset="0"/>
-                <a:cs typeface="Tlwg Mono" panose="02000509000000000000" charset="0"/>
-                <a:sym typeface="+mn-ea"/>
-              </a:rPr>
-              <a:t>      X = </a:t>
-            </a:r>
-            <a:r>
-              <a:rPr lang="en-US" sz="2000" b="1" dirty="0" err="1">
-                <a:latin typeface="Tlwg Mono" panose="02000509000000000000" charset="0"/>
-                <a:cs typeface="Tlwg Mono" panose="02000509000000000000" charset="0"/>
-                <a:sym typeface="+mn-ea"/>
-              </a:rPr>
-              <a:t>X.float</a:t>
-            </a:r>
-            <a:r>
-              <a:rPr lang="en-US" sz="2000" b="1" dirty="0">
-                <a:latin typeface="Tlwg Mono" panose="02000509000000000000" charset="0"/>
-                <a:cs typeface="Tlwg Mono" panose="02000509000000000000" charset="0"/>
-                <a:sym typeface="+mn-ea"/>
-              </a:rPr>
-              <a:t>()           # Convert into </a:t>
-            </a:r>
-            <a:r>
-              <a:rPr lang="en-US" sz="2000" b="1" dirty="0" err="1">
-                <a:latin typeface="Tlwg Mono" panose="02000509000000000000" charset="0"/>
-                <a:cs typeface="Tlwg Mono" panose="02000509000000000000" charset="0"/>
-                <a:sym typeface="+mn-ea"/>
-              </a:rPr>
-              <a:t>dtype</a:t>
-            </a:r>
-            <a:r>
-              <a:rPr lang="en-US" sz="2000" b="1" dirty="0">
-                <a:latin typeface="Tlwg Mono" panose="02000509000000000000" charset="0"/>
-                <a:cs typeface="Tlwg Mono" panose="02000509000000000000" charset="0"/>
-                <a:sym typeface="+mn-ea"/>
-              </a:rPr>
-              <a:t> float-32</a:t>
-            </a:r>
+              <a:rPr lang="en-US" sz="2000" b="1">
+                <a:latin typeface="Tlwg Mono" panose="02000509000000000000" charset="0"/>
+                <a:cs typeface="Tlwg Mono" panose="02000509000000000000" charset="0"/>
+                <a:sym typeface="+mn-ea"/>
+              </a:rPr>
+              <a:t>    X = torch.arange(start=0,end=5, step=1), </a:t>
+            </a:r>
+            <a:endParaRPr lang="en-US" sz="2000" b="1">
+              <a:latin typeface="Tlwg Mono" panose="02000509000000000000" charset="0"/>
+              <a:cs typeface="Tlwg Mono" panose="02000509000000000000" charset="0"/>
+              <a:sym typeface="+mn-ea"/>
+            </a:endParaRPr>
           </a:p>
           <a:p>
             <a:pPr algn="l">
@@ -4683,162 +5020,18 @@
               </a:lnSpc>
             </a:pPr>
             <a:r>
-              <a:rPr lang="en-US" sz="2000" b="1" dirty="0">
-                <a:latin typeface="Tlwg Mono" panose="02000509000000000000" charset="0"/>
-                <a:cs typeface="Tlwg Mono" panose="02000509000000000000" charset="0"/>
-                <a:sym typeface="+mn-ea"/>
-              </a:rPr>
-              <a:t>      X = </a:t>
-            </a:r>
-            <a:r>
-              <a:rPr lang="en-US" sz="2000" b="1" dirty="0" err="1">
-                <a:latin typeface="Tlwg Mono" panose="02000509000000000000" charset="0"/>
-                <a:cs typeface="Tlwg Mono" panose="02000509000000000000" charset="0"/>
-                <a:sym typeface="+mn-ea"/>
-              </a:rPr>
-              <a:t>X.double</a:t>
-            </a:r>
-            <a:r>
-              <a:rPr lang="en-US" sz="2000" b="1" dirty="0">
-                <a:latin typeface="Tlwg Mono" panose="02000509000000000000" charset="0"/>
-                <a:cs typeface="Tlwg Mono" panose="02000509000000000000" charset="0"/>
-                <a:sym typeface="+mn-ea"/>
-              </a:rPr>
-              <a:t>()          # Convert into </a:t>
-            </a:r>
-            <a:r>
-              <a:rPr lang="en-US" sz="2000" b="1" dirty="0" err="1">
-                <a:latin typeface="Tlwg Mono" panose="02000509000000000000" charset="0"/>
-                <a:cs typeface="Tlwg Mono" panose="02000509000000000000" charset="0"/>
-                <a:sym typeface="+mn-ea"/>
-              </a:rPr>
-              <a:t>dtype</a:t>
-            </a:r>
-            <a:r>
-              <a:rPr lang="en-US" sz="2000" b="1" dirty="0">
-                <a:latin typeface="Tlwg Mono" panose="02000509000000000000" charset="0"/>
-                <a:cs typeface="Tlwg Mono" panose="02000509000000000000" charset="0"/>
-                <a:sym typeface="+mn-ea"/>
-              </a:rPr>
-              <a:t> float-64</a:t>
-            </a:r>
-          </a:p>
-        </p:txBody>
-      </p:sp>
-      <p:sp>
-        <p:nvSpPr>
-          <p:cNvPr id="4" name="Title 5"/>
-          <p:cNvSpPr>
-            <a:spLocks noGrp="1"/>
-          </p:cNvSpPr>
-          <p:nvPr/>
-        </p:nvSpPr>
-        <p:spPr>
-          <a:xfrm>
-            <a:off x="67310" y="4566285"/>
-            <a:ext cx="12192000" cy="551180"/>
-          </a:xfrm>
-          <a:prstGeom prst="rect">
-            <a:avLst/>
-          </a:prstGeom>
-        </p:spPr>
-        <p:txBody>
-          <a:bodyPr vert="horz" lIns="91440" tIns="45720" rIns="91440" bIns="45720" rtlCol="0" anchor="ctr"/>
-          <a:lstStyle>
-            <a:lvl1pPr algn="l" defTabSz="914400" rtl="0" eaLnBrk="1" latinLnBrk="0" hangingPunct="1">
-              <a:lnSpc>
-                <a:spcPct val="90000"/>
-              </a:lnSpc>
-              <a:spcBef>
-                <a:spcPct val="0"/>
-              </a:spcBef>
-              <a:buNone/>
-              <a:defRPr sz="4400" kern="1200">
-                <a:solidFill>
-                  <a:schemeClr val="tx1"/>
-                </a:solidFill>
-                <a:latin typeface="+mj-lt"/>
-                <a:ea typeface="+mj-ea"/>
-                <a:cs typeface="+mj-cs"/>
-              </a:defRPr>
-            </a:lvl1pPr>
-          </a:lstStyle>
-          <a:p>
-            <a:pPr indent="0" algn="ctr"/>
-            <a:r>
-              <a:rPr lang="en-US" sz="2400"/>
-              <a:t>Torch to array conversion and vise-versa</a:t>
-            </a:r>
-          </a:p>
-        </p:txBody>
-      </p:sp>
-      <p:sp>
-        <p:nvSpPr>
-          <p:cNvPr id="5" name="Text Box 4"/>
-          <p:cNvSpPr txBox="1"/>
-          <p:nvPr/>
-        </p:nvSpPr>
-        <p:spPr>
-          <a:xfrm>
-            <a:off x="635" y="5031740"/>
-            <a:ext cx="12192000" cy="1476375"/>
-          </a:xfrm>
-          <a:prstGeom prst="rect">
-            <a:avLst/>
-          </a:prstGeom>
-          <a:solidFill>
-            <a:srgbClr val="FFFF00"/>
-          </a:solidFill>
-        </p:spPr>
-        <p:txBody>
-          <a:bodyPr wrap="square" rtlCol="0" anchor="t">
-            <a:spAutoFit/>
-          </a:bodyPr>
-          <a:lstStyle/>
-          <a:p>
-            <a:pPr algn="l">
-              <a:lnSpc>
-                <a:spcPct val="150000"/>
-              </a:lnSpc>
-            </a:pPr>
-            <a:r>
               <a:rPr lang="en-US" sz="2000" b="1">
                 <a:latin typeface="Tlwg Mono" panose="02000509000000000000" charset="0"/>
                 <a:cs typeface="Tlwg Mono" panose="02000509000000000000" charset="0"/>
                 <a:sym typeface="+mn-ea"/>
               </a:rPr>
-              <a:t>      X = np.zeros((6,6))     # Declare numpy array</a:t>
-            </a:r>
-          </a:p>
-          <a:p>
-            <a:pPr algn="l">
-              <a:lnSpc>
-                <a:spcPct val="150000"/>
-              </a:lnSpc>
-            </a:pPr>
-            <a:r>
-              <a:rPr lang="en-US" sz="2000" b="1">
-                <a:latin typeface="Tlwg Mono" panose="02000509000000000000" charset="0"/>
-                <a:cs typeface="Tlwg Mono" panose="02000509000000000000" charset="0"/>
-                <a:sym typeface="+mn-ea"/>
-              </a:rPr>
-              <a:t>      X = torch.from_numpy(X) # Convert to torch tensor</a:t>
-            </a:r>
-          </a:p>
-          <a:p>
-            <a:pPr algn="l">
-              <a:lnSpc>
-                <a:spcPct val="150000"/>
-              </a:lnSpc>
-            </a:pPr>
-            <a:r>
-              <a:rPr lang="en-US" sz="2000" b="1">
-                <a:latin typeface="Tlwg Mono" panose="02000509000000000000" charset="0"/>
-                <a:cs typeface="Tlwg Mono" panose="02000509000000000000" charset="0"/>
-                <a:sym typeface="+mn-ea"/>
-              </a:rPr>
-              <a:t>      X = X.numpy()           # Convert to numpy array</a:t>
-            </a:r>
+              <a:t>    X = torch.linspace(start=0.1, end=1, steps=10)</a:t>
+            </a:r>
+            <a:endParaRPr lang="en-US" sz="2000" b="1">
+              <a:latin typeface="Tlwg Mono" panose="02000509000000000000" charset="0"/>
+              <a:cs typeface="Tlwg Mono" panose="02000509000000000000" charset="0"/>
+              <a:sym typeface="+mn-ea"/>
+            </a:endParaRPr>
           </a:p>
         </p:txBody>
       </p:sp>
@@ -4875,76 +5068,9 @@
               </a:rPr>
               <a:t>1. Tensor Intialization</a:t>
             </a:r>
-          </a:p>
-        </p:txBody>
-      </p:sp>
-      <p:sp>
-        <p:nvSpPr>
-          <p:cNvPr id="13" name="Title 5">
-            <a:extLst>
-              <a:ext uri="{FF2B5EF4-FFF2-40B4-BE49-F238E27FC236}">
-                <a16:creationId xmlns:a16="http://schemas.microsoft.com/office/drawing/2014/main" id="{69DC22F8-D244-44DF-E742-FB3645BCCA8B}"/>
-              </a:ext>
-            </a:extLst>
-          </p:cNvPr>
-          <p:cNvSpPr txBox="1">
-            <a:spLocks/>
-          </p:cNvSpPr>
-          <p:nvPr/>
-        </p:nvSpPr>
-        <p:spPr>
-          <a:xfrm>
-            <a:off x="-1270" y="40640"/>
-            <a:ext cx="12190730" cy="551180"/>
-          </a:xfrm>
-          <a:prstGeom prst="rect">
-            <a:avLst/>
-          </a:prstGeom>
-          <a:solidFill>
-            <a:srgbClr val="7030A0"/>
-          </a:solidFill>
-        </p:spPr>
-        <p:txBody>
-          <a:bodyPr vert="horz" lIns="91440" tIns="45720" rIns="91440" bIns="45720" rtlCol="0" anchor="ctr">
-            <a:normAutofit fontScale="90000" lnSpcReduction="20000"/>
-          </a:bodyPr>
-          <a:lstStyle>
-            <a:lvl1pPr algn="l" defTabSz="914400" rtl="0" eaLnBrk="1" latinLnBrk="0" hangingPunct="1">
-              <a:lnSpc>
-                <a:spcPct val="90000"/>
-              </a:lnSpc>
-              <a:spcBef>
-                <a:spcPct val="0"/>
-              </a:spcBef>
-              <a:buNone/>
-              <a:defRPr sz="4400" kern="1200">
-                <a:solidFill>
-                  <a:schemeClr val="tx1"/>
-                </a:solidFill>
-                <a:latin typeface="+mj-lt"/>
-                <a:ea typeface="+mj-ea"/>
-                <a:cs typeface="+mj-cs"/>
-              </a:defRPr>
-            </a:lvl1pPr>
-          </a:lstStyle>
-          <a:p>
-            <a:pPr algn="ctr"/>
-            <a:r>
-              <a:rPr lang="en-US" dirty="0" err="1">
-                <a:solidFill>
-                  <a:schemeClr val="bg1"/>
-                </a:solidFill>
-              </a:rPr>
-              <a:t>Pytorch</a:t>
-            </a:r>
-            <a:r>
-              <a:rPr lang="en-US" dirty="0">
-                <a:solidFill>
-                  <a:schemeClr val="bg1"/>
-                </a:solidFill>
-              </a:rPr>
-              <a:t> Basics </a:t>
-            </a:r>
+            <a:endParaRPr lang="en-US" sz="2400" b="1">
+              <a:sym typeface="+mn-ea"/>
+            </a:endParaRPr>
           </a:p>
         </p:txBody>
       </p:sp>
@@ -4975,14 +5101,62 @@
       </p:grpSpPr>
       <p:sp>
         <p:nvSpPr>
+          <p:cNvPr id="7" name="Title 5"/>
+          <p:cNvSpPr>
+            <a:spLocks noGrp="1"/>
+          </p:cNvSpPr>
+          <p:nvPr/>
+        </p:nvSpPr>
+        <p:spPr>
+          <a:xfrm>
+            <a:off x="635" y="854075"/>
+            <a:ext cx="12192000" cy="551180"/>
+          </a:xfrm>
+          <a:prstGeom prst="rect">
+            <a:avLst/>
+          </a:prstGeom>
+        </p:spPr>
+        <p:txBody>
+          <a:bodyPr vert="horz" lIns="91440" tIns="45720" rIns="91440" bIns="45720" rtlCol="0" anchor="ctr"/>
+          <a:lstStyle>
+            <a:lvl1pPr algn="l" defTabSz="914400" rtl="0" eaLnBrk="1" latinLnBrk="0" hangingPunct="1">
+              <a:lnSpc>
+                <a:spcPct val="90000"/>
+              </a:lnSpc>
+              <a:spcBef>
+                <a:spcPct val="0"/>
+              </a:spcBef>
+              <a:buNone/>
+              <a:defRPr sz="4400" kern="1200">
+                <a:solidFill>
+                  <a:schemeClr val="tx1"/>
+                </a:solidFill>
+                <a:latin typeface="+mj-lt"/>
+                <a:ea typeface="+mj-ea"/>
+                <a:cs typeface="+mj-cs"/>
+              </a:defRPr>
+            </a:lvl1pPr>
+          </a:lstStyle>
+          <a:p>
+            <a:pPr indent="0" algn="ctr"/>
+            <a:r>
+              <a:rPr lang="en-US" sz="2400"/>
+              <a:t>Datatype conversion in torch</a:t>
+            </a:r>
+            <a:endParaRPr lang="en-US" sz="2400"/>
+          </a:p>
+        </p:txBody>
+      </p:sp>
+      <p:sp>
+        <p:nvSpPr>
           <p:cNvPr id="8" name="Text Box 7"/>
           <p:cNvSpPr txBox="1"/>
           <p:nvPr/>
         </p:nvSpPr>
         <p:spPr>
           <a:xfrm>
-            <a:off x="635" y="1666240"/>
-            <a:ext cx="12192000" cy="4399915"/>
+            <a:off x="0" y="1329055"/>
+            <a:ext cx="12192000" cy="3322955"/>
           </a:xfrm>
           <a:prstGeom prst="rect">
             <a:avLst/>
@@ -5002,234 +5176,496 @@
           <a:p>
             <a:pPr algn="l">
               <a:lnSpc>
-                <a:spcPct val="200000"/>
+                <a:spcPct val="150000"/>
               </a:lnSpc>
             </a:pPr>
             <a:r>
-              <a:rPr lang="en-US" sz="2000" b="1">
-                <a:latin typeface="Tlwg Mono" panose="02000509000000000000" charset="0"/>
-                <a:cs typeface="Tlwg Mono" panose="02000509000000000000" charset="0"/>
-                <a:sym typeface="+mn-ea"/>
-              </a:rPr>
-              <a:t>      X1 = torch.tensor([1,2,3]), X2 = torch.tensor([4,5,6])</a:t>
-            </a:r>
+              <a:rPr lang="en-US" sz="2000" b="1" dirty="0">
+                <a:latin typeface="Tlwg Mono" panose="02000509000000000000" charset="0"/>
+                <a:cs typeface="Tlwg Mono" panose="02000509000000000000" charset="0"/>
+                <a:sym typeface="+mn-ea"/>
+              </a:rPr>
+              <a:t>      X = </a:t>
+            </a:r>
+            <a:r>
+              <a:rPr lang="en-US" sz="2000" b="1" dirty="0" err="1">
+                <a:latin typeface="Tlwg Mono" panose="02000509000000000000" charset="0"/>
+                <a:cs typeface="Tlwg Mono" panose="02000509000000000000" charset="0"/>
+                <a:sym typeface="+mn-ea"/>
+              </a:rPr>
+              <a:t>torch.empty</a:t>
+            </a:r>
+            <a:r>
+              <a:rPr lang="en-US" sz="2000" b="1" dirty="0">
+                <a:latin typeface="Tlwg Mono" panose="02000509000000000000" charset="0"/>
+                <a:cs typeface="Tlwg Mono" panose="02000509000000000000" charset="0"/>
+                <a:sym typeface="+mn-ea"/>
+              </a:rPr>
+              <a:t>((5,5)), # </a:t>
+            </a:r>
+            <a:r>
+              <a:rPr lang="en-US" sz="2000" b="1" dirty="0" err="1">
+                <a:latin typeface="Tlwg Mono" panose="02000509000000000000" charset="0"/>
+                <a:cs typeface="Tlwg Mono" panose="02000509000000000000" charset="0"/>
+                <a:sym typeface="+mn-ea"/>
+              </a:rPr>
+              <a:t>dtype</a:t>
+            </a:r>
+            <a:r>
+              <a:rPr lang="en-US" sz="2000" b="1" dirty="0">
+                <a:latin typeface="Tlwg Mono" panose="02000509000000000000" charset="0"/>
+                <a:cs typeface="Tlwg Mono" panose="02000509000000000000" charset="0"/>
+                <a:sym typeface="+mn-ea"/>
+              </a:rPr>
+              <a:t> = int-32</a:t>
+            </a:r>
+            <a:endParaRPr lang="en-US" sz="2000" b="1" dirty="0">
+              <a:latin typeface="Tlwg Mono" panose="02000509000000000000" charset="0"/>
+              <a:cs typeface="Tlwg Mono" panose="02000509000000000000" charset="0"/>
+              <a:sym typeface="+mn-ea"/>
+            </a:endParaRPr>
           </a:p>
           <a:p>
             <a:pPr algn="l">
               <a:lnSpc>
-                <a:spcPct val="200000"/>
+                <a:spcPct val="150000"/>
               </a:lnSpc>
             </a:pPr>
             <a:r>
-              <a:rPr lang="en-US" sz="2000" b="1">
-                <a:latin typeface="Tlwg Mono" panose="02000509000000000000" charset="0"/>
-                <a:cs typeface="Tlwg Mono" panose="02000509000000000000" charset="0"/>
-                <a:sym typeface="+mn-ea"/>
-              </a:rPr>
-              <a:t>      </a:t>
-            </a:r>
-            <a:r>
-              <a:rPr lang="en-US" sz="2000" b="1">
-                <a:solidFill>
-                  <a:srgbClr val="FF0000"/>
-                </a:solidFill>
-                <a:latin typeface="Tlwg Mono" panose="02000509000000000000" charset="0"/>
-                <a:cs typeface="Tlwg Mono" panose="02000509000000000000" charset="0"/>
-                <a:sym typeface="+mn-ea"/>
-              </a:rPr>
-              <a:t>Addition:</a:t>
-            </a:r>
-            <a:r>
-              <a:rPr lang="en-US" sz="2000" b="1">
-                <a:latin typeface="Tlwg Mono" panose="02000509000000000000" charset="0"/>
-                <a:cs typeface="Tlwg Mono" panose="02000509000000000000" charset="0"/>
-                <a:sym typeface="+mn-ea"/>
-              </a:rPr>
-              <a:t> X1 + X2  = torch.add(X1, X2)</a:t>
-            </a:r>
+              <a:rPr lang="en-US" sz="2000" b="1" dirty="0">
+                <a:latin typeface="Tlwg Mono" panose="02000509000000000000" charset="0"/>
+                <a:cs typeface="Tlwg Mono" panose="02000509000000000000" charset="0"/>
+                <a:sym typeface="+mn-ea"/>
+              </a:rPr>
+              <a:t>      X = </a:t>
+            </a:r>
+            <a:r>
+              <a:rPr lang="en-US" sz="2000" b="1" dirty="0" err="1">
+                <a:latin typeface="Tlwg Mono" panose="02000509000000000000" charset="0"/>
+                <a:cs typeface="Tlwg Mono" panose="02000509000000000000" charset="0"/>
+                <a:sym typeface="+mn-ea"/>
+              </a:rPr>
+              <a:t>X.bool</a:t>
+            </a:r>
+            <a:r>
+              <a:rPr lang="en-US" sz="2000" b="1" dirty="0">
+                <a:latin typeface="Tlwg Mono" panose="02000509000000000000" charset="0"/>
+                <a:cs typeface="Tlwg Mono" panose="02000509000000000000" charset="0"/>
+                <a:sym typeface="+mn-ea"/>
+              </a:rPr>
+              <a:t>()            # Convert into binary form</a:t>
+            </a:r>
+            <a:endParaRPr lang="en-US" sz="2000" b="1" dirty="0">
+              <a:latin typeface="Tlwg Mono" panose="02000509000000000000" charset="0"/>
+              <a:cs typeface="Tlwg Mono" panose="02000509000000000000" charset="0"/>
+              <a:sym typeface="+mn-ea"/>
+            </a:endParaRPr>
           </a:p>
           <a:p>
             <a:pPr algn="l">
               <a:lnSpc>
-                <a:spcPct val="200000"/>
+                <a:spcPct val="150000"/>
               </a:lnSpc>
             </a:pPr>
             <a:r>
-              <a:rPr lang="en-US" sz="2000" b="1">
-                <a:latin typeface="Tlwg Mono" panose="02000509000000000000" charset="0"/>
-                <a:cs typeface="Tlwg Mono" panose="02000509000000000000" charset="0"/>
-                <a:sym typeface="+mn-ea"/>
-              </a:rPr>
-              <a:t>      </a:t>
-            </a:r>
-            <a:r>
-              <a:rPr lang="en-US" sz="2000" b="1">
-                <a:solidFill>
-                  <a:srgbClr val="FF0000"/>
-                </a:solidFill>
-                <a:latin typeface="Tlwg Mono" panose="02000509000000000000" charset="0"/>
-                <a:cs typeface="Tlwg Mono" panose="02000509000000000000" charset="0"/>
-                <a:sym typeface="+mn-ea"/>
-              </a:rPr>
-              <a:t>Inplace operation</a:t>
-            </a:r>
-            <a:r>
-              <a:rPr lang="en-US" sz="2000" b="1">
-                <a:latin typeface="Tlwg Mono" panose="02000509000000000000" charset="0"/>
-                <a:cs typeface="Tlwg Mono" panose="02000509000000000000" charset="0"/>
-                <a:sym typeface="+mn-ea"/>
-              </a:rPr>
-              <a:t> --&gt; X2 += X1 or X2._add(X1) </a:t>
-            </a:r>
+              <a:rPr lang="en-US" sz="2000" b="1" dirty="0">
+                <a:latin typeface="Tlwg Mono" panose="02000509000000000000" charset="0"/>
+                <a:cs typeface="Tlwg Mono" panose="02000509000000000000" charset="0"/>
+                <a:sym typeface="+mn-ea"/>
+              </a:rPr>
+              <a:t>      X = </a:t>
+            </a:r>
+            <a:r>
+              <a:rPr lang="en-US" sz="2000" b="1" dirty="0" err="1">
+                <a:latin typeface="Tlwg Mono" panose="02000509000000000000" charset="0"/>
+                <a:cs typeface="Tlwg Mono" panose="02000509000000000000" charset="0"/>
+                <a:sym typeface="+mn-ea"/>
+              </a:rPr>
+              <a:t>X.short</a:t>
+            </a:r>
+            <a:r>
+              <a:rPr lang="en-US" sz="2000" b="1" dirty="0">
+                <a:latin typeface="Tlwg Mono" panose="02000509000000000000" charset="0"/>
+                <a:cs typeface="Tlwg Mono" panose="02000509000000000000" charset="0"/>
+                <a:sym typeface="+mn-ea"/>
+              </a:rPr>
+              <a:t>()           # Convert into </a:t>
+            </a:r>
+            <a:r>
+              <a:rPr lang="en-US" sz="2000" b="1" dirty="0" err="1">
+                <a:latin typeface="Tlwg Mono" panose="02000509000000000000" charset="0"/>
+                <a:cs typeface="Tlwg Mono" panose="02000509000000000000" charset="0"/>
+                <a:sym typeface="+mn-ea"/>
+              </a:rPr>
+              <a:t>dtype</a:t>
+            </a:r>
+            <a:r>
+              <a:rPr lang="en-US" sz="2000" b="1" dirty="0">
+                <a:latin typeface="Tlwg Mono" panose="02000509000000000000" charset="0"/>
+                <a:cs typeface="Tlwg Mono" panose="02000509000000000000" charset="0"/>
+                <a:sym typeface="+mn-ea"/>
+              </a:rPr>
+              <a:t> int-16</a:t>
+            </a:r>
+            <a:endParaRPr lang="en-US" sz="2000" b="1" dirty="0">
+              <a:latin typeface="Tlwg Mono" panose="02000509000000000000" charset="0"/>
+              <a:cs typeface="Tlwg Mono" panose="02000509000000000000" charset="0"/>
+              <a:sym typeface="+mn-ea"/>
+            </a:endParaRPr>
           </a:p>
           <a:p>
             <a:pPr algn="l">
               <a:lnSpc>
-                <a:spcPct val="200000"/>
+                <a:spcPct val="150000"/>
               </a:lnSpc>
             </a:pPr>
             <a:r>
-              <a:rPr lang="en-US" sz="2000" b="1">
-                <a:latin typeface="Tlwg Mono" panose="02000509000000000000" charset="0"/>
-                <a:cs typeface="Tlwg Mono" panose="02000509000000000000" charset="0"/>
-                <a:sym typeface="+mn-ea"/>
-              </a:rPr>
-              <a:t>      </a:t>
-            </a:r>
-            <a:r>
-              <a:rPr lang="en-US" sz="2000" b="1">
-                <a:solidFill>
-                  <a:srgbClr val="FF0000"/>
-                </a:solidFill>
-                <a:latin typeface="Tlwg Mono" panose="02000509000000000000" charset="0"/>
-                <a:cs typeface="Tlwg Mono" panose="02000509000000000000" charset="0"/>
-                <a:sym typeface="+mn-ea"/>
-              </a:rPr>
-              <a:t>Subraction:</a:t>
-            </a:r>
-            <a:r>
-              <a:rPr lang="en-US" sz="2000" b="1">
-                <a:latin typeface="Tlwg Mono" panose="02000509000000000000" charset="0"/>
-                <a:cs typeface="Tlwg Mono" panose="02000509000000000000" charset="0"/>
-                <a:sym typeface="+mn-ea"/>
-              </a:rPr>
-              <a:t> X1 - X2 </a:t>
-            </a:r>
+              <a:rPr lang="en-US" sz="2000" b="1" dirty="0">
+                <a:latin typeface="Tlwg Mono" panose="02000509000000000000" charset="0"/>
+                <a:cs typeface="Tlwg Mono" panose="02000509000000000000" charset="0"/>
+                <a:sym typeface="+mn-ea"/>
+              </a:rPr>
+              <a:t>      X = </a:t>
+            </a:r>
+            <a:r>
+              <a:rPr lang="en-US" sz="2000" b="1" dirty="0" err="1">
+                <a:latin typeface="Tlwg Mono" panose="02000509000000000000" charset="0"/>
+                <a:cs typeface="Tlwg Mono" panose="02000509000000000000" charset="0"/>
+                <a:sym typeface="+mn-ea"/>
+              </a:rPr>
+              <a:t>X.long</a:t>
+            </a:r>
+            <a:r>
+              <a:rPr lang="en-US" sz="2000" b="1" dirty="0">
+                <a:latin typeface="Tlwg Mono" panose="02000509000000000000" charset="0"/>
+                <a:cs typeface="Tlwg Mono" panose="02000509000000000000" charset="0"/>
+                <a:sym typeface="+mn-ea"/>
+              </a:rPr>
+              <a:t>()            # Convert into </a:t>
+            </a:r>
+            <a:r>
+              <a:rPr lang="en-US" sz="2000" b="1" dirty="0" err="1">
+                <a:latin typeface="Tlwg Mono" panose="02000509000000000000" charset="0"/>
+                <a:cs typeface="Tlwg Mono" panose="02000509000000000000" charset="0"/>
+                <a:sym typeface="+mn-ea"/>
+              </a:rPr>
+              <a:t>dtype</a:t>
+            </a:r>
+            <a:r>
+              <a:rPr lang="en-US" sz="2000" b="1" dirty="0">
+                <a:latin typeface="Tlwg Mono" panose="02000509000000000000" charset="0"/>
+                <a:cs typeface="Tlwg Mono" panose="02000509000000000000" charset="0"/>
+                <a:sym typeface="+mn-ea"/>
+              </a:rPr>
+              <a:t> int-64</a:t>
+            </a:r>
+            <a:endParaRPr lang="en-US" sz="2000" b="1" dirty="0">
+              <a:latin typeface="Tlwg Mono" panose="02000509000000000000" charset="0"/>
+              <a:cs typeface="Tlwg Mono" panose="02000509000000000000" charset="0"/>
+              <a:sym typeface="+mn-ea"/>
+            </a:endParaRPr>
           </a:p>
           <a:p>
             <a:pPr algn="l">
               <a:lnSpc>
-                <a:spcPct val="200000"/>
+                <a:spcPct val="150000"/>
               </a:lnSpc>
             </a:pPr>
             <a:r>
-              <a:rPr lang="en-US" sz="2000" b="1">
-                <a:latin typeface="Tlwg Mono" panose="02000509000000000000" charset="0"/>
-                <a:cs typeface="Tlwg Mono" panose="02000509000000000000" charset="0"/>
-                <a:sym typeface="+mn-ea"/>
-              </a:rPr>
-              <a:t>      </a:t>
-            </a:r>
-            <a:r>
-              <a:rPr lang="en-US" sz="2000" b="1">
-                <a:solidFill>
-                  <a:srgbClr val="FF0000"/>
-                </a:solidFill>
-                <a:latin typeface="Tlwg Mono" panose="02000509000000000000" charset="0"/>
-                <a:cs typeface="Tlwg Mono" panose="02000509000000000000" charset="0"/>
-                <a:sym typeface="+mn-ea"/>
-              </a:rPr>
-              <a:t>Division:</a:t>
-            </a:r>
-            <a:r>
-              <a:rPr lang="en-US" sz="2000" b="1">
-                <a:latin typeface="Tlwg Mono" panose="02000509000000000000" charset="0"/>
-                <a:cs typeface="Tlwg Mono" panose="02000509000000000000" charset="0"/>
-                <a:sym typeface="+mn-ea"/>
-              </a:rPr>
-              <a:t> torch.true_divide( X1, X2) </a:t>
-            </a:r>
+              <a:rPr lang="en-US" sz="2000" b="1" dirty="0">
+                <a:latin typeface="Tlwg Mono" panose="02000509000000000000" charset="0"/>
+                <a:cs typeface="Tlwg Mono" panose="02000509000000000000" charset="0"/>
+                <a:sym typeface="+mn-ea"/>
+              </a:rPr>
+              <a:t>      X = </a:t>
+            </a:r>
+            <a:r>
+              <a:rPr lang="en-US" sz="2000" b="1" dirty="0" err="1">
+                <a:latin typeface="Tlwg Mono" panose="02000509000000000000" charset="0"/>
+                <a:cs typeface="Tlwg Mono" panose="02000509000000000000" charset="0"/>
+                <a:sym typeface="+mn-ea"/>
+              </a:rPr>
+              <a:t>X.half</a:t>
+            </a:r>
+            <a:r>
+              <a:rPr lang="en-US" sz="2000" b="1" dirty="0">
+                <a:latin typeface="Tlwg Mono" panose="02000509000000000000" charset="0"/>
+                <a:cs typeface="Tlwg Mono" panose="02000509000000000000" charset="0"/>
+                <a:sym typeface="+mn-ea"/>
+              </a:rPr>
+              <a:t>()            # Convert into </a:t>
+            </a:r>
+            <a:r>
+              <a:rPr lang="en-US" sz="2000" b="1" dirty="0" err="1">
+                <a:latin typeface="Tlwg Mono" panose="02000509000000000000" charset="0"/>
+                <a:cs typeface="Tlwg Mono" panose="02000509000000000000" charset="0"/>
+                <a:sym typeface="+mn-ea"/>
+              </a:rPr>
+              <a:t>dtype</a:t>
+            </a:r>
+            <a:r>
+              <a:rPr lang="en-US" sz="2000" b="1" dirty="0">
+                <a:latin typeface="Tlwg Mono" panose="02000509000000000000" charset="0"/>
+                <a:cs typeface="Tlwg Mono" panose="02000509000000000000" charset="0"/>
+                <a:sym typeface="+mn-ea"/>
+              </a:rPr>
+              <a:t> float-16</a:t>
+            </a:r>
+            <a:endParaRPr lang="en-US" sz="2000" b="1" dirty="0">
+              <a:latin typeface="Tlwg Mono" panose="02000509000000000000" charset="0"/>
+              <a:cs typeface="Tlwg Mono" panose="02000509000000000000" charset="0"/>
+              <a:sym typeface="+mn-ea"/>
+            </a:endParaRPr>
           </a:p>
           <a:p>
             <a:pPr algn="l">
               <a:lnSpc>
-                <a:spcPct val="200000"/>
+                <a:spcPct val="150000"/>
               </a:lnSpc>
             </a:pPr>
             <a:r>
-              <a:rPr lang="en-US" sz="2000" b="1">
-                <a:latin typeface="Tlwg Mono" panose="02000509000000000000" charset="0"/>
-                <a:cs typeface="Tlwg Mono" panose="02000509000000000000" charset="0"/>
-                <a:sym typeface="+mn-ea"/>
-              </a:rPr>
-              <a:t>      </a:t>
-            </a:r>
-            <a:r>
-              <a:rPr lang="en-US" sz="2000" b="1">
-                <a:solidFill>
-                  <a:srgbClr val="FF0000"/>
-                </a:solidFill>
-                <a:latin typeface="Tlwg Mono" panose="02000509000000000000" charset="0"/>
-                <a:cs typeface="Tlwg Mono" panose="02000509000000000000" charset="0"/>
-                <a:sym typeface="+mn-ea"/>
-              </a:rPr>
-              <a:t>Exponential:</a:t>
-            </a:r>
-            <a:r>
-              <a:rPr lang="en-US" sz="2000" b="1">
-                <a:latin typeface="Tlwg Mono" panose="02000509000000000000" charset="0"/>
-                <a:cs typeface="Tlwg Mono" panose="02000509000000000000" charset="0"/>
-                <a:sym typeface="+mn-ea"/>
-              </a:rPr>
-              <a:t> z = X1.pow(2) = X1 ** 2</a:t>
-            </a:r>
+              <a:rPr lang="en-US" sz="2000" b="1" dirty="0">
+                <a:latin typeface="Tlwg Mono" panose="02000509000000000000" charset="0"/>
+                <a:cs typeface="Tlwg Mono" panose="02000509000000000000" charset="0"/>
+                <a:sym typeface="+mn-ea"/>
+              </a:rPr>
+              <a:t>      X = </a:t>
+            </a:r>
+            <a:r>
+              <a:rPr lang="en-US" sz="2000" b="1" dirty="0" err="1">
+                <a:latin typeface="Tlwg Mono" panose="02000509000000000000" charset="0"/>
+                <a:cs typeface="Tlwg Mono" panose="02000509000000000000" charset="0"/>
+                <a:sym typeface="+mn-ea"/>
+              </a:rPr>
+              <a:t>X.float</a:t>
+            </a:r>
+            <a:r>
+              <a:rPr lang="en-US" sz="2000" b="1" dirty="0">
+                <a:latin typeface="Tlwg Mono" panose="02000509000000000000" charset="0"/>
+                <a:cs typeface="Tlwg Mono" panose="02000509000000000000" charset="0"/>
+                <a:sym typeface="+mn-ea"/>
+              </a:rPr>
+              <a:t>()           # Convert into </a:t>
+            </a:r>
+            <a:r>
+              <a:rPr lang="en-US" sz="2000" b="1" dirty="0" err="1">
+                <a:latin typeface="Tlwg Mono" panose="02000509000000000000" charset="0"/>
+                <a:cs typeface="Tlwg Mono" panose="02000509000000000000" charset="0"/>
+                <a:sym typeface="+mn-ea"/>
+              </a:rPr>
+              <a:t>dtype</a:t>
+            </a:r>
+            <a:r>
+              <a:rPr lang="en-US" sz="2000" b="1" dirty="0">
+                <a:latin typeface="Tlwg Mono" panose="02000509000000000000" charset="0"/>
+                <a:cs typeface="Tlwg Mono" panose="02000509000000000000" charset="0"/>
+                <a:sym typeface="+mn-ea"/>
+              </a:rPr>
+              <a:t> float-32</a:t>
+            </a:r>
+            <a:endParaRPr lang="en-US" sz="2000" b="1" dirty="0">
+              <a:latin typeface="Tlwg Mono" panose="02000509000000000000" charset="0"/>
+              <a:cs typeface="Tlwg Mono" panose="02000509000000000000" charset="0"/>
+              <a:sym typeface="+mn-ea"/>
+            </a:endParaRPr>
           </a:p>
           <a:p>
             <a:pPr algn="l">
               <a:lnSpc>
-                <a:spcPct val="200000"/>
+                <a:spcPct val="150000"/>
               </a:lnSpc>
             </a:pPr>
             <a:r>
-              <a:rPr lang="en-US" sz="2000" b="1">
-                <a:latin typeface="Tlwg Mono" panose="02000509000000000000" charset="0"/>
-                <a:cs typeface="Tlwg Mono" panose="02000509000000000000" charset="0"/>
-                <a:sym typeface="+mn-ea"/>
-              </a:rPr>
-              <a:t>      </a:t>
-            </a:r>
-            <a:r>
-              <a:rPr lang="en-US" sz="2000" b="1">
+              <a:rPr lang="en-US" sz="2000" b="1" dirty="0">
+                <a:latin typeface="Tlwg Mono" panose="02000509000000000000" charset="0"/>
+                <a:cs typeface="Tlwg Mono" panose="02000509000000000000" charset="0"/>
+                <a:sym typeface="+mn-ea"/>
+              </a:rPr>
+              <a:t>      X = </a:t>
+            </a:r>
+            <a:r>
+              <a:rPr lang="en-US" sz="2000" b="1" dirty="0" err="1">
+                <a:latin typeface="Tlwg Mono" panose="02000509000000000000" charset="0"/>
+                <a:cs typeface="Tlwg Mono" panose="02000509000000000000" charset="0"/>
+                <a:sym typeface="+mn-ea"/>
+              </a:rPr>
+              <a:t>X.double</a:t>
+            </a:r>
+            <a:r>
+              <a:rPr lang="en-US" sz="2000" b="1" dirty="0">
+                <a:latin typeface="Tlwg Mono" panose="02000509000000000000" charset="0"/>
+                <a:cs typeface="Tlwg Mono" panose="02000509000000000000" charset="0"/>
+                <a:sym typeface="+mn-ea"/>
+              </a:rPr>
+              <a:t>()          # Convert into </a:t>
+            </a:r>
+            <a:r>
+              <a:rPr lang="en-US" sz="2000" b="1" dirty="0" err="1">
+                <a:latin typeface="Tlwg Mono" panose="02000509000000000000" charset="0"/>
+                <a:cs typeface="Tlwg Mono" panose="02000509000000000000" charset="0"/>
+                <a:sym typeface="+mn-ea"/>
+              </a:rPr>
+              <a:t>dtype</a:t>
+            </a:r>
+            <a:r>
+              <a:rPr lang="en-US" sz="2000" b="1" dirty="0">
+                <a:latin typeface="Tlwg Mono" panose="02000509000000000000" charset="0"/>
+                <a:cs typeface="Tlwg Mono" panose="02000509000000000000" charset="0"/>
+                <a:sym typeface="+mn-ea"/>
+              </a:rPr>
+              <a:t> float-64</a:t>
+            </a:r>
+            <a:endParaRPr lang="en-US" sz="2000" b="1" dirty="0">
+              <a:latin typeface="Tlwg Mono" panose="02000509000000000000" charset="0"/>
+              <a:cs typeface="Tlwg Mono" panose="02000509000000000000" charset="0"/>
+              <a:sym typeface="+mn-ea"/>
+            </a:endParaRPr>
+          </a:p>
+        </p:txBody>
+      </p:sp>
+      <p:sp>
+        <p:nvSpPr>
+          <p:cNvPr id="4" name="Title 5"/>
+          <p:cNvSpPr>
+            <a:spLocks noGrp="1"/>
+          </p:cNvSpPr>
+          <p:nvPr/>
+        </p:nvSpPr>
+        <p:spPr>
+          <a:xfrm>
+            <a:off x="67310" y="4566285"/>
+            <a:ext cx="12192000" cy="551180"/>
+          </a:xfrm>
+          <a:prstGeom prst="rect">
+            <a:avLst/>
+          </a:prstGeom>
+        </p:spPr>
+        <p:txBody>
+          <a:bodyPr vert="horz" lIns="91440" tIns="45720" rIns="91440" bIns="45720" rtlCol="0" anchor="ctr"/>
+          <a:lstStyle>
+            <a:lvl1pPr algn="l" defTabSz="914400" rtl="0" eaLnBrk="1" latinLnBrk="0" hangingPunct="1">
+              <a:lnSpc>
+                <a:spcPct val="90000"/>
+              </a:lnSpc>
+              <a:spcBef>
+                <a:spcPct val="0"/>
+              </a:spcBef>
+              <a:buNone/>
+              <a:defRPr sz="4400" kern="1200">
                 <a:solidFill>
-                  <a:srgbClr val="FF0000"/>
+                  <a:schemeClr val="tx1"/>
                 </a:solidFill>
-                <a:latin typeface="Tlwg Mono" panose="02000509000000000000" charset="0"/>
-                <a:cs typeface="Tlwg Mono" panose="02000509000000000000" charset="0"/>
-                <a:sym typeface="+mn-ea"/>
-              </a:rPr>
-              <a:t>Comparision:</a:t>
-            </a:r>
-            <a:r>
-              <a:rPr lang="en-US" sz="2000" b="1">
-                <a:latin typeface="Tlwg Mono" panose="02000509000000000000" charset="0"/>
-                <a:cs typeface="Tlwg Mono" panose="02000509000000000000" charset="0"/>
-                <a:sym typeface="+mn-ea"/>
-              </a:rPr>
-              <a:t> Z = X1&gt;0, X2&gt;X1, X2&lt;X1 </a:t>
-            </a:r>
-          </a:p>
-        </p:txBody>
-      </p:sp>
-      <p:sp>
-        <p:nvSpPr>
-          <p:cNvPr id="10" name="Text Box 9"/>
+                <a:latin typeface="+mj-lt"/>
+                <a:ea typeface="+mj-ea"/>
+                <a:cs typeface="+mj-cs"/>
+              </a:defRPr>
+            </a:lvl1pPr>
+          </a:lstStyle>
+          <a:p>
+            <a:pPr indent="0" algn="ctr"/>
+            <a:r>
+              <a:rPr lang="en-US" sz="2400"/>
+              <a:t>Torch to array conversion and vise-versa</a:t>
+            </a:r>
+            <a:endParaRPr lang="en-US" sz="2400"/>
+          </a:p>
+        </p:txBody>
+      </p:sp>
+      <p:sp>
+        <p:nvSpPr>
+          <p:cNvPr id="5" name="Text Box 4"/>
           <p:cNvSpPr txBox="1"/>
           <p:nvPr/>
         </p:nvSpPr>
         <p:spPr>
           <a:xfrm>
-            <a:off x="0" y="782955"/>
-            <a:ext cx="2908935" cy="460375"/>
+            <a:off x="635" y="5031740"/>
+            <a:ext cx="12192000" cy="1476375"/>
+          </a:xfrm>
+          <a:prstGeom prst="rect">
+            <a:avLst/>
+          </a:prstGeom>
+          <a:solidFill>
+            <a:srgbClr val="FFFF00"/>
+          </a:solidFill>
+        </p:spPr>
+        <p:txBody>
+          <a:bodyPr wrap="square" rtlCol="0" anchor="t">
+            <a:spAutoFit/>
+          </a:bodyPr>
+          <a:lstStyle/>
+          <a:p>
+            <a:pPr algn="l">
+              <a:lnSpc>
+                <a:spcPct val="150000"/>
+              </a:lnSpc>
+            </a:pPr>
+            <a:r>
+              <a:rPr lang="en-US" sz="2000" b="1">
+                <a:latin typeface="Tlwg Mono" panose="02000509000000000000" charset="0"/>
+                <a:cs typeface="Tlwg Mono" panose="02000509000000000000" charset="0"/>
+                <a:sym typeface="+mn-ea"/>
+              </a:rPr>
+              <a:t>      X = np.zeros((6,6))     # Declare numpy array</a:t>
+            </a:r>
+            <a:endParaRPr lang="en-US" sz="2000" b="1">
+              <a:latin typeface="Tlwg Mono" panose="02000509000000000000" charset="0"/>
+              <a:cs typeface="Tlwg Mono" panose="02000509000000000000" charset="0"/>
+              <a:sym typeface="+mn-ea"/>
+            </a:endParaRPr>
+          </a:p>
+          <a:p>
+            <a:pPr algn="l">
+              <a:lnSpc>
+                <a:spcPct val="150000"/>
+              </a:lnSpc>
+            </a:pPr>
+            <a:r>
+              <a:rPr lang="en-US" sz="2000" b="1">
+                <a:latin typeface="Tlwg Mono" panose="02000509000000000000" charset="0"/>
+                <a:cs typeface="Tlwg Mono" panose="02000509000000000000" charset="0"/>
+                <a:sym typeface="+mn-ea"/>
+              </a:rPr>
+              <a:t>      X = torch.from_numpy(X) # Convert to torch tensor</a:t>
+            </a:r>
+            <a:endParaRPr lang="en-US" sz="2000" b="1">
+              <a:latin typeface="Tlwg Mono" panose="02000509000000000000" charset="0"/>
+              <a:cs typeface="Tlwg Mono" panose="02000509000000000000" charset="0"/>
+              <a:sym typeface="+mn-ea"/>
+            </a:endParaRPr>
+          </a:p>
+          <a:p>
+            <a:pPr algn="l">
+              <a:lnSpc>
+                <a:spcPct val="150000"/>
+              </a:lnSpc>
+            </a:pPr>
+            <a:r>
+              <a:rPr lang="en-US" sz="2000" b="1">
+                <a:latin typeface="Tlwg Mono" panose="02000509000000000000" charset="0"/>
+                <a:cs typeface="Tlwg Mono" panose="02000509000000000000" charset="0"/>
+                <a:sym typeface="+mn-ea"/>
+              </a:rPr>
+              <a:t>      X = X.numpy()           # Convert to numpy array</a:t>
+            </a:r>
+            <a:endParaRPr lang="en-US" sz="2000" b="1">
+              <a:latin typeface="Tlwg Mono" panose="02000509000000000000" charset="0"/>
+              <a:cs typeface="Tlwg Mono" panose="02000509000000000000" charset="0"/>
+              <a:sym typeface="+mn-ea"/>
+            </a:endParaRPr>
+          </a:p>
+        </p:txBody>
+      </p:sp>
+      <p:sp>
+        <p:nvSpPr>
+          <p:cNvPr id="9" name="Text Box 8"/>
+          <p:cNvSpPr txBox="1"/>
+          <p:nvPr/>
+        </p:nvSpPr>
+        <p:spPr>
+          <a:xfrm>
+            <a:off x="635" y="593725"/>
+            <a:ext cx="3911600" cy="460375"/>
           </a:xfrm>
           <a:prstGeom prst="rect">
             <a:avLst/>
@@ -5251,41 +5687,55 @@
               <a:rPr lang="en-US" sz="2400" b="1">
                 <a:sym typeface="+mn-ea"/>
               </a:rPr>
-              <a:t>2. Tensor Maths</a:t>
-            </a:r>
-          </a:p>
-        </p:txBody>
-      </p:sp>
-      <p:sp>
-        <p:nvSpPr>
-          <p:cNvPr id="4" name="Title 5">
-            <a:extLst>
-              <a:ext uri="{FF2B5EF4-FFF2-40B4-BE49-F238E27FC236}">
-                <a16:creationId xmlns:a16="http://schemas.microsoft.com/office/drawing/2014/main" id="{E179F8FE-9ABC-B4A5-90C1-811FEC6E81A8}"/>
-              </a:ext>
-            </a:extLst>
-          </p:cNvPr>
-          <p:cNvSpPr>
-            <a:spLocks noGrp="1"/>
-          </p:cNvSpPr>
-          <p:nvPr>
-            <p:ph type="title"/>
-          </p:nvPr>
+              <a:t>1. Tensor Intialization</a:t>
+            </a:r>
+            <a:endParaRPr lang="en-US" sz="2400" b="1">
+              <a:sym typeface="+mn-ea"/>
+            </a:endParaRPr>
+          </a:p>
+        </p:txBody>
+      </p:sp>
+      <p:sp>
+        <p:nvSpPr>
+          <p:cNvPr id="13" name="Title 5"/>
+          <p:cNvSpPr txBox="1"/>
+          <p:nvPr/>
         </p:nvSpPr>
         <p:spPr>
           <a:xfrm>
             <a:off x="-1270" y="40640"/>
             <a:ext cx="12190730" cy="551180"/>
           </a:xfrm>
+          <a:prstGeom prst="rect">
+            <a:avLst/>
+          </a:prstGeom>
           <a:solidFill>
             <a:srgbClr val="7030A0"/>
           </a:solidFill>
         </p:spPr>
         <p:txBody>
-          <a:bodyPr>
-            <a:normAutofit fontScale="90000"/>
+          <a:bodyPr vert="horz" lIns="91440" tIns="45720" rIns="91440" bIns="45720" rtlCol="0" anchor="ctr">
+            <a:normAutofit fontScale="90000" lnSpcReduction="20000"/>
           </a:bodyPr>
-          <a:lstStyle/>
+          <a:lstStyle>
+            <a:lvl1pPr algn="l" defTabSz="914400" rtl="0" eaLnBrk="1" latinLnBrk="0" hangingPunct="1">
+              <a:lnSpc>
+                <a:spcPct val="90000"/>
+              </a:lnSpc>
+              <a:spcBef>
+                <a:spcPct val="0"/>
+              </a:spcBef>
+              <a:buNone/>
+              <a:defRPr sz="4400" kern="1200">
+                <a:solidFill>
+                  <a:schemeClr val="tx1"/>
+                </a:solidFill>
+                <a:latin typeface="+mj-lt"/>
+                <a:ea typeface="+mj-ea"/>
+                <a:cs typeface="+mj-cs"/>
+              </a:defRPr>
+            </a:lvl1pPr>
+          </a:lstStyle>
           <a:p>
             <a:pPr algn="ctr"/>
             <a:r>
@@ -5304,6 +5754,11 @@
               </a:rPr>
               <a:t> Basics </a:t>
             </a:r>
+            <a:endParaRPr lang="en-US" dirty="0">
+              <a:solidFill>
+                <a:schemeClr val="bg1"/>
+              </a:solidFill>
+            </a:endParaRPr>
           </a:p>
         </p:txBody>
       </p:sp>
@@ -5340,8 +5795,8 @@
         </p:nvSpPr>
         <p:spPr>
           <a:xfrm>
-            <a:off x="0" y="1653540"/>
-            <a:ext cx="12192000" cy="5015865"/>
+            <a:off x="635" y="1666240"/>
+            <a:ext cx="12192000" cy="4399915"/>
           </a:xfrm>
           <a:prstGeom prst="rect">
             <a:avLst/>
@@ -5372,6 +5827,11 @@
               </a:rPr>
               <a:t>      X1 = torch.tensor([1,2,3]), X2 = torch.tensor([4,5,6])</a:t>
             </a:r>
+            <a:endParaRPr lang="en-US" sz="2000" b="1">
+              <a:latin typeface="Tlwg Mono" panose="02000509000000000000" charset="0"/>
+              <a:cs typeface="Tlwg Mono" panose="02000509000000000000" charset="0"/>
+              <a:sym typeface="+mn-ea"/>
+            </a:endParaRPr>
           </a:p>
           <a:p>
             <a:pPr algn="l">
@@ -5396,7 +5856,7 @@
                 <a:cs typeface="Tlwg Mono" panose="02000509000000000000" charset="0"/>
                 <a:sym typeface="+mn-ea"/>
               </a:rPr>
-              <a:t>Metrix Multiplication:</a:t>
+              <a:t>Addition:</a:t>
             </a:r>
             <a:r>
               <a:rPr lang="en-US" sz="2000" b="1">
@@ -5404,8 +5864,13 @@
                 <a:cs typeface="Tlwg Mono" panose="02000509000000000000" charset="0"/>
                 <a:sym typeface="+mn-ea"/>
               </a:rPr>
-              <a:t> torch.mm(X1, X2) = X1.mm(X2)</a:t>
-            </a:r>
+              <a:t> X1 + X2  = torch.add(X1, X2)</a:t>
+            </a:r>
+            <a:endParaRPr lang="en-US" sz="2000" b="1">
+              <a:latin typeface="Tlwg Mono" panose="02000509000000000000" charset="0"/>
+              <a:cs typeface="Tlwg Mono" panose="02000509000000000000" charset="0"/>
+              <a:sym typeface="+mn-ea"/>
+            </a:endParaRPr>
           </a:p>
           <a:p>
             <a:pPr algn="l">
@@ -5430,7 +5895,7 @@
                 <a:cs typeface="Tlwg Mono" panose="02000509000000000000" charset="0"/>
                 <a:sym typeface="+mn-ea"/>
               </a:rPr>
-              <a:t>Element-wise Multiplication:</a:t>
+              <a:t>Inplace operation</a:t>
             </a:r>
             <a:r>
               <a:rPr lang="en-US" sz="2000" b="1">
@@ -5438,8 +5903,13 @@
                 <a:cs typeface="Tlwg Mono" panose="02000509000000000000" charset="0"/>
                 <a:sym typeface="+mn-ea"/>
               </a:rPr>
-              <a:t> X1 * X2</a:t>
-            </a:r>
+              <a:t> --&gt; X2 += X1 or X2._add(X1) </a:t>
+            </a:r>
+            <a:endParaRPr lang="en-US" sz="2000" b="1">
+              <a:latin typeface="Tlwg Mono" panose="02000509000000000000" charset="0"/>
+              <a:cs typeface="Tlwg Mono" panose="02000509000000000000" charset="0"/>
+              <a:sym typeface="+mn-ea"/>
+            </a:endParaRPr>
           </a:p>
           <a:p>
             <a:pPr algn="l">
@@ -5464,7 +5934,7 @@
                 <a:cs typeface="Tlwg Mono" panose="02000509000000000000" charset="0"/>
                 <a:sym typeface="+mn-ea"/>
               </a:rPr>
-              <a:t>Dot product:</a:t>
+              <a:t>Subraction:</a:t>
             </a:r>
             <a:r>
               <a:rPr lang="en-US" sz="2000" b="1">
@@ -5472,8 +5942,13 @@
                 <a:cs typeface="Tlwg Mono" panose="02000509000000000000" charset="0"/>
                 <a:sym typeface="+mn-ea"/>
               </a:rPr>
-              <a:t> torch.dot(X1, X2)</a:t>
-            </a:r>
+              <a:t> X1 - X2 </a:t>
+            </a:r>
+            <a:endParaRPr lang="en-US" sz="2000" b="1">
+              <a:latin typeface="Tlwg Mono" panose="02000509000000000000" charset="0"/>
+              <a:cs typeface="Tlwg Mono" panose="02000509000000000000" charset="0"/>
+              <a:sym typeface="+mn-ea"/>
+            </a:endParaRPr>
           </a:p>
           <a:p>
             <a:pPr algn="l">
@@ -5498,7 +5973,15 @@
                 <a:cs typeface="Tlwg Mono" panose="02000509000000000000" charset="0"/>
                 <a:sym typeface="+mn-ea"/>
               </a:rPr>
-              <a:t>Batch Metrix Multiplication: </a:t>
+              <a:t>Division:</a:t>
+            </a:r>
+            <a:r>
+              <a:rPr lang="en-US" sz="2000" b="1">
+                <a:latin typeface="Tlwg Mono" panose="02000509000000000000" charset="0"/>
+                <a:cs typeface="Tlwg Mono" panose="02000509000000000000" charset="0"/>
+                <a:sym typeface="+mn-ea"/>
+              </a:rPr>
+              <a:t> torch.true_divide( X1, X2) </a:t>
             </a:r>
             <a:endParaRPr lang="en-US" sz="2000" b="1">
               <a:latin typeface="Tlwg Mono" panose="02000509000000000000" charset="0"/>
@@ -5518,8 +6001,32 @@
                 <a:cs typeface="Tlwg Mono" panose="02000509000000000000" charset="0"/>
                 <a:sym typeface="+mn-ea"/>
               </a:rPr>
-              <a:t>      batch = 2, a = 3, b = 5, c = 4</a:t>
-            </a:r>
+              <a:t>      </a:t>
+            </a:r>
+            <a:r>
+              <a:rPr lang="en-US" sz="2000" b="1">
+                <a:solidFill>
+                  <a:srgbClr val="FF0000"/>
+                </a:solidFill>
+                <a:latin typeface="Tlwg Mono" panose="02000509000000000000" charset="0"/>
+                <a:cs typeface="Tlwg Mono" panose="02000509000000000000" charset="0"/>
+                <a:sym typeface="+mn-ea"/>
+              </a:rPr>
+              <a:t>Exponential:</a:t>
+            </a:r>
+            <a:r>
+              <a:rPr lang="en-US" sz="2000" b="1">
+                <a:latin typeface="Tlwg Mono" panose="02000509000000000000" charset="0"/>
+                <a:cs typeface="Tlwg Mono" panose="02000509000000000000" charset="0"/>
+                <a:sym typeface="+mn-ea"/>
+              </a:rPr>
+              <a:t> z = X1.pow(2) = X1 ** 2</a:t>
+            </a:r>
+            <a:endParaRPr lang="en-US" sz="2000" b="1">
+              <a:latin typeface="Tlwg Mono" panose="02000509000000000000" charset="0"/>
+              <a:cs typeface="Tlwg Mono" panose="02000509000000000000" charset="0"/>
+              <a:sym typeface="+mn-ea"/>
+            </a:endParaRPr>
           </a:p>
           <a:p>
             <a:pPr algn="l">
@@ -5533,23 +6040,32 @@
                 <a:cs typeface="Tlwg Mono" panose="02000509000000000000" charset="0"/>
                 <a:sym typeface="+mn-ea"/>
               </a:rPr>
-              <a:t>      X1 = torch.rand((batch, a, b)), X2 = torch.rand((batch, b, c)) </a:t>
-            </a:r>
-          </a:p>
-          <a:p>
-            <a:pPr algn="l">
-              <a:lnSpc>
-                <a:spcPct val="200000"/>
-              </a:lnSpc>
-            </a:pPr>
+              <a:t>      </a:t>
+            </a:r>
             <a:r>
               <a:rPr lang="en-US" sz="2000" b="1">
-                <a:latin typeface="Tlwg Mono" panose="02000509000000000000" charset="0"/>
-                <a:cs typeface="Tlwg Mono" panose="02000509000000000000" charset="0"/>
-                <a:sym typeface="+mn-ea"/>
-              </a:rPr>
-              <a:t>      Z = torch.bmm(X1,X2) </a:t>
-            </a:r>
+                <a:solidFill>
+                  <a:srgbClr val="FF0000"/>
+                </a:solidFill>
+                <a:latin typeface="Tlwg Mono" panose="02000509000000000000" charset="0"/>
+                <a:cs typeface="Tlwg Mono" panose="02000509000000000000" charset="0"/>
+                <a:sym typeface="+mn-ea"/>
+              </a:rPr>
+              <a:t>Comparision:</a:t>
+            </a:r>
+            <a:r>
+              <a:rPr lang="en-US" sz="2000" b="1">
+                <a:latin typeface="Tlwg Mono" panose="02000509000000000000" charset="0"/>
+                <a:cs typeface="Tlwg Mono" panose="02000509000000000000" charset="0"/>
+                <a:sym typeface="+mn-ea"/>
+              </a:rPr>
+              <a:t> Z = X1&gt;0, X2&gt;X1, X2&lt;X1 </a:t>
+            </a:r>
+            <a:endParaRPr lang="en-US" sz="2000" b="1">
+              <a:latin typeface="Tlwg Mono" panose="02000509000000000000" charset="0"/>
+              <a:cs typeface="Tlwg Mono" panose="02000509000000000000" charset="0"/>
+              <a:sym typeface="+mn-ea"/>
+            </a:endParaRPr>
           </a:p>
         </p:txBody>
       </p:sp>
@@ -5586,18 +6102,15 @@
               </a:rPr>
               <a:t>2. Tensor Maths</a:t>
             </a:r>
-          </a:p>
-        </p:txBody>
-      </p:sp>
-      <p:sp>
-        <p:nvSpPr>
-          <p:cNvPr id="4" name="Title 5">
-            <a:extLst>
-              <a:ext uri="{FF2B5EF4-FFF2-40B4-BE49-F238E27FC236}">
-                <a16:creationId xmlns:a16="http://schemas.microsoft.com/office/drawing/2014/main" id="{D20CB0D5-3BBD-91BC-B363-C8E6CADCD555}"/>
-              </a:ext>
-            </a:extLst>
-          </p:cNvPr>
+            <a:endParaRPr lang="en-US" sz="2400" b="1">
+              <a:sym typeface="+mn-ea"/>
+            </a:endParaRPr>
+          </a:p>
+        </p:txBody>
+      </p:sp>
+      <p:sp>
+        <p:nvSpPr>
+          <p:cNvPr id="4" name="Title 5"/>
           <p:cNvSpPr>
             <a:spLocks noGrp="1"/>
           </p:cNvSpPr>
@@ -5637,6 +6150,11 @@
               </a:rPr>
               <a:t> Basics </a:t>
             </a:r>
+            <a:endParaRPr lang="en-US" dirty="0">
+              <a:solidFill>
+                <a:schemeClr val="bg1"/>
+              </a:solidFill>
+            </a:endParaRPr>
           </a:p>
         </p:txBody>
       </p:sp>
@@ -5674,7 +6192,7 @@
         <p:spPr>
           <a:xfrm>
             <a:off x="0" y="1653540"/>
-            <a:ext cx="12192000" cy="2553335"/>
+            <a:ext cx="12192000" cy="5015865"/>
           </a:xfrm>
           <a:prstGeom prst="rect">
             <a:avLst/>
@@ -5703,8 +6221,13 @@
                 <a:cs typeface="Tlwg Mono" panose="02000509000000000000" charset="0"/>
                 <a:sym typeface="+mn-ea"/>
               </a:rPr>
-              <a:t>     X1 = torch.tensor([1,2,3]), X2 = torch.tensor([4,5,6])</a:t>
-            </a:r>
+              <a:t>      X1 = torch.tensor([1,2,3]), X2 = torch.tensor([4,5,6])</a:t>
+            </a:r>
+            <a:endParaRPr lang="en-US" sz="2000" b="1">
+              <a:latin typeface="Tlwg Mono" panose="02000509000000000000" charset="0"/>
+              <a:cs typeface="Tlwg Mono" panose="02000509000000000000" charset="0"/>
+              <a:sym typeface="+mn-ea"/>
+            </a:endParaRPr>
           </a:p>
           <a:p>
             <a:pPr algn="l">
@@ -5718,8 +6241,32 @@
                 <a:cs typeface="Tlwg Mono" panose="02000509000000000000" charset="0"/>
                 <a:sym typeface="+mn-ea"/>
               </a:rPr>
-              <a:t>     indices, values = torch.max(X1, dim=0), indices = torch.argmax(X1, dim=0)</a:t>
-            </a:r>
+              <a:t>      </a:t>
+            </a:r>
+            <a:r>
+              <a:rPr lang="en-US" sz="2000" b="1">
+                <a:solidFill>
+                  <a:srgbClr val="FF0000"/>
+                </a:solidFill>
+                <a:latin typeface="Tlwg Mono" panose="02000509000000000000" charset="0"/>
+                <a:cs typeface="Tlwg Mono" panose="02000509000000000000" charset="0"/>
+                <a:sym typeface="+mn-ea"/>
+              </a:rPr>
+              <a:t>Metrix Multiplication:</a:t>
+            </a:r>
+            <a:r>
+              <a:rPr lang="en-US" sz="2000" b="1">
+                <a:latin typeface="Tlwg Mono" panose="02000509000000000000" charset="0"/>
+                <a:cs typeface="Tlwg Mono" panose="02000509000000000000" charset="0"/>
+                <a:sym typeface="+mn-ea"/>
+              </a:rPr>
+              <a:t> torch.mm(X1, X2) = X1.mm(X2)</a:t>
+            </a:r>
+            <a:endParaRPr lang="en-US" sz="2000" b="1">
+              <a:latin typeface="Tlwg Mono" panose="02000509000000000000" charset="0"/>
+              <a:cs typeface="Tlwg Mono" panose="02000509000000000000" charset="0"/>
+              <a:sym typeface="+mn-ea"/>
+            </a:endParaRPr>
           </a:p>
           <a:p>
             <a:pPr algn="l">
@@ -5733,7 +6280,7 @@
                 <a:cs typeface="Tlwg Mono" panose="02000509000000000000" charset="0"/>
                 <a:sym typeface="+mn-ea"/>
               </a:rPr>
-              <a:t>     </a:t>
+              <a:t>      </a:t>
             </a:r>
             <a:r>
               <a:rPr lang="en-US" sz="2000" b="1">
@@ -5744,7 +6291,7 @@
                 <a:cs typeface="Tlwg Mono" panose="02000509000000000000" charset="0"/>
                 <a:sym typeface="+mn-ea"/>
               </a:rPr>
-              <a:t>Absolute tensor:</a:t>
+              <a:t>Element-wise Multiplication:</a:t>
             </a:r>
             <a:r>
               <a:rPr lang="en-US" sz="2000" b="1">
@@ -5752,8 +6299,13 @@
                 <a:cs typeface="Tlwg Mono" panose="02000509000000000000" charset="0"/>
                 <a:sym typeface="+mn-ea"/>
               </a:rPr>
-              <a:t> torch.abs(X1)</a:t>
-            </a:r>
+              <a:t> X1 * X2</a:t>
+            </a:r>
+            <a:endParaRPr lang="en-US" sz="2000" b="1">
+              <a:latin typeface="Tlwg Mono" panose="02000509000000000000" charset="0"/>
+              <a:cs typeface="Tlwg Mono" panose="02000509000000000000" charset="0"/>
+              <a:sym typeface="+mn-ea"/>
+            </a:endParaRPr>
           </a:p>
           <a:p>
             <a:pPr algn="l">
@@ -5767,7 +6319,7 @@
                 <a:cs typeface="Tlwg Mono" panose="02000509000000000000" charset="0"/>
                 <a:sym typeface="+mn-ea"/>
               </a:rPr>
-              <a:t>     </a:t>
+              <a:t>      </a:t>
             </a:r>
             <a:r>
               <a:rPr lang="en-US" sz="2000" b="1">
@@ -5778,7 +6330,7 @@
                 <a:cs typeface="Tlwg Mono" panose="02000509000000000000" charset="0"/>
                 <a:sym typeface="+mn-ea"/>
               </a:rPr>
-              <a:t>Tensor Clamping:</a:t>
+              <a:t>Dot product:</a:t>
             </a:r>
             <a:r>
               <a:rPr lang="en-US" sz="2000" b="1">
@@ -5786,8 +6338,104 @@
                 <a:cs typeface="Tlwg Mono" panose="02000509000000000000" charset="0"/>
                 <a:sym typeface="+mn-ea"/>
               </a:rPr>
-              <a:t> torch.clamp(X1, min = 0) </a:t>
-            </a:r>
+              <a:t> torch.dot(X1, X2)</a:t>
+            </a:r>
+            <a:endParaRPr lang="en-US" sz="2000" b="1">
+              <a:latin typeface="Tlwg Mono" panose="02000509000000000000" charset="0"/>
+              <a:cs typeface="Tlwg Mono" panose="02000509000000000000" charset="0"/>
+              <a:sym typeface="+mn-ea"/>
+            </a:endParaRPr>
+          </a:p>
+          <a:p>
+            <a:pPr algn="l">
+              <a:lnSpc>
+                <a:spcPct val="200000"/>
+              </a:lnSpc>
+            </a:pPr>
+            <a:r>
+              <a:rPr lang="en-US" sz="2000" b="1">
+                <a:latin typeface="Tlwg Mono" panose="02000509000000000000" charset="0"/>
+                <a:cs typeface="Tlwg Mono" panose="02000509000000000000" charset="0"/>
+                <a:sym typeface="+mn-ea"/>
+              </a:rPr>
+              <a:t>      </a:t>
+            </a:r>
+            <a:r>
+              <a:rPr lang="en-US" sz="2000" b="1">
+                <a:solidFill>
+                  <a:srgbClr val="FF0000"/>
+                </a:solidFill>
+                <a:latin typeface="Tlwg Mono" panose="02000509000000000000" charset="0"/>
+                <a:cs typeface="Tlwg Mono" panose="02000509000000000000" charset="0"/>
+                <a:sym typeface="+mn-ea"/>
+              </a:rPr>
+              <a:t>Batch Metrix Multiplication: </a:t>
+            </a:r>
+            <a:endParaRPr lang="en-US" sz="2000" b="1">
+              <a:latin typeface="Tlwg Mono" panose="02000509000000000000" charset="0"/>
+              <a:cs typeface="Tlwg Mono" panose="02000509000000000000" charset="0"/>
+              <a:sym typeface="+mn-ea"/>
+            </a:endParaRPr>
+          </a:p>
+          <a:p>
+            <a:pPr algn="l">
+              <a:lnSpc>
+                <a:spcPct val="200000"/>
+              </a:lnSpc>
+            </a:pPr>
+            <a:r>
+              <a:rPr lang="en-US" sz="2000" b="1">
+                <a:latin typeface="Tlwg Mono" panose="02000509000000000000" charset="0"/>
+                <a:cs typeface="Tlwg Mono" panose="02000509000000000000" charset="0"/>
+                <a:sym typeface="+mn-ea"/>
+              </a:rPr>
+              <a:t>      batch = 2, a = 3, b = 5, c = 4</a:t>
+            </a:r>
+            <a:endParaRPr lang="en-US" sz="2000" b="1">
+              <a:latin typeface="Tlwg Mono" panose="02000509000000000000" charset="0"/>
+              <a:cs typeface="Tlwg Mono" panose="02000509000000000000" charset="0"/>
+              <a:sym typeface="+mn-ea"/>
+            </a:endParaRPr>
+          </a:p>
+          <a:p>
+            <a:pPr algn="l">
+              <a:lnSpc>
+                <a:spcPct val="200000"/>
+              </a:lnSpc>
+            </a:pPr>
+            <a:r>
+              <a:rPr lang="en-US" sz="2000" b="1">
+                <a:latin typeface="Tlwg Mono" panose="02000509000000000000" charset="0"/>
+                <a:cs typeface="Tlwg Mono" panose="02000509000000000000" charset="0"/>
+                <a:sym typeface="+mn-ea"/>
+              </a:rPr>
+              <a:t>      X1 = torch.rand((batch, a, b)), X2 = torch.rand((batch, b, c)) </a:t>
+            </a:r>
+            <a:endParaRPr lang="en-US" sz="2000" b="1">
+              <a:latin typeface="Tlwg Mono" panose="02000509000000000000" charset="0"/>
+              <a:cs typeface="Tlwg Mono" panose="02000509000000000000" charset="0"/>
+              <a:sym typeface="+mn-ea"/>
+            </a:endParaRPr>
+          </a:p>
+          <a:p>
+            <a:pPr algn="l">
+              <a:lnSpc>
+                <a:spcPct val="200000"/>
+              </a:lnSpc>
+            </a:pPr>
+            <a:r>
+              <a:rPr lang="en-US" sz="2000" b="1">
+                <a:latin typeface="Tlwg Mono" panose="02000509000000000000" charset="0"/>
+                <a:cs typeface="Tlwg Mono" panose="02000509000000000000" charset="0"/>
+                <a:sym typeface="+mn-ea"/>
+              </a:rPr>
+              <a:t>      Z = torch.bmm(X1,X2) </a:t>
+            </a:r>
+            <a:endParaRPr lang="en-US" sz="2000" b="1">
+              <a:latin typeface="Tlwg Mono" panose="02000509000000000000" charset="0"/>
+              <a:cs typeface="Tlwg Mono" panose="02000509000000000000" charset="0"/>
+              <a:sym typeface="+mn-ea"/>
+            </a:endParaRPr>
           </a:p>
         </p:txBody>
       </p:sp>
@@ -5824,18 +6472,15 @@
               </a:rPr>
               <a:t>2. Tensor Maths</a:t>
             </a:r>
-          </a:p>
-        </p:txBody>
-      </p:sp>
-      <p:sp>
-        <p:nvSpPr>
-          <p:cNvPr id="4" name="Title 5">
-            <a:extLst>
-              <a:ext uri="{FF2B5EF4-FFF2-40B4-BE49-F238E27FC236}">
-                <a16:creationId xmlns:a16="http://schemas.microsoft.com/office/drawing/2014/main" id="{F09C934E-8F5B-2C8A-143F-BD48865910B2}"/>
-              </a:ext>
-            </a:extLst>
-          </p:cNvPr>
+            <a:endParaRPr lang="en-US" sz="2400" b="1">
+              <a:sym typeface="+mn-ea"/>
+            </a:endParaRPr>
+          </a:p>
+        </p:txBody>
+      </p:sp>
+      <p:sp>
+        <p:nvSpPr>
+          <p:cNvPr id="4" name="Title 5"/>
           <p:cNvSpPr>
             <a:spLocks noGrp="1"/>
           </p:cNvSpPr>
@@ -5875,6 +6520,11 @@
               </a:rPr>
               <a:t> Basics </a:t>
             </a:r>
+            <a:endParaRPr lang="en-US" dirty="0">
+              <a:solidFill>
+                <a:schemeClr val="bg1"/>
+              </a:solidFill>
+            </a:endParaRPr>
           </a:p>
         </p:txBody>
       </p:sp>
@@ -5912,7 +6562,7 @@
         <p:spPr>
           <a:xfrm>
             <a:off x="0" y="1653540"/>
-            <a:ext cx="12192000" cy="5015865"/>
+            <a:ext cx="12192000" cy="2553335"/>
           </a:xfrm>
           <a:prstGeom prst="rect">
             <a:avLst/>
@@ -5936,29 +6586,18 @@
               </a:lnSpc>
             </a:pPr>
             <a:r>
-              <a:rPr lang="en-US" sz="2000" b="1" dirty="0">
-                <a:latin typeface="Tlwg Mono" panose="02000509000000000000" charset="0"/>
-                <a:cs typeface="Tlwg Mono" panose="02000509000000000000" charset="0"/>
-                <a:sym typeface="+mn-ea"/>
-              </a:rPr>
-              <a:t>      </a:t>
-            </a:r>
-            <a:r>
-              <a:rPr lang="en-US" sz="2000" b="1" dirty="0" err="1">
-                <a:latin typeface="Tlwg Mono" panose="02000509000000000000" charset="0"/>
-                <a:cs typeface="Tlwg Mono" panose="02000509000000000000" charset="0"/>
-                <a:sym typeface="+mn-ea"/>
-              </a:rPr>
-              <a:t>batch_size</a:t>
-            </a:r>
-            <a:r>
-              <a:rPr lang="en-US" sz="2000" b="1" dirty="0">
-                <a:latin typeface="Tlwg Mono" panose="02000509000000000000" charset="0"/>
-                <a:cs typeface="Tlwg Mono" panose="02000509000000000000" charset="0"/>
-                <a:sym typeface="+mn-ea"/>
-              </a:rPr>
-              <a:t> = 2, features = 5</a:t>
-            </a:r>
+              <a:rPr lang="en-US" sz="2000" b="1">
+                <a:latin typeface="Tlwg Mono" panose="02000509000000000000" charset="0"/>
+                <a:cs typeface="Tlwg Mono" panose="02000509000000000000" charset="0"/>
+                <a:sym typeface="+mn-ea"/>
+              </a:rPr>
+              <a:t>     X1 = torch.tensor([1,2,3]), X2 = torch.tensor([4,5,6])</a:t>
+            </a:r>
+            <a:endParaRPr lang="en-US" sz="2000" b="1">
+              <a:latin typeface="Tlwg Mono" panose="02000509000000000000" charset="0"/>
+              <a:cs typeface="Tlwg Mono" panose="02000509000000000000" charset="0"/>
+              <a:sym typeface="+mn-ea"/>
+            </a:endParaRPr>
           </a:p>
           <a:p>
             <a:pPr algn="l">
@@ -5967,69 +6606,14 @@
               </a:lnSpc>
             </a:pPr>
             <a:r>
-              <a:rPr lang="en-US" sz="2000" b="1" dirty="0">
-                <a:latin typeface="Tlwg Mono" panose="02000509000000000000" charset="0"/>
-                <a:cs typeface="Tlwg Mono" panose="02000509000000000000" charset="0"/>
-                <a:sym typeface="+mn-ea"/>
-              </a:rPr>
-              <a:t>      </a:t>
-            </a:r>
-            <a:r>
-              <a:rPr lang="en-US" sz="2000" b="1" dirty="0">
-                <a:solidFill>
-                  <a:schemeClr val="tx1"/>
-                </a:solidFill>
-                <a:latin typeface="Tlwg Mono" panose="02000509000000000000" charset="0"/>
-                <a:cs typeface="Tlwg Mono" panose="02000509000000000000" charset="0"/>
-                <a:sym typeface="+mn-ea"/>
-              </a:rPr>
-              <a:t>x = </a:t>
-            </a:r>
-            <a:r>
-              <a:rPr lang="en-US" sz="2000" b="1" dirty="0" err="1">
-                <a:solidFill>
-                  <a:schemeClr val="tx1"/>
-                </a:solidFill>
-                <a:latin typeface="Tlwg Mono" panose="02000509000000000000" charset="0"/>
-                <a:cs typeface="Tlwg Mono" panose="02000509000000000000" charset="0"/>
-                <a:sym typeface="+mn-ea"/>
-              </a:rPr>
-              <a:t>torch.rand</a:t>
-            </a:r>
-            <a:r>
-              <a:rPr lang="en-US" sz="2000" b="1" dirty="0">
-                <a:solidFill>
-                  <a:schemeClr val="tx1"/>
-                </a:solidFill>
-                <a:latin typeface="Tlwg Mono" panose="02000509000000000000" charset="0"/>
-                <a:cs typeface="Tlwg Mono" panose="02000509000000000000" charset="0"/>
-                <a:sym typeface="+mn-ea"/>
-              </a:rPr>
-              <a:t>((</a:t>
-            </a:r>
-            <a:r>
-              <a:rPr lang="en-US" sz="2000" b="1" dirty="0" err="1">
-                <a:solidFill>
-                  <a:schemeClr val="tx1"/>
-                </a:solidFill>
-                <a:latin typeface="Tlwg Mono" panose="02000509000000000000" charset="0"/>
-                <a:cs typeface="Tlwg Mono" panose="02000509000000000000" charset="0"/>
-                <a:sym typeface="+mn-ea"/>
-              </a:rPr>
-              <a:t>batch_size</a:t>
-            </a:r>
-            <a:r>
-              <a:rPr lang="en-US" sz="2000" b="1" dirty="0">
-                <a:solidFill>
-                  <a:schemeClr val="tx1"/>
-                </a:solidFill>
-                <a:latin typeface="Tlwg Mono" panose="02000509000000000000" charset="0"/>
-                <a:cs typeface="Tlwg Mono" panose="02000509000000000000" charset="0"/>
-                <a:sym typeface="+mn-ea"/>
-              </a:rPr>
-              <a:t>), features)</a:t>
-            </a:r>
-            <a:endParaRPr lang="en-US" sz="2000" b="1" dirty="0">
+              <a:rPr lang="en-US" sz="2000" b="1">
+                <a:latin typeface="Tlwg Mono" panose="02000509000000000000" charset="0"/>
+                <a:cs typeface="Tlwg Mono" panose="02000509000000000000" charset="0"/>
+                <a:sym typeface="+mn-ea"/>
+              </a:rPr>
+              <a:t>     indices, values = torch.max(X1, dim=0), indices = torch.argmax(X1, dim=0)</a:t>
+            </a:r>
+            <a:endParaRPr lang="en-US" sz="2000" b="1">
               <a:latin typeface="Tlwg Mono" panose="02000509000000000000" charset="0"/>
               <a:cs typeface="Tlwg Mono" panose="02000509000000000000" charset="0"/>
               <a:sym typeface="+mn-ea"/>
@@ -6042,7 +6626,7 @@
               </a:lnSpc>
             </a:pPr>
             <a:r>
-              <a:rPr lang="en-US" sz="2000" b="1" dirty="0">
+              <a:rPr lang="en-US" sz="2000" b="1">
                 <a:latin typeface="Tlwg Mono" panose="02000509000000000000" charset="0"/>
                 <a:cs typeface="Tlwg Mono" panose="02000509000000000000" charset="0"/>
                 <a:sym typeface="+mn-ea"/>
@@ -6050,16 +6634,29 @@
               <a:t>     </a:t>
             </a:r>
             <a:r>
-              <a:rPr lang="en-US" sz="2000" b="1" dirty="0">
+              <a:rPr lang="en-US" sz="2000" b="1">
                 <a:solidFill>
-                  <a:schemeClr val="tx1"/>
+                  <a:srgbClr val="FF0000"/>
                 </a:solidFill>
                 <a:latin typeface="Tlwg Mono" panose="02000509000000000000" charset="0"/>
                 <a:cs typeface="Tlwg Mono" panose="02000509000000000000" charset="0"/>
                 <a:sym typeface="+mn-ea"/>
               </a:rPr>
-              <a:t> z = x[0].shape     # Get the shape of first tensor</a:t>
-            </a:r>
+              <a:t>Absolute tensor:</a:t>
+            </a:r>
+            <a:r>
+              <a:rPr lang="en-US" sz="2000" b="1">
+                <a:latin typeface="Tlwg Mono" panose="02000509000000000000" charset="0"/>
+                <a:cs typeface="Tlwg Mono" panose="02000509000000000000" charset="0"/>
+                <a:sym typeface="+mn-ea"/>
+              </a:rPr>
+              <a:t> torch.abs(X1)</a:t>
+            </a:r>
+            <a:endParaRPr lang="en-US" sz="2000" b="1">
+              <a:latin typeface="Tlwg Mono" panose="02000509000000000000" charset="0"/>
+              <a:cs typeface="Tlwg Mono" panose="02000509000000000000" charset="0"/>
+              <a:sym typeface="+mn-ea"/>
+            </a:endParaRPr>
           </a:p>
           <a:p>
             <a:pPr algn="l">
@@ -6068,33 +6665,15 @@
               </a:lnSpc>
             </a:pPr>
             <a:r>
-              <a:rPr lang="en-US" sz="2000" b="1" dirty="0">
-                <a:solidFill>
-                  <a:schemeClr val="tx1"/>
-                </a:solidFill>
-                <a:latin typeface="Tlwg Mono" panose="02000509000000000000" charset="0"/>
-                <a:cs typeface="Tlwg Mono" panose="02000509000000000000" charset="0"/>
-                <a:sym typeface="+mn-ea"/>
-              </a:rPr>
-              <a:t>      z = x[:,0].shape   # Get the shape of all tensors at the first dimension</a:t>
-            </a:r>
-          </a:p>
-          <a:p>
-            <a:pPr algn="l">
-              <a:lnSpc>
-                <a:spcPct val="200000"/>
-              </a:lnSpc>
-            </a:pPr>
-            <a:r>
-              <a:rPr lang="en-US" sz="2000" b="1" dirty="0">
-                <a:latin typeface="Tlwg Mono" panose="02000509000000000000" charset="0"/>
-                <a:cs typeface="Tlwg Mono" panose="02000509000000000000" charset="0"/>
-                <a:sym typeface="+mn-ea"/>
-              </a:rPr>
-              <a:t>      </a:t>
-            </a:r>
-            <a:r>
-              <a:rPr lang="en-US" sz="2000" b="1" dirty="0">
+              <a:rPr lang="en-US" sz="2000" b="1">
+                <a:latin typeface="Tlwg Mono" panose="02000509000000000000" charset="0"/>
+                <a:cs typeface="Tlwg Mono" panose="02000509000000000000" charset="0"/>
+                <a:sym typeface="+mn-ea"/>
+              </a:rPr>
+              <a:t>     </a:t>
+            </a:r>
+            <a:r>
+              <a:rPr lang="en-US" sz="2000" b="1">
                 <a:solidFill>
                   <a:srgbClr val="FF0000"/>
                 </a:solidFill>
@@ -6102,109 +6681,21 @@
                 <a:cs typeface="Tlwg Mono" panose="02000509000000000000" charset="0"/>
                 <a:sym typeface="+mn-ea"/>
               </a:rPr>
-              <a:t>Conditional Formatting:</a:t>
-            </a:r>
-            <a:r>
-              <a:rPr lang="en-US" sz="2000" b="1" dirty="0">
-                <a:latin typeface="Tlwg Mono" panose="02000509000000000000" charset="0"/>
-                <a:cs typeface="Tlwg Mono" panose="02000509000000000000" charset="0"/>
-                <a:sym typeface="+mn-ea"/>
-              </a:rPr>
-              <a:t> Z = </a:t>
-            </a:r>
-            <a:r>
-              <a:rPr lang="en-US" sz="2000" b="1" dirty="0" err="1">
-                <a:latin typeface="Tlwg Mono" panose="02000509000000000000" charset="0"/>
-                <a:cs typeface="Tlwg Mono" panose="02000509000000000000" charset="0"/>
-                <a:sym typeface="+mn-ea"/>
-              </a:rPr>
-              <a:t>torch.arange</a:t>
-            </a:r>
-            <a:r>
-              <a:rPr lang="en-US" sz="2000" b="1" dirty="0">
-                <a:latin typeface="Tlwg Mono" panose="02000509000000000000" charset="0"/>
-                <a:cs typeface="Tlwg Mono" panose="02000509000000000000" charset="0"/>
-                <a:sym typeface="+mn-ea"/>
-              </a:rPr>
-              <a:t>(10)</a:t>
-            </a:r>
-          </a:p>
-          <a:p>
-            <a:pPr algn="l">
-              <a:lnSpc>
-                <a:spcPct val="200000"/>
-              </a:lnSpc>
-            </a:pPr>
-            <a:r>
-              <a:rPr lang="en-US" sz="2000" b="1" dirty="0">
-                <a:latin typeface="Tlwg Mono" panose="02000509000000000000" charset="0"/>
-                <a:cs typeface="Tlwg Mono" panose="02000509000000000000" charset="0"/>
-                <a:sym typeface="+mn-ea"/>
-              </a:rPr>
-              <a:t>      Z[(Z&gt;2) | (Z&lt;8)]     # Get the elements greater than 2 and less than 8</a:t>
-            </a:r>
-          </a:p>
-          <a:p>
-            <a:pPr algn="l">
-              <a:lnSpc>
-                <a:spcPct val="200000"/>
-              </a:lnSpc>
-            </a:pPr>
-            <a:r>
-              <a:rPr lang="en-US" sz="2000" b="1" dirty="0">
-                <a:latin typeface="Tlwg Mono" panose="02000509000000000000" charset="0"/>
-                <a:cs typeface="Tlwg Mono" panose="02000509000000000000" charset="0"/>
-                <a:sym typeface="+mn-ea"/>
-              </a:rPr>
-              <a:t>      Z[</a:t>
-            </a:r>
-            <a:r>
-              <a:rPr lang="en-US" sz="2000" b="1" dirty="0" err="1">
-                <a:latin typeface="Tlwg Mono" panose="02000509000000000000" charset="0"/>
-                <a:cs typeface="Tlwg Mono" panose="02000509000000000000" charset="0"/>
-                <a:sym typeface="+mn-ea"/>
-              </a:rPr>
-              <a:t>Z.remainder</a:t>
-            </a:r>
-            <a:r>
-              <a:rPr lang="en-US" sz="2000" b="1" dirty="0">
-                <a:latin typeface="Tlwg Mono" panose="02000509000000000000" charset="0"/>
-                <a:cs typeface="Tlwg Mono" panose="02000509000000000000" charset="0"/>
-                <a:sym typeface="+mn-ea"/>
-              </a:rPr>
-              <a:t>(2)==0] # Get the even numbered elements</a:t>
-            </a:r>
-          </a:p>
-          <a:p>
-            <a:pPr algn="l">
-              <a:lnSpc>
-                <a:spcPct val="200000"/>
-              </a:lnSpc>
-            </a:pPr>
-            <a:r>
-              <a:rPr lang="en-US" sz="2000" b="1" dirty="0">
-                <a:latin typeface="Tlwg Mono" panose="02000509000000000000" charset="0"/>
-                <a:cs typeface="Tlwg Mono" panose="02000509000000000000" charset="0"/>
-                <a:sym typeface="+mn-ea"/>
-              </a:rPr>
-              <a:t>      Z = </a:t>
-            </a:r>
-            <a:r>
-              <a:rPr lang="en-US" sz="2000" b="1" dirty="0" err="1">
-                <a:latin typeface="Tlwg Mono" panose="02000509000000000000" charset="0"/>
-                <a:cs typeface="Tlwg Mono" panose="02000509000000000000" charset="0"/>
-                <a:sym typeface="+mn-ea"/>
-              </a:rPr>
-              <a:t>torch.where</a:t>
-            </a:r>
-            <a:r>
-              <a:rPr lang="en-US" sz="2000" b="1" dirty="0">
-                <a:latin typeface="Tlwg Mono" panose="02000509000000000000" charset="0"/>
-                <a:cs typeface="Tlwg Mono" panose="02000509000000000000" charset="0"/>
-                <a:sym typeface="+mn-ea"/>
-              </a:rPr>
-              <a:t>(X&gt;5, X, X*2) </a:t>
-            </a:r>
+              <a:t>Tensor Clamping:</a:t>
+            </a:r>
+            <a:r>
+              <a:rPr lang="en-US" sz="2000" b="1">
+                <a:latin typeface="Tlwg Mono" panose="02000509000000000000" charset="0"/>
+                <a:cs typeface="Tlwg Mono" panose="02000509000000000000" charset="0"/>
+                <a:sym typeface="+mn-ea"/>
+              </a:rPr>
+              <a:t> torch.clamp(X1, min = 0) </a:t>
+            </a:r>
+            <a:endParaRPr lang="en-US" sz="2000" b="1">
+              <a:latin typeface="Tlwg Mono" panose="02000509000000000000" charset="0"/>
+              <a:cs typeface="Tlwg Mono" panose="02000509000000000000" charset="0"/>
+              <a:sym typeface="+mn-ea"/>
+            </a:endParaRPr>
           </a:p>
         </p:txBody>
       </p:sp>
@@ -6217,7 +6708,7 @@
         <p:spPr>
           <a:xfrm>
             <a:off x="0" y="782955"/>
-            <a:ext cx="3348990" cy="460375"/>
+            <a:ext cx="2908935" cy="460375"/>
           </a:xfrm>
           <a:prstGeom prst="rect">
             <a:avLst/>
@@ -6239,20 +6730,17 @@
               <a:rPr lang="en-US" sz="2400" b="1">
                 <a:sym typeface="+mn-ea"/>
               </a:rPr>
-              <a:t>3. Tensor Indexing</a:t>
-            </a:r>
-          </a:p>
-        </p:txBody>
-      </p:sp>
-      <p:sp>
-        <p:nvSpPr>
-          <p:cNvPr id="4" name="Title 5">
-            <a:extLst>
-              <a:ext uri="{FF2B5EF4-FFF2-40B4-BE49-F238E27FC236}">
-                <a16:creationId xmlns:a16="http://schemas.microsoft.com/office/drawing/2014/main" id="{F8FD7668-FBF9-49BB-1579-BBB2D41290DE}"/>
-              </a:ext>
-            </a:extLst>
-          </p:cNvPr>
+              <a:t>2. Tensor Maths</a:t>
+            </a:r>
+            <a:endParaRPr lang="en-US" sz="2400" b="1">
+              <a:sym typeface="+mn-ea"/>
+            </a:endParaRPr>
+          </a:p>
+        </p:txBody>
+      </p:sp>
+      <p:sp>
+        <p:nvSpPr>
+          <p:cNvPr id="4" name="Title 5"/>
           <p:cNvSpPr>
             <a:spLocks noGrp="1"/>
           </p:cNvSpPr>
@@ -6292,6 +6780,11 @@
               </a:rPr>
               <a:t> Basics </a:t>
             </a:r>
+            <a:endParaRPr lang="en-US" dirty="0">
+              <a:solidFill>
+                <a:schemeClr val="bg1"/>
+              </a:solidFill>
+            </a:endParaRPr>
           </a:p>
         </p:txBody>
       </p:sp>
@@ -6554,8 +7047,6 @@
       </a:bgFillStyleLst>
     </a:fmtScheme>
   </a:themeElements>
-  <a:objectDefaults/>
-  <a:extraClrSchemeLst/>
   <a:extLst>
     <a:ext uri="{05A4C25C-085E-4340-85A3-A5531E510DB2}">
       <thm15:themeFamily xmlns:thm15="http://schemas.microsoft.com/office/thememl/2012/main" name="Office Theme" id="{62F939B6-93AF-4DB8-9C6B-D6C7DFDC589F}" vid="{4A3C46E8-61CC-4603-A589-7422A47A8E4A}"/>

--- a/Day1/intro2pytorch/intro2pytorch.pptx
+++ b/Day1/intro2pytorch/intro2pytorch.pptx
@@ -16,6 +16,7 @@
     <p:sldId id="262" r:id="rId11"/>
     <p:sldId id="263" r:id="rId12"/>
     <p:sldId id="264" r:id="rId13"/>
+    <p:sldId id="282" r:id="rId14"/>
   </p:sldIdLst>
   <p:sldSz cx="12192000" cy="6858000"/>
   <p:notesSz cx="6858000" cy="9144000"/>
@@ -4140,6 +4141,220 @@
 </p:sld>
 </file>
 
+<file path=ppt/slides/slide12.xml><?xml version="1.0" encoding="utf-8"?>
+<p:sld xmlns:a="http://schemas.openxmlformats.org/drawingml/2006/main" xmlns:r="http://schemas.openxmlformats.org/officeDocument/2006/relationships" xmlns:p="http://schemas.openxmlformats.org/presentationml/2006/main">
+  <p:cSld>
+    <p:spTree>
+      <p:nvGrpSpPr>
+        <p:cNvPr id="1" name=""/>
+        <p:cNvGrpSpPr/>
+        <p:nvPr/>
+      </p:nvGrpSpPr>
+      <p:grpSpPr/>
+      <p:sp>
+        <p:nvSpPr>
+          <p:cNvPr id="4" name="Title 5"/>
+          <p:cNvSpPr>
+            <a:spLocks noGrp="1"/>
+          </p:cNvSpPr>
+          <p:nvPr>
+            <p:ph type="title"/>
+          </p:nvPr>
+        </p:nvSpPr>
+        <p:spPr>
+          <a:xfrm>
+            <a:off x="-65405" y="2086610"/>
+            <a:ext cx="12257405" cy="1520190"/>
+          </a:xfrm>
+          <a:solidFill>
+            <a:srgbClr val="7030A0"/>
+          </a:solidFill>
+        </p:spPr>
+        <p:txBody>
+          <a:bodyPr>
+            <a:normAutofit fontScale="90000"/>
+          </a:bodyPr>
+          <a:p>
+            <a:pPr algn="ctr"/>
+            <a:r>
+              <a:rPr lang="en-US" sz="4000" u="sng" dirty="0" err="1">
+                <a:solidFill>
+                  <a:schemeClr val="bg1"/>
+                </a:solidFill>
+              </a:rPr>
+              <a:t>Akshay Daydar</a:t>
+            </a:r>
+            <a:br>
+              <a:rPr lang="en-US" sz="3200" dirty="0" err="1">
+                <a:solidFill>
+                  <a:schemeClr val="bg1"/>
+                </a:solidFill>
+              </a:rPr>
+            </a:br>
+            <a:r>
+              <a:rPr lang="en-US" sz="3200" dirty="0" err="1">
+                <a:solidFill>
+                  <a:schemeClr val="bg1"/>
+                </a:solidFill>
+              </a:rPr>
+              <a:t>Research Scholar, IITG</a:t>
+            </a:r>
+            <a:br>
+              <a:rPr lang="en-US" sz="3200" dirty="0" err="1">
+                <a:solidFill>
+                  <a:schemeClr val="bg1"/>
+                </a:solidFill>
+              </a:rPr>
+            </a:br>
+            <a:r>
+              <a:rPr lang="en-US" sz="3200" dirty="0" err="1">
+                <a:solidFill>
+                  <a:schemeClr val="bg1"/>
+                </a:solidFill>
+              </a:rPr>
+              <a:t>Research Areas: Medical Imaging, Deep Learning, Biomechanics </a:t>
+            </a:r>
+            <a:endParaRPr lang="en-US" sz="3200" dirty="0" err="1">
+              <a:solidFill>
+                <a:schemeClr val="bg1"/>
+              </a:solidFill>
+            </a:endParaRPr>
+          </a:p>
+        </p:txBody>
+      </p:sp>
+      <p:pic>
+        <p:nvPicPr>
+          <p:cNvPr id="5" name="Picture 4" descr="AD_image"/>
+          <p:cNvPicPr>
+            <a:picLocks noChangeAspect="1"/>
+          </p:cNvPicPr>
+          <p:nvPr/>
+        </p:nvPicPr>
+        <p:blipFill>
+          <a:blip r:embed="rId1"/>
+          <a:stretch>
+            <a:fillRect/>
+          </a:stretch>
+        </p:blipFill>
+        <p:spPr>
+          <a:xfrm>
+            <a:off x="5107305" y="0"/>
+            <a:ext cx="1845310" cy="1930400"/>
+          </a:xfrm>
+          <a:prstGeom prst="rect">
+            <a:avLst/>
+          </a:prstGeom>
+        </p:spPr>
+      </p:pic>
+      <p:pic>
+        <p:nvPicPr>
+          <p:cNvPr id="6" name="Picture 5" descr="Akshay Daydar Linkedin"/>
+          <p:cNvPicPr>
+            <a:picLocks noChangeAspect="1"/>
+          </p:cNvPicPr>
+          <p:nvPr/>
+        </p:nvPicPr>
+        <p:blipFill>
+          <a:blip r:embed="rId2"/>
+          <a:stretch>
+            <a:fillRect/>
+          </a:stretch>
+        </p:blipFill>
+        <p:spPr>
+          <a:xfrm>
+            <a:off x="7559040" y="4544695"/>
+            <a:ext cx="2123440" cy="2123440"/>
+          </a:xfrm>
+          <a:prstGeom prst="rect">
+            <a:avLst/>
+          </a:prstGeom>
+        </p:spPr>
+      </p:pic>
+      <p:sp>
+        <p:nvSpPr>
+          <p:cNvPr id="7" name="Text Box 6"/>
+          <p:cNvSpPr txBox="1"/>
+          <p:nvPr/>
+        </p:nvSpPr>
+        <p:spPr>
+          <a:xfrm>
+            <a:off x="997585" y="6041390"/>
+            <a:ext cx="4996815" cy="460375"/>
+          </a:xfrm>
+          <a:prstGeom prst="rect">
+            <a:avLst/>
+          </a:prstGeom>
+          <a:noFill/>
+        </p:spPr>
+        <p:txBody>
+          <a:bodyPr wrap="square" rtlCol="0" anchor="t">
+            <a:spAutoFit/>
+          </a:bodyPr>
+          <a:p>
+            <a:r>
+              <a:rPr lang="en-US" sz="2400" b="1"/>
+              <a:t>https://adaydar.github.io/</a:t>
+            </a:r>
+            <a:endParaRPr lang="en-US" sz="2400" b="1"/>
+          </a:p>
+        </p:txBody>
+      </p:sp>
+      <p:pic>
+        <p:nvPicPr>
+          <p:cNvPr id="8" name="Picture 7"/>
+          <p:cNvPicPr>
+            <a:picLocks noChangeAspect="1"/>
+          </p:cNvPicPr>
+          <p:nvPr/>
+        </p:nvPicPr>
+        <p:blipFill>
+          <a:blip r:embed="rId3"/>
+          <a:stretch>
+            <a:fillRect/>
+          </a:stretch>
+        </p:blipFill>
+        <p:spPr>
+          <a:xfrm>
+            <a:off x="8058150" y="3632200"/>
+            <a:ext cx="1125220" cy="1125220"/>
+          </a:xfrm>
+          <a:prstGeom prst="rect">
+            <a:avLst/>
+          </a:prstGeom>
+        </p:spPr>
+      </p:pic>
+      <p:pic>
+        <p:nvPicPr>
+          <p:cNvPr id="9" name="Picture 8"/>
+          <p:cNvPicPr>
+            <a:picLocks noChangeAspect="1"/>
+          </p:cNvPicPr>
+          <p:nvPr/>
+        </p:nvPicPr>
+        <p:blipFill>
+          <a:blip r:embed="rId4"/>
+          <a:stretch>
+            <a:fillRect/>
+          </a:stretch>
+        </p:blipFill>
+        <p:spPr>
+          <a:xfrm>
+            <a:off x="2499995" y="4050030"/>
+            <a:ext cx="1991360" cy="1991360"/>
+          </a:xfrm>
+          <a:prstGeom prst="rect">
+            <a:avLst/>
+          </a:prstGeom>
+        </p:spPr>
+      </p:pic>
+    </p:spTree>
+  </p:cSld>
+  <p:clrMapOvr>
+    <a:masterClrMapping/>
+  </p:clrMapOvr>
+</p:sld>
+</file>
+
 <file path=ppt/slides/slide2.xml><?xml version="1.0" encoding="utf-8"?>
 <p:sld xmlns:a="http://schemas.openxmlformats.org/drawingml/2006/main" xmlns:r="http://schemas.openxmlformats.org/officeDocument/2006/relationships" xmlns:p="http://schemas.openxmlformats.org/presentationml/2006/main">
   <p:cSld>
